--- a/Redux/Another Redux Talk.pptx
+++ b/Redux/Another Redux Talk.pptx
@@ -9,6 +9,8 @@
     <p:sldId id="257" r:id="rId3"/>
     <p:sldId id="258" r:id="rId4"/>
     <p:sldId id="259" r:id="rId5"/>
+    <p:sldId id="260" r:id="rId6"/>
+    <p:sldId id="261" r:id="rId7"/>
   </p:sldIdLst>
   <p:sldSz cx="12192000" cy="6858000"/>
   <p:notesSz cx="6858000" cy="9144000"/>
@@ -6549,6 +6551,746 @@
 </p:sld>
 </file>
 
+<file path=ppt/slides/slide5.xml><?xml version="1.0" encoding="utf-8"?>
+<p:sld xmlns:a="http://schemas.openxmlformats.org/drawingml/2006/main" xmlns:r="http://schemas.openxmlformats.org/officeDocument/2006/relationships" xmlns:p="http://schemas.openxmlformats.org/presentationml/2006/main">
+  <p:cSld>
+    <p:bg>
+      <p:bgPr>
+        <a:solidFill>
+          <a:schemeClr val="bg1"/>
+        </a:solidFill>
+        <a:effectLst/>
+      </p:bgPr>
+    </p:bg>
+    <p:spTree>
+      <p:nvGrpSpPr>
+        <p:cNvPr id="1" name=""/>
+        <p:cNvGrpSpPr/>
+        <p:nvPr/>
+      </p:nvGrpSpPr>
+      <p:grpSpPr>
+        <a:xfrm>
+          <a:off x="0" y="0"/>
+          <a:ext cx="0" cy="0"/>
+          <a:chOff x="0" y="0"/>
+          <a:chExt cx="0" cy="0"/>
+        </a:xfrm>
+      </p:grpSpPr>
+      <p:pic>
+        <p:nvPicPr>
+          <p:cNvPr id="3076" name="Picture 70">
+            <a:extLst>
+              <a:ext uri="{FF2B5EF4-FFF2-40B4-BE49-F238E27FC236}">
+                <a16:creationId xmlns:a16="http://schemas.microsoft.com/office/drawing/2014/main" id="{5C819037-A607-4A7B-ADF1-B04516199C89}"/>
+              </a:ext>
+              <a:ext uri="{C183D7F6-B498-43B3-948B-1728B52AA6E4}">
+                <adec:decorative xmlns:adec="http://schemas.microsoft.com/office/drawing/2017/decorative" val="1"/>
+              </a:ext>
+            </a:extLst>
+          </p:cNvPr>
+          <p:cNvPicPr>
+            <a:picLocks noGrp="1" noRot="1" noChangeAspect="1" noMove="1" noResize="1" noEditPoints="1" noAdjustHandles="1" noChangeArrowheads="1" noChangeShapeType="1" noCrop="1"/>
+          </p:cNvPicPr>
+          <p:nvPr>
+            <p:extLst>
+              <p:ext uri="{386F3935-93C4-4BCD-93E2-E3B085C9AB24}">
+                <p16:designElem xmlns:p16="http://schemas.microsoft.com/office/powerpoint/2015/main" val="1"/>
+              </p:ext>
+            </p:extLst>
+          </p:nvPr>
+        </p:nvPicPr>
+        <p:blipFill>
+          <a:blip r:embed="rId2">
+            <a:extLst>
+              <a:ext uri="{28A0092B-C50C-407E-A947-70E740481C1C}">
+                <a14:useLocalDpi xmlns:a14="http://schemas.microsoft.com/office/drawing/2010/main" val="0"/>
+              </a:ext>
+            </a:extLst>
+          </a:blip>
+          <a:stretch>
+            <a:fillRect/>
+          </a:stretch>
+        </p:blipFill>
+        <p:spPr>
+          <a:xfrm>
+            <a:off x="0" y="0"/>
+            <a:ext cx="12188825" cy="6856214"/>
+          </a:xfrm>
+          <a:prstGeom prst="rect">
+            <a:avLst/>
+          </a:prstGeom>
+        </p:spPr>
+      </p:pic>
+      <p:sp>
+        <p:nvSpPr>
+          <p:cNvPr id="3077" name="Rectangle 72">
+            <a:extLst>
+              <a:ext uri="{FF2B5EF4-FFF2-40B4-BE49-F238E27FC236}">
+                <a16:creationId xmlns:a16="http://schemas.microsoft.com/office/drawing/2014/main" id="{F8C668FA-2417-47B5-B454-2D55FC17FF7A}"/>
+              </a:ext>
+              <a:ext uri="{C183D7F6-B498-43B3-948B-1728B52AA6E4}">
+                <adec:decorative xmlns:adec="http://schemas.microsoft.com/office/drawing/2017/decorative" val="1"/>
+              </a:ext>
+            </a:extLst>
+          </p:cNvPr>
+          <p:cNvSpPr>
+            <a:spLocks noGrp="1" noRot="1" noChangeAspect="1" noMove="1" noResize="1" noEditPoints="1" noAdjustHandles="1" noChangeArrowheads="1" noChangeShapeType="1" noTextEdit="1"/>
+          </p:cNvSpPr>
+          <p:nvPr>
+            <p:extLst>
+              <p:ext uri="{386F3935-93C4-4BCD-93E2-E3B085C9AB24}">
+                <p16:designElem xmlns:p16="http://schemas.microsoft.com/office/powerpoint/2015/main" val="1"/>
+              </p:ext>
+            </p:extLst>
+          </p:nvPr>
+        </p:nvSpPr>
+        <p:spPr>
+          <a:xfrm>
+            <a:off x="0" y="0"/>
+            <a:ext cx="12192000" cy="6858000"/>
+          </a:xfrm>
+          <a:prstGeom prst="rect">
+            <a:avLst/>
+          </a:prstGeom>
+          <a:ln>
+            <a:noFill/>
+          </a:ln>
+        </p:spPr>
+        <p:style>
+          <a:lnRef idx="2">
+            <a:schemeClr val="accent1">
+              <a:shade val="50000"/>
+            </a:schemeClr>
+          </a:lnRef>
+          <a:fillRef idx="1003">
+            <a:schemeClr val="dk2"/>
+          </a:fillRef>
+          <a:effectRef idx="0">
+            <a:schemeClr val="accent1"/>
+          </a:effectRef>
+          <a:fontRef idx="minor">
+            <a:schemeClr val="lt1"/>
+          </a:fontRef>
+        </p:style>
+        <p:txBody>
+          <a:bodyPr rtlCol="0" anchor="ctr"/>
+          <a:lstStyle/>
+          <a:p>
+            <a:pPr algn="ctr"/>
+            <a:endParaRPr lang="en-US"/>
+          </a:p>
+        </p:txBody>
+      </p:sp>
+      <p:pic>
+        <p:nvPicPr>
+          <p:cNvPr id="3078" name="Picture 74">
+            <a:extLst>
+              <a:ext uri="{FF2B5EF4-FFF2-40B4-BE49-F238E27FC236}">
+                <a16:creationId xmlns:a16="http://schemas.microsoft.com/office/drawing/2014/main" id="{97FEBA57-8992-46BB-BCF0-5A83FE8E01E8}"/>
+              </a:ext>
+              <a:ext uri="{C183D7F6-B498-43B3-948B-1728B52AA6E4}">
+                <adec:decorative xmlns:adec="http://schemas.microsoft.com/office/drawing/2017/decorative" val="1"/>
+              </a:ext>
+            </a:extLst>
+          </p:cNvPr>
+          <p:cNvPicPr>
+            <a:picLocks noGrp="1" noRot="1" noChangeAspect="1" noMove="1" noResize="1" noEditPoints="1" noAdjustHandles="1" noChangeArrowheads="1" noChangeShapeType="1" noCrop="1"/>
+          </p:cNvPicPr>
+          <p:nvPr>
+            <p:extLst>
+              <p:ext uri="{386F3935-93C4-4BCD-93E2-E3B085C9AB24}">
+                <p16:designElem xmlns:p16="http://schemas.microsoft.com/office/powerpoint/2015/main" val="1"/>
+              </p:ext>
+            </p:extLst>
+          </p:nvPr>
+        </p:nvPicPr>
+        <p:blipFill>
+          <a:blip r:embed="rId2">
+            <a:extLst>
+              <a:ext uri="{28A0092B-C50C-407E-A947-70E740481C1C}">
+                <a14:useLocalDpi xmlns:a14="http://schemas.microsoft.com/office/drawing/2010/main" val="0"/>
+              </a:ext>
+            </a:extLst>
+          </a:blip>
+          <a:stretch>
+            <a:fillRect/>
+          </a:stretch>
+        </p:blipFill>
+        <p:spPr>
+          <a:xfrm>
+            <a:off x="0" y="0"/>
+            <a:ext cx="12188825" cy="6856214"/>
+          </a:xfrm>
+          <a:prstGeom prst="rect">
+            <a:avLst/>
+          </a:prstGeom>
+        </p:spPr>
+      </p:pic>
+      <p:sp>
+        <p:nvSpPr>
+          <p:cNvPr id="77" name="Rectangle 76">
+            <a:extLst>
+              <a:ext uri="{FF2B5EF4-FFF2-40B4-BE49-F238E27FC236}">
+                <a16:creationId xmlns:a16="http://schemas.microsoft.com/office/drawing/2014/main" id="{2B4CDDF6-55C3-415A-8D8B-7E03C3D616FC}"/>
+              </a:ext>
+              <a:ext uri="{C183D7F6-B498-43B3-948B-1728B52AA6E4}">
+                <adec:decorative xmlns:adec="http://schemas.microsoft.com/office/drawing/2017/decorative" val="1"/>
+              </a:ext>
+            </a:extLst>
+          </p:cNvPr>
+          <p:cNvSpPr>
+            <a:spLocks noGrp="1" noRot="1" noChangeAspect="1" noMove="1" noResize="1" noEditPoints="1" noAdjustHandles="1" noChangeArrowheads="1" noChangeShapeType="1" noTextEdit="1"/>
+          </p:cNvSpPr>
+          <p:nvPr>
+            <p:extLst>
+              <p:ext uri="{386F3935-93C4-4BCD-93E2-E3B085C9AB24}">
+                <p16:designElem xmlns:p16="http://schemas.microsoft.com/office/powerpoint/2015/main" val="1"/>
+              </p:ext>
+            </p:extLst>
+          </p:nvPr>
+        </p:nvSpPr>
+        <p:spPr>
+          <a:xfrm>
+            <a:off x="477012" y="480060"/>
+            <a:ext cx="11237976" cy="5897880"/>
+          </a:xfrm>
+          <a:prstGeom prst="rect">
+            <a:avLst/>
+          </a:prstGeom>
+          <a:solidFill>
+            <a:schemeClr val="bg1"/>
+          </a:solidFill>
+          <a:ln>
+            <a:noFill/>
+          </a:ln>
+        </p:spPr>
+        <p:style>
+          <a:lnRef idx="2">
+            <a:schemeClr val="accent1">
+              <a:shade val="50000"/>
+            </a:schemeClr>
+          </a:lnRef>
+          <a:fillRef idx="1">
+            <a:schemeClr val="accent1"/>
+          </a:fillRef>
+          <a:effectRef idx="0">
+            <a:schemeClr val="accent1"/>
+          </a:effectRef>
+          <a:fontRef idx="minor">
+            <a:schemeClr val="lt1"/>
+          </a:fontRef>
+        </p:style>
+        <p:txBody>
+          <a:bodyPr rtlCol="0" anchor="ctr"/>
+          <a:lstStyle/>
+          <a:p>
+            <a:pPr algn="ctr"/>
+            <a:endParaRPr lang="en-US"/>
+          </a:p>
+        </p:txBody>
+      </p:sp>
+      <p:pic>
+        <p:nvPicPr>
+          <p:cNvPr id="3074" name="Picture 2" descr="Complex Flux">
+            <a:extLst>
+              <a:ext uri="{FF2B5EF4-FFF2-40B4-BE49-F238E27FC236}">
+                <a16:creationId xmlns:a16="http://schemas.microsoft.com/office/drawing/2014/main" id="{91C0E8A9-4A20-44EE-A9C9-BAD26B815D6E}"/>
+              </a:ext>
+            </a:extLst>
+          </p:cNvPr>
+          <p:cNvPicPr>
+            <a:picLocks noChangeAspect="1" noChangeArrowheads="1"/>
+          </p:cNvPicPr>
+          <p:nvPr/>
+        </p:nvPicPr>
+        <p:blipFill>
+          <a:blip r:embed="rId3">
+            <a:extLst>
+              <a:ext uri="{28A0092B-C50C-407E-A947-70E740481C1C}">
+                <a14:useLocalDpi xmlns:a14="http://schemas.microsoft.com/office/drawing/2010/main" val="0"/>
+              </a:ext>
+            </a:extLst>
+          </a:blip>
+          <a:srcRect/>
+          <a:stretch>
+            <a:fillRect/>
+          </a:stretch>
+        </p:blipFill>
+        <p:spPr bwMode="auto">
+          <a:xfrm>
+            <a:off x="3070938" y="800007"/>
+            <a:ext cx="6035768" cy="5251118"/>
+          </a:xfrm>
+          <a:prstGeom prst="rect">
+            <a:avLst/>
+          </a:prstGeom>
+          <a:noFill/>
+          <a:extLst>
+            <a:ext uri="{909E8E84-426E-40DD-AFC4-6F175D3DCCD1}">
+              <a14:hiddenFill xmlns:a14="http://schemas.microsoft.com/office/drawing/2010/main">
+                <a:solidFill>
+                  <a:srgbClr val="FFFFFF"/>
+                </a:solidFill>
+              </a14:hiddenFill>
+            </a:ext>
+          </a:extLst>
+        </p:spPr>
+      </p:pic>
+    </p:spTree>
+    <p:extLst>
+      <p:ext uri="{BB962C8B-B14F-4D97-AF65-F5344CB8AC3E}">
+        <p14:creationId xmlns:p14="http://schemas.microsoft.com/office/powerpoint/2010/main" val="1220554882"/>
+      </p:ext>
+    </p:extLst>
+  </p:cSld>
+  <p:clrMapOvr>
+    <a:overrideClrMapping bg1="lt1" tx1="dk1" bg2="lt2" tx2="dk2" accent1="accent1" accent2="accent2" accent3="accent3" accent4="accent4" accent5="accent5" accent6="accent6" hlink="hlink" folHlink="folHlink"/>
+  </p:clrMapOvr>
+</p:sld>
+</file>
+
+<file path=ppt/slides/slide6.xml><?xml version="1.0" encoding="utf-8"?>
+<p:sld xmlns:a="http://schemas.openxmlformats.org/drawingml/2006/main" xmlns:r="http://schemas.openxmlformats.org/officeDocument/2006/relationships" xmlns:p="http://schemas.openxmlformats.org/presentationml/2006/main">
+  <p:cSld>
+    <p:spTree>
+      <p:nvGrpSpPr>
+        <p:cNvPr id="1" name=""/>
+        <p:cNvGrpSpPr/>
+        <p:nvPr/>
+      </p:nvGrpSpPr>
+      <p:grpSpPr>
+        <a:xfrm>
+          <a:off x="0" y="0"/>
+          <a:ext cx="0" cy="0"/>
+          <a:chOff x="0" y="0"/>
+          <a:chExt cx="0" cy="0"/>
+        </a:xfrm>
+      </p:grpSpPr>
+      <p:sp>
+        <p:nvSpPr>
+          <p:cNvPr id="2" name="Title 1">
+            <a:extLst>
+              <a:ext uri="{FF2B5EF4-FFF2-40B4-BE49-F238E27FC236}">
+                <a16:creationId xmlns:a16="http://schemas.microsoft.com/office/drawing/2014/main" id="{98A26331-D570-4498-8BC1-12ACD4CA9FEB}"/>
+              </a:ext>
+            </a:extLst>
+          </p:cNvPr>
+          <p:cNvSpPr>
+            <a:spLocks noGrp="1"/>
+          </p:cNvSpPr>
+          <p:nvPr>
+            <p:ph type="title"/>
+          </p:nvPr>
+        </p:nvSpPr>
+        <p:spPr/>
+        <p:txBody>
+          <a:bodyPr/>
+          <a:lstStyle/>
+          <a:p>
+            <a:r>
+              <a:rPr lang="en-US" dirty="0"/>
+              <a:t>Why?</a:t>
+            </a:r>
+            <a:endParaRPr lang="en-ZA" dirty="0"/>
+          </a:p>
+        </p:txBody>
+      </p:sp>
+      <p:sp>
+        <p:nvSpPr>
+          <p:cNvPr id="3" name="Content Placeholder 2">
+            <a:extLst>
+              <a:ext uri="{FF2B5EF4-FFF2-40B4-BE49-F238E27FC236}">
+                <a16:creationId xmlns:a16="http://schemas.microsoft.com/office/drawing/2014/main" id="{C911AC07-D34E-4347-83C6-4C20131FA03A}"/>
+              </a:ext>
+            </a:extLst>
+          </p:cNvPr>
+          <p:cNvSpPr>
+            <a:spLocks noGrp="1"/>
+          </p:cNvSpPr>
+          <p:nvPr>
+            <p:ph idx="1"/>
+          </p:nvPr>
+        </p:nvSpPr>
+        <p:spPr/>
+        <p:txBody>
+          <a:bodyPr/>
+          <a:lstStyle/>
+          <a:p>
+            <a:r>
+              <a:rPr lang="en-US" dirty="0"/>
+              <a:t>Unidirectional data flow</a:t>
+            </a:r>
+          </a:p>
+          <a:p>
+            <a:r>
+              <a:rPr lang="en-US" dirty="0"/>
+              <a:t>Every change of state has only one easily trace-able, corresponding action</a:t>
+            </a:r>
+          </a:p>
+          <a:p>
+            <a:r>
+              <a:rPr lang="en-US" dirty="0"/>
+              <a:t>Action handlers are synchronous</a:t>
+            </a:r>
+          </a:p>
+          <a:p>
+            <a:r>
+              <a:rPr lang="en-US" dirty="0"/>
+              <a:t>Inversion of control</a:t>
+            </a:r>
+          </a:p>
+          <a:p>
+            <a:r>
+              <a:rPr lang="en-US" dirty="0"/>
+              <a:t>Action handlers are pure</a:t>
+            </a:r>
+          </a:p>
+          <a:p>
+            <a:r>
+              <a:rPr lang="en-US" dirty="0"/>
+              <a:t>Action handlers are easy to test, because they’re pure</a:t>
+            </a:r>
+            <a:endParaRPr lang="en-ZA" dirty="0"/>
+          </a:p>
+        </p:txBody>
+      </p:sp>
+    </p:spTree>
+    <p:extLst>
+      <p:ext uri="{BB962C8B-B14F-4D97-AF65-F5344CB8AC3E}">
+        <p14:creationId xmlns:p14="http://schemas.microsoft.com/office/powerpoint/2010/main" val="3594884600"/>
+      </p:ext>
+    </p:extLst>
+  </p:cSld>
+  <p:clrMapOvr>
+    <a:masterClrMapping/>
+  </p:clrMapOvr>
+  <p:timing>
+    <p:tnLst>
+      <p:par>
+        <p:cTn id="1" dur="indefinite" restart="never" nodeType="tmRoot">
+          <p:childTnLst>
+            <p:seq concurrent="1" nextAc="seek">
+              <p:cTn id="2" dur="indefinite" nodeType="mainSeq">
+                <p:childTnLst>
+                  <p:par>
+                    <p:cTn id="3" fill="hold">
+                      <p:stCondLst>
+                        <p:cond delay="indefinite"/>
+                      </p:stCondLst>
+                      <p:childTnLst>
+                        <p:par>
+                          <p:cTn id="4" fill="hold">
+                            <p:stCondLst>
+                              <p:cond delay="0"/>
+                            </p:stCondLst>
+                            <p:childTnLst>
+                              <p:par>
+                                <p:cTn id="5" presetID="1" presetClass="entr" presetSubtype="0" fill="hold" nodeType="clickEffect">
+                                  <p:stCondLst>
+                                    <p:cond delay="0"/>
+                                  </p:stCondLst>
+                                  <p:childTnLst>
+                                    <p:set>
+                                      <p:cBhvr>
+                                        <p:cTn id="6" dur="1" fill="hold">
+                                          <p:stCondLst>
+                                            <p:cond delay="0"/>
+                                          </p:stCondLst>
+                                        </p:cTn>
+                                        <p:tgtEl>
+                                          <p:spTgt spid="3">
+                                            <p:txEl>
+                                              <p:pRg st="0" end="0"/>
+                                            </p:txEl>
+                                          </p:spTgt>
+                                        </p:tgtEl>
+                                        <p:attrNameLst>
+                                          <p:attrName>style.visibility</p:attrName>
+                                        </p:attrNameLst>
+                                      </p:cBhvr>
+                                      <p:to>
+                                        <p:strVal val="visible"/>
+                                      </p:to>
+                                    </p:set>
+                                  </p:childTnLst>
+                                </p:cTn>
+                              </p:par>
+                            </p:childTnLst>
+                          </p:cTn>
+                        </p:par>
+                      </p:childTnLst>
+                    </p:cTn>
+                  </p:par>
+                  <p:par>
+                    <p:cTn id="7" fill="hold">
+                      <p:stCondLst>
+                        <p:cond delay="indefinite"/>
+                      </p:stCondLst>
+                      <p:childTnLst>
+                        <p:par>
+                          <p:cTn id="8" fill="hold">
+                            <p:stCondLst>
+                              <p:cond delay="0"/>
+                            </p:stCondLst>
+                            <p:childTnLst>
+                              <p:par>
+                                <p:cTn id="9" presetID="1" presetClass="entr" presetSubtype="0" fill="hold" nodeType="clickEffect">
+                                  <p:stCondLst>
+                                    <p:cond delay="0"/>
+                                  </p:stCondLst>
+                                  <p:childTnLst>
+                                    <p:set>
+                                      <p:cBhvr>
+                                        <p:cTn id="10" dur="1" fill="hold">
+                                          <p:stCondLst>
+                                            <p:cond delay="0"/>
+                                          </p:stCondLst>
+                                        </p:cTn>
+                                        <p:tgtEl>
+                                          <p:spTgt spid="3">
+                                            <p:txEl>
+                                              <p:pRg st="1" end="1"/>
+                                            </p:txEl>
+                                          </p:spTgt>
+                                        </p:tgtEl>
+                                        <p:attrNameLst>
+                                          <p:attrName>style.visibility</p:attrName>
+                                        </p:attrNameLst>
+                                      </p:cBhvr>
+                                      <p:to>
+                                        <p:strVal val="visible"/>
+                                      </p:to>
+                                    </p:set>
+                                  </p:childTnLst>
+                                </p:cTn>
+                              </p:par>
+                            </p:childTnLst>
+                          </p:cTn>
+                        </p:par>
+                      </p:childTnLst>
+                    </p:cTn>
+                  </p:par>
+                  <p:par>
+                    <p:cTn id="11" fill="hold">
+                      <p:stCondLst>
+                        <p:cond delay="indefinite"/>
+                      </p:stCondLst>
+                      <p:childTnLst>
+                        <p:par>
+                          <p:cTn id="12" fill="hold">
+                            <p:stCondLst>
+                              <p:cond delay="0"/>
+                            </p:stCondLst>
+                            <p:childTnLst>
+                              <p:par>
+                                <p:cTn id="13" presetID="1" presetClass="entr" presetSubtype="0" fill="hold" nodeType="clickEffect">
+                                  <p:stCondLst>
+                                    <p:cond delay="0"/>
+                                  </p:stCondLst>
+                                  <p:childTnLst>
+                                    <p:set>
+                                      <p:cBhvr>
+                                        <p:cTn id="14" dur="1" fill="hold">
+                                          <p:stCondLst>
+                                            <p:cond delay="0"/>
+                                          </p:stCondLst>
+                                        </p:cTn>
+                                        <p:tgtEl>
+                                          <p:spTgt spid="3">
+                                            <p:txEl>
+                                              <p:pRg st="2" end="2"/>
+                                            </p:txEl>
+                                          </p:spTgt>
+                                        </p:tgtEl>
+                                        <p:attrNameLst>
+                                          <p:attrName>style.visibility</p:attrName>
+                                        </p:attrNameLst>
+                                      </p:cBhvr>
+                                      <p:to>
+                                        <p:strVal val="visible"/>
+                                      </p:to>
+                                    </p:set>
+                                  </p:childTnLst>
+                                </p:cTn>
+                              </p:par>
+                            </p:childTnLst>
+                          </p:cTn>
+                        </p:par>
+                      </p:childTnLst>
+                    </p:cTn>
+                  </p:par>
+                  <p:par>
+                    <p:cTn id="15" fill="hold">
+                      <p:stCondLst>
+                        <p:cond delay="indefinite"/>
+                      </p:stCondLst>
+                      <p:childTnLst>
+                        <p:par>
+                          <p:cTn id="16" fill="hold">
+                            <p:stCondLst>
+                              <p:cond delay="0"/>
+                            </p:stCondLst>
+                            <p:childTnLst>
+                              <p:par>
+                                <p:cTn id="17" presetID="1" presetClass="entr" presetSubtype="0" fill="hold" nodeType="clickEffect">
+                                  <p:stCondLst>
+                                    <p:cond delay="0"/>
+                                  </p:stCondLst>
+                                  <p:childTnLst>
+                                    <p:set>
+                                      <p:cBhvr>
+                                        <p:cTn id="18" dur="1" fill="hold">
+                                          <p:stCondLst>
+                                            <p:cond delay="0"/>
+                                          </p:stCondLst>
+                                        </p:cTn>
+                                        <p:tgtEl>
+                                          <p:spTgt spid="3">
+                                            <p:txEl>
+                                              <p:pRg st="3" end="3"/>
+                                            </p:txEl>
+                                          </p:spTgt>
+                                        </p:tgtEl>
+                                        <p:attrNameLst>
+                                          <p:attrName>style.visibility</p:attrName>
+                                        </p:attrNameLst>
+                                      </p:cBhvr>
+                                      <p:to>
+                                        <p:strVal val="visible"/>
+                                      </p:to>
+                                    </p:set>
+                                  </p:childTnLst>
+                                </p:cTn>
+                              </p:par>
+                            </p:childTnLst>
+                          </p:cTn>
+                        </p:par>
+                      </p:childTnLst>
+                    </p:cTn>
+                  </p:par>
+                  <p:par>
+                    <p:cTn id="19" fill="hold">
+                      <p:stCondLst>
+                        <p:cond delay="indefinite"/>
+                      </p:stCondLst>
+                      <p:childTnLst>
+                        <p:par>
+                          <p:cTn id="20" fill="hold">
+                            <p:stCondLst>
+                              <p:cond delay="0"/>
+                            </p:stCondLst>
+                            <p:childTnLst>
+                              <p:par>
+                                <p:cTn id="21" presetID="1" presetClass="entr" presetSubtype="0" fill="hold" nodeType="clickEffect">
+                                  <p:stCondLst>
+                                    <p:cond delay="0"/>
+                                  </p:stCondLst>
+                                  <p:childTnLst>
+                                    <p:set>
+                                      <p:cBhvr>
+                                        <p:cTn id="22" dur="1" fill="hold">
+                                          <p:stCondLst>
+                                            <p:cond delay="0"/>
+                                          </p:stCondLst>
+                                        </p:cTn>
+                                        <p:tgtEl>
+                                          <p:spTgt spid="3">
+                                            <p:txEl>
+                                              <p:pRg st="4" end="4"/>
+                                            </p:txEl>
+                                          </p:spTgt>
+                                        </p:tgtEl>
+                                        <p:attrNameLst>
+                                          <p:attrName>style.visibility</p:attrName>
+                                        </p:attrNameLst>
+                                      </p:cBhvr>
+                                      <p:to>
+                                        <p:strVal val="visible"/>
+                                      </p:to>
+                                    </p:set>
+                                  </p:childTnLst>
+                                </p:cTn>
+                              </p:par>
+                            </p:childTnLst>
+                          </p:cTn>
+                        </p:par>
+                      </p:childTnLst>
+                    </p:cTn>
+                  </p:par>
+                  <p:par>
+                    <p:cTn id="23" fill="hold">
+                      <p:stCondLst>
+                        <p:cond delay="indefinite"/>
+                      </p:stCondLst>
+                      <p:childTnLst>
+                        <p:par>
+                          <p:cTn id="24" fill="hold">
+                            <p:stCondLst>
+                              <p:cond delay="0"/>
+                            </p:stCondLst>
+                            <p:childTnLst>
+                              <p:par>
+                                <p:cTn id="25" presetID="1" presetClass="entr" presetSubtype="0" fill="hold" nodeType="clickEffect">
+                                  <p:stCondLst>
+                                    <p:cond delay="0"/>
+                                  </p:stCondLst>
+                                  <p:childTnLst>
+                                    <p:set>
+                                      <p:cBhvr>
+                                        <p:cTn id="26" dur="1" fill="hold">
+                                          <p:stCondLst>
+                                            <p:cond delay="0"/>
+                                          </p:stCondLst>
+                                        </p:cTn>
+                                        <p:tgtEl>
+                                          <p:spTgt spid="3">
+                                            <p:txEl>
+                                              <p:pRg st="5" end="5"/>
+                                            </p:txEl>
+                                          </p:spTgt>
+                                        </p:tgtEl>
+                                        <p:attrNameLst>
+                                          <p:attrName>style.visibility</p:attrName>
+                                        </p:attrNameLst>
+                                      </p:cBhvr>
+                                      <p:to>
+                                        <p:strVal val="visible"/>
+                                      </p:to>
+                                    </p:set>
+                                  </p:childTnLst>
+                                </p:cTn>
+                              </p:par>
+                            </p:childTnLst>
+                          </p:cTn>
+                        </p:par>
+                      </p:childTnLst>
+                    </p:cTn>
+                  </p:par>
+                </p:childTnLst>
+              </p:cTn>
+              <p:prevCondLst>
+                <p:cond evt="onPrev" delay="0">
+                  <p:tgtEl>
+                    <p:sldTgt/>
+                  </p:tgtEl>
+                </p:cond>
+              </p:prevCondLst>
+              <p:nextCondLst>
+                <p:cond evt="onNext" delay="0">
+                  <p:tgtEl>
+                    <p:sldTgt/>
+                  </p:tgtEl>
+                </p:cond>
+              </p:nextCondLst>
+            </p:seq>
+          </p:childTnLst>
+        </p:cTn>
+      </p:par>
+    </p:tnLst>
+  </p:timing>
+</p:sld>
+</file>
+
 <file path=ppt/theme/theme1.xml><?xml version="1.0" encoding="utf-8"?>
 <a:theme xmlns:a="http://schemas.openxmlformats.org/drawingml/2006/main" name="Celestial">
   <a:themeElements>

--- a/Redux/Another Redux Talk.pptx
+++ b/Redux/Another Redux Talk.pptx
@@ -11,6 +11,10 @@
     <p:sldId id="259" r:id="rId5"/>
     <p:sldId id="260" r:id="rId6"/>
     <p:sldId id="261" r:id="rId7"/>
+    <p:sldId id="266" r:id="rId8"/>
+    <p:sldId id="265" r:id="rId9"/>
+    <p:sldId id="264" r:id="rId10"/>
+    <p:sldId id="262" r:id="rId11"/>
   </p:sldIdLst>
   <p:sldSz cx="12192000" cy="6858000"/>
   <p:notesSz cx="6858000" cy="9144000"/>
@@ -347,7 +351,7 @@
             <a:fld id="{B61BEF0D-F0BB-DE4B-95CE-6DB70DBA9567}" type="datetimeFigureOut">
               <a:rPr lang="en-US" dirty="0"/>
               <a:pPr/>
-              <a:t>5/20/2018</a:t>
+              <a:t>5/23/2018</a:t>
             </a:fld>
             <a:endParaRPr lang="en-US" dirty="0"/>
           </a:p>
@@ -678,7 +682,7 @@
             <a:fld id="{B61BEF0D-F0BB-DE4B-95CE-6DB70DBA9567}" type="datetimeFigureOut">
               <a:rPr lang="en-US" dirty="0"/>
               <a:pPr/>
-              <a:t>5/20/2018</a:t>
+              <a:t>5/23/2018</a:t>
             </a:fld>
             <a:endParaRPr lang="en-US" dirty="0"/>
           </a:p>
@@ -953,7 +957,7 @@
             <a:fld id="{B61BEF0D-F0BB-DE4B-95CE-6DB70DBA9567}" type="datetimeFigureOut">
               <a:rPr lang="en-US" dirty="0"/>
               <a:pPr/>
-              <a:t>5/20/2018</a:t>
+              <a:t>5/23/2018</a:t>
             </a:fld>
             <a:endParaRPr lang="en-US" dirty="0"/>
           </a:p>
@@ -1518,7 +1522,7 @@
             <a:fld id="{B61BEF0D-F0BB-DE4B-95CE-6DB70DBA9567}" type="datetimeFigureOut">
               <a:rPr lang="en-US" dirty="0"/>
               <a:pPr/>
-              <a:t>5/20/2018</a:t>
+              <a:t>5/23/2018</a:t>
             </a:fld>
             <a:endParaRPr lang="en-US" dirty="0"/>
           </a:p>
@@ -1793,7 +1797,7 @@
             <a:fld id="{B61BEF0D-F0BB-DE4B-95CE-6DB70DBA9567}" type="datetimeFigureOut">
               <a:rPr lang="en-US" dirty="0"/>
               <a:pPr/>
-              <a:t>5/20/2018</a:t>
+              <a:t>5/23/2018</a:t>
             </a:fld>
             <a:endParaRPr lang="en-US" dirty="0"/>
           </a:p>
@@ -2352,7 +2356,7 @@
             <a:fld id="{B61BEF0D-F0BB-DE4B-95CE-6DB70DBA9567}" type="datetimeFigureOut">
               <a:rPr lang="en-US" dirty="0"/>
               <a:pPr/>
-              <a:t>5/20/2018</a:t>
+              <a:t>5/23/2018</a:t>
             </a:fld>
             <a:endParaRPr lang="en-US" dirty="0"/>
           </a:p>
@@ -2676,7 +2680,7 @@
             <a:fld id="{B61BEF0D-F0BB-DE4B-95CE-6DB70DBA9567}" type="datetimeFigureOut">
               <a:rPr lang="en-US" dirty="0"/>
               <a:pPr/>
-              <a:t>5/20/2018</a:t>
+              <a:t>5/23/2018</a:t>
             </a:fld>
             <a:endParaRPr lang="en-US" dirty="0"/>
           </a:p>
@@ -2878,7 +2882,7 @@
             <a:fld id="{B61BEF0D-F0BB-DE4B-95CE-6DB70DBA9567}" type="datetimeFigureOut">
               <a:rPr lang="en-US" dirty="0"/>
               <a:pPr/>
-              <a:t>5/20/2018</a:t>
+              <a:t>5/23/2018</a:t>
             </a:fld>
             <a:endParaRPr lang="en-US" dirty="0"/>
           </a:p>
@@ -3085,7 +3089,7 @@
             <a:fld id="{B61BEF0D-F0BB-DE4B-95CE-6DB70DBA9567}" type="datetimeFigureOut">
               <a:rPr lang="en-US" dirty="0"/>
               <a:pPr/>
-              <a:t>5/20/2018</a:t>
+              <a:t>5/23/2018</a:t>
             </a:fld>
             <a:endParaRPr lang="en-US" dirty="0"/>
           </a:p>
@@ -3285,7 +3289,7 @@
             <a:fld id="{B61BEF0D-F0BB-DE4B-95CE-6DB70DBA9567}" type="datetimeFigureOut">
               <a:rPr lang="en-US" dirty="0"/>
               <a:pPr/>
-              <a:t>5/20/2018</a:t>
+              <a:t>5/23/2018</a:t>
             </a:fld>
             <a:endParaRPr lang="en-US" dirty="0"/>
           </a:p>
@@ -3558,7 +3562,7 @@
             <a:fld id="{B61BEF0D-F0BB-DE4B-95CE-6DB70DBA9567}" type="datetimeFigureOut">
               <a:rPr lang="en-US" dirty="0"/>
               <a:pPr/>
-              <a:t>5/20/2018</a:t>
+              <a:t>5/23/2018</a:t>
             </a:fld>
             <a:endParaRPr lang="en-US" dirty="0"/>
           </a:p>
@@ -3821,7 +3825,7 @@
             <a:fld id="{B61BEF0D-F0BB-DE4B-95CE-6DB70DBA9567}" type="datetimeFigureOut">
               <a:rPr lang="en-US" dirty="0"/>
               <a:pPr/>
-              <a:t>5/20/2018</a:t>
+              <a:t>5/23/2018</a:t>
             </a:fld>
             <a:endParaRPr lang="en-US" dirty="0"/>
           </a:p>
@@ -4192,7 +4196,7 @@
             <a:fld id="{B61BEF0D-F0BB-DE4B-95CE-6DB70DBA9567}" type="datetimeFigureOut">
               <a:rPr lang="en-US" dirty="0"/>
               <a:pPr/>
-              <a:t>5/20/2018</a:t>
+              <a:t>5/23/2018</a:t>
             </a:fld>
             <a:endParaRPr lang="en-US" dirty="0"/>
           </a:p>
@@ -4337,7 +4341,7 @@
             <a:fld id="{B61BEF0D-F0BB-DE4B-95CE-6DB70DBA9567}" type="datetimeFigureOut">
               <a:rPr lang="en-US" dirty="0"/>
               <a:pPr/>
-              <a:t>5/20/2018</a:t>
+              <a:t>5/23/2018</a:t>
             </a:fld>
             <a:endParaRPr lang="en-US" dirty="0"/>
           </a:p>
@@ -4459,7 +4463,7 @@
             <a:fld id="{B61BEF0D-F0BB-DE4B-95CE-6DB70DBA9567}" type="datetimeFigureOut">
               <a:rPr lang="en-US" dirty="0"/>
               <a:pPr/>
-              <a:t>5/20/2018</a:t>
+              <a:t>5/23/2018</a:t>
             </a:fld>
             <a:endParaRPr lang="en-US" dirty="0"/>
           </a:p>
@@ -4741,7 +4745,7 @@
             <a:fld id="{B61BEF0D-F0BB-DE4B-95CE-6DB70DBA9567}" type="datetimeFigureOut">
               <a:rPr lang="en-US" dirty="0"/>
               <a:pPr/>
-              <a:t>5/20/2018</a:t>
+              <a:t>5/23/2018</a:t>
             </a:fld>
             <a:endParaRPr lang="en-US" dirty="0"/>
           </a:p>
@@ -5062,7 +5066,7 @@
             <a:fld id="{B61BEF0D-F0BB-DE4B-95CE-6DB70DBA9567}" type="datetimeFigureOut">
               <a:rPr lang="en-US" dirty="0"/>
               <a:pPr/>
-              <a:t>5/20/2018</a:t>
+              <a:t>5/23/2018</a:t>
             </a:fld>
             <a:endParaRPr lang="en-US" dirty="0"/>
           </a:p>
@@ -5273,7 +5277,7 @@
             <a:fld id="{B61BEF0D-F0BB-DE4B-95CE-6DB70DBA9567}" type="datetimeFigureOut">
               <a:rPr lang="en-US" dirty="0"/>
               <a:pPr/>
-              <a:t>5/20/2018</a:t>
+              <a:t>5/23/2018</a:t>
             </a:fld>
             <a:endParaRPr lang="en-US" dirty="0"/>
           </a:p>
@@ -5863,6 +5867,106 @@
 </p:sld>
 </file>
 
+<file path=ppt/slides/slide10.xml><?xml version="1.0" encoding="utf-8"?>
+<p:sld xmlns:a="http://schemas.openxmlformats.org/drawingml/2006/main" xmlns:r="http://schemas.openxmlformats.org/officeDocument/2006/relationships" xmlns:p="http://schemas.openxmlformats.org/presentationml/2006/main">
+  <p:cSld>
+    <p:spTree>
+      <p:nvGrpSpPr>
+        <p:cNvPr id="1" name=""/>
+        <p:cNvGrpSpPr/>
+        <p:nvPr/>
+      </p:nvGrpSpPr>
+      <p:grpSpPr>
+        <a:xfrm>
+          <a:off x="0" y="0"/>
+          <a:ext cx="0" cy="0"/>
+          <a:chOff x="0" y="0"/>
+          <a:chExt cx="0" cy="0"/>
+        </a:xfrm>
+      </p:grpSpPr>
+      <p:sp>
+        <p:nvSpPr>
+          <p:cNvPr id="2" name="Title 1">
+            <a:extLst>
+              <a:ext uri="{FF2B5EF4-FFF2-40B4-BE49-F238E27FC236}">
+                <a16:creationId xmlns:a16="http://schemas.microsoft.com/office/drawing/2014/main" id="{8CFD8970-7280-4220-8158-D0EF00C7D878}"/>
+              </a:ext>
+            </a:extLst>
+          </p:cNvPr>
+          <p:cNvSpPr>
+            <a:spLocks noGrp="1"/>
+          </p:cNvSpPr>
+          <p:nvPr>
+            <p:ph type="title"/>
+          </p:nvPr>
+        </p:nvSpPr>
+        <p:spPr/>
+        <p:txBody>
+          <a:bodyPr/>
+          <a:lstStyle/>
+          <a:p>
+            <a:r>
+              <a:rPr lang="en-US" dirty="0"/>
+              <a:t>Best practices</a:t>
+            </a:r>
+            <a:endParaRPr lang="en-ZA" dirty="0"/>
+          </a:p>
+        </p:txBody>
+      </p:sp>
+      <p:sp>
+        <p:nvSpPr>
+          <p:cNvPr id="3" name="Content Placeholder 2">
+            <a:extLst>
+              <a:ext uri="{FF2B5EF4-FFF2-40B4-BE49-F238E27FC236}">
+                <a16:creationId xmlns:a16="http://schemas.microsoft.com/office/drawing/2014/main" id="{B5642B40-84CB-467D-BC57-D2D4BF41B229}"/>
+              </a:ext>
+            </a:extLst>
+          </p:cNvPr>
+          <p:cNvSpPr>
+            <a:spLocks noGrp="1"/>
+          </p:cNvSpPr>
+          <p:nvPr>
+            <p:ph idx="1"/>
+          </p:nvPr>
+        </p:nvSpPr>
+        <p:spPr/>
+        <p:txBody>
+          <a:bodyPr/>
+          <a:lstStyle/>
+          <a:p>
+            <a:r>
+              <a:rPr lang="en-US" dirty="0"/>
+              <a:t>Reducers must always be pure</a:t>
+            </a:r>
+          </a:p>
+          <a:p>
+            <a:r>
+              <a:rPr lang="en-US" dirty="0"/>
+              <a:t>Use reducer composition</a:t>
+            </a:r>
+          </a:p>
+          <a:p>
+            <a:r>
+              <a:rPr lang="en-US" dirty="0"/>
+              <a:t>Name each action constant as &lt;NOUN&gt;_&lt;VERB&gt;</a:t>
+            </a:r>
+            <a:endParaRPr lang="en-ZA" dirty="0"/>
+          </a:p>
+        </p:txBody>
+      </p:sp>
+    </p:spTree>
+    <p:extLst>
+      <p:ext uri="{BB962C8B-B14F-4D97-AF65-F5344CB8AC3E}">
+        <p14:creationId xmlns:p14="http://schemas.microsoft.com/office/powerpoint/2010/main" val="3435539742"/>
+      </p:ext>
+    </p:extLst>
+  </p:cSld>
+  <p:clrMapOvr>
+    <a:masterClrMapping/>
+  </p:clrMapOvr>
+</p:sld>
+</file>
+
 <file path=ppt/slides/slide2.xml><?xml version="1.0" encoding="utf-8"?>
 <p:sld xmlns:a="http://schemas.openxmlformats.org/drawingml/2006/main" xmlns:r="http://schemas.openxmlformats.org/officeDocument/2006/relationships" xmlns:p="http://schemas.openxmlformats.org/presentationml/2006/main">
   <p:cSld>
@@ -6950,6 +7054,17 @@
               <a:rPr lang="en-US" dirty="0"/>
               <a:t>Action handlers are easy to test, because they’re pure</a:t>
             </a:r>
+          </a:p>
+          <a:p>
+            <a:r>
+              <a:rPr lang="en-US" dirty="0"/>
+              <a:t>On your website you can test state modifications without seeing state as a reflection of your DOM.</a:t>
+            </a:r>
+          </a:p>
+          <a:p>
+            <a:pPr marL="0" indent="0">
+              <a:buNone/>
+            </a:pPr>
             <a:endParaRPr lang="en-ZA" dirty="0"/>
           </a:p>
         </p:txBody>
@@ -7266,6 +7381,55 @@
                       </p:childTnLst>
                     </p:cTn>
                   </p:par>
+                  <p:par>
+                    <p:cTn id="27" fill="hold">
+                      <p:stCondLst>
+                        <p:cond delay="indefinite"/>
+                      </p:stCondLst>
+                      <p:childTnLst>
+                        <p:par>
+                          <p:cTn id="28" fill="hold">
+                            <p:stCondLst>
+                              <p:cond delay="0"/>
+                            </p:stCondLst>
+                            <p:childTnLst>
+                              <p:par>
+                                <p:cTn id="29" presetID="1" presetClass="entr" presetSubtype="0" fill="hold" nodeType="clickEffect">
+                                  <p:stCondLst>
+                                    <p:cond delay="0"/>
+                                  </p:stCondLst>
+                                  <p:childTnLst>
+                                    <p:set>
+                                      <p:cBhvr>
+                                        <p:cTn id="30" dur="1" fill="hold">
+                                          <p:stCondLst>
+                                            <p:cond delay="0"/>
+                                          </p:stCondLst>
+                                        </p:cTn>
+                                        <p:tgtEl>
+                                          <p:spTgt spid="3">
+                                            <p:txEl>
+                                              <p:pRg st="6" end="6"/>
+                                            </p:txEl>
+                                          </p:spTgt>
+                                        </p:tgtEl>
+                                        <p:attrNameLst>
+                                          <p:attrName>style.visibility</p:attrName>
+                                        </p:attrNameLst>
+                                      </p:cBhvr>
+                                      <p:to>
+                                        <p:strVal val="visible"/>
+                                      </p:to>
+                                    </p:set>
+                                  </p:childTnLst>
+                                </p:cTn>
+                              </p:par>
+                            </p:childTnLst>
+                          </p:cTn>
+                        </p:par>
+                      </p:childTnLst>
+                    </p:cTn>
+                  </p:par>
                 </p:childTnLst>
               </p:cTn>
               <p:prevCondLst>
@@ -7288,6 +7452,563 @@
       </p:par>
     </p:tnLst>
   </p:timing>
+</p:sld>
+</file>
+
+<file path=ppt/slides/slide7.xml><?xml version="1.0" encoding="utf-8"?>
+<p:sld xmlns:a="http://schemas.openxmlformats.org/drawingml/2006/main" xmlns:r="http://schemas.openxmlformats.org/officeDocument/2006/relationships" xmlns:p="http://schemas.openxmlformats.org/presentationml/2006/main">
+  <p:cSld>
+    <p:bg>
+      <p:bgPr>
+        <a:blipFill>
+          <a:blip r:embed="rId2">
+            <a:extLst/>
+          </a:blip>
+          <a:stretch/>
+        </a:blipFill>
+        <a:effectLst/>
+      </p:bgPr>
+    </p:bg>
+    <p:spTree>
+      <p:nvGrpSpPr>
+        <p:cNvPr id="1" name=""/>
+        <p:cNvGrpSpPr/>
+        <p:nvPr/>
+      </p:nvGrpSpPr>
+      <p:grpSpPr>
+        <a:xfrm>
+          <a:off x="0" y="0"/>
+          <a:ext cx="0" cy="0"/>
+          <a:chOff x="0" y="0"/>
+          <a:chExt cx="0" cy="0"/>
+        </a:xfrm>
+      </p:grpSpPr>
+      <p:pic>
+        <p:nvPicPr>
+          <p:cNvPr id="16" name="Picture 9">
+            <a:extLst>
+              <a:ext uri="{FF2B5EF4-FFF2-40B4-BE49-F238E27FC236}">
+                <a16:creationId xmlns:a16="http://schemas.microsoft.com/office/drawing/2014/main" id="{9F6D95BA-5DEA-4969-83AE-052DB82DC8AB}"/>
+              </a:ext>
+              <a:ext uri="{C183D7F6-B498-43B3-948B-1728B52AA6E4}">
+                <adec:decorative xmlns:adec="http://schemas.microsoft.com/office/drawing/2017/decorative" val="1"/>
+              </a:ext>
+            </a:extLst>
+          </p:cNvPr>
+          <p:cNvPicPr>
+            <a:picLocks noGrp="1" noRot="1" noChangeAspect="1" noMove="1" noResize="1" noEditPoints="1" noAdjustHandles="1" noChangeArrowheads="1" noChangeShapeType="1" noCrop="1"/>
+          </p:cNvPicPr>
+          <p:nvPr>
+            <p:extLst>
+              <p:ext uri="{386F3935-93C4-4BCD-93E2-E3B085C9AB24}">
+                <p16:designElem xmlns:p16="http://schemas.microsoft.com/office/powerpoint/2015/main" val="1"/>
+              </p:ext>
+            </p:extLst>
+          </p:nvPr>
+        </p:nvPicPr>
+        <p:blipFill>
+          <a:blip r:embed="rId3">
+            <a:extLst>
+              <a:ext uri="{28A0092B-C50C-407E-A947-70E740481C1C}">
+                <a14:useLocalDpi xmlns:a14="http://schemas.microsoft.com/office/drawing/2010/main" val="0"/>
+              </a:ext>
+            </a:extLst>
+          </a:blip>
+          <a:stretch>
+            <a:fillRect/>
+          </a:stretch>
+        </p:blipFill>
+        <p:spPr>
+          <a:xfrm>
+            <a:off x="0" y="0"/>
+            <a:ext cx="12188825" cy="6856214"/>
+          </a:xfrm>
+          <a:prstGeom prst="rect">
+            <a:avLst/>
+          </a:prstGeom>
+        </p:spPr>
+      </p:pic>
+      <p:pic>
+        <p:nvPicPr>
+          <p:cNvPr id="17" name="Picture 11">
+            <a:extLst>
+              <a:ext uri="{FF2B5EF4-FFF2-40B4-BE49-F238E27FC236}">
+                <a16:creationId xmlns:a16="http://schemas.microsoft.com/office/drawing/2014/main" id="{D1CEED38-66FC-4D91-86AF-A99BDCEF96AB}"/>
+              </a:ext>
+              <a:ext uri="{C183D7F6-B498-43B3-948B-1728B52AA6E4}">
+                <adec:decorative xmlns:adec="http://schemas.microsoft.com/office/drawing/2017/decorative" val="1"/>
+              </a:ext>
+            </a:extLst>
+          </p:cNvPr>
+          <p:cNvPicPr>
+            <a:picLocks noGrp="1" noRot="1" noChangeAspect="1" noMove="1" noResize="1" noEditPoints="1" noAdjustHandles="1" noChangeArrowheads="1" noChangeShapeType="1" noCrop="1"/>
+          </p:cNvPicPr>
+          <p:nvPr>
+            <p:extLst>
+              <p:ext uri="{386F3935-93C4-4BCD-93E2-E3B085C9AB24}">
+                <p16:designElem xmlns:p16="http://schemas.microsoft.com/office/powerpoint/2015/main" val="1"/>
+              </p:ext>
+            </p:extLst>
+          </p:nvPr>
+        </p:nvPicPr>
+        <p:blipFill>
+          <a:blip r:embed="rId4">
+            <a:extLst>
+              <a:ext uri="{28A0092B-C50C-407E-A947-70E740481C1C}">
+                <a14:useLocalDpi xmlns:a14="http://schemas.microsoft.com/office/drawing/2010/main" val="0"/>
+              </a:ext>
+            </a:extLst>
+          </a:blip>
+          <a:stretch>
+            <a:fillRect/>
+          </a:stretch>
+        </p:blipFill>
+        <p:spPr>
+          <a:xfrm>
+            <a:off x="0" y="0"/>
+            <a:ext cx="12188825" cy="6856214"/>
+          </a:xfrm>
+          <a:prstGeom prst="rect">
+            <a:avLst/>
+          </a:prstGeom>
+        </p:spPr>
+      </p:pic>
+      <p:sp>
+        <p:nvSpPr>
+          <p:cNvPr id="2" name="Title 1">
+            <a:extLst>
+              <a:ext uri="{FF2B5EF4-FFF2-40B4-BE49-F238E27FC236}">
+                <a16:creationId xmlns:a16="http://schemas.microsoft.com/office/drawing/2014/main" id="{08C2D0EB-02F3-41E9-9565-3D0B0DC44748}"/>
+              </a:ext>
+            </a:extLst>
+          </p:cNvPr>
+          <p:cNvSpPr>
+            <a:spLocks noGrp="1"/>
+          </p:cNvSpPr>
+          <p:nvPr>
+            <p:ph type="title"/>
+          </p:nvPr>
+        </p:nvSpPr>
+        <p:spPr>
+          <a:xfrm>
+            <a:off x="7905135" y="1964267"/>
+            <a:ext cx="3254990" cy="2421464"/>
+          </a:xfrm>
+        </p:spPr>
+        <p:txBody>
+          <a:bodyPr vert="horz" lIns="91440" tIns="45720" rIns="91440" bIns="45720" rtlCol="0" anchor="b">
+            <a:normAutofit/>
+          </a:bodyPr>
+          <a:lstStyle/>
+          <a:p>
+            <a:pPr algn="r"/>
+            <a:r>
+              <a:rPr lang="en-US" sz="4800" cap="all"/>
+              <a:t>WRAP YOUR APP!</a:t>
+            </a:r>
+          </a:p>
+        </p:txBody>
+      </p:sp>
+      <p:pic>
+        <p:nvPicPr>
+          <p:cNvPr id="6" name="Picture 5">
+            <a:extLst>
+              <a:ext uri="{FF2B5EF4-FFF2-40B4-BE49-F238E27FC236}">
+                <a16:creationId xmlns:a16="http://schemas.microsoft.com/office/drawing/2014/main" id="{ACDB8242-A67D-4E55-9CB5-8BF71262FF4B}"/>
+              </a:ext>
+            </a:extLst>
+          </p:cNvPr>
+          <p:cNvPicPr>
+            <a:picLocks noChangeAspect="1"/>
+          </p:cNvPicPr>
+          <p:nvPr/>
+        </p:nvPicPr>
+        <p:blipFill>
+          <a:blip r:embed="rId5"/>
+          <a:stretch>
+            <a:fillRect/>
+          </a:stretch>
+        </p:blipFill>
+        <p:spPr>
+          <a:xfrm>
+            <a:off x="1424962" y="2156706"/>
+            <a:ext cx="6191250" cy="2962275"/>
+          </a:xfrm>
+          <a:prstGeom prst="rect">
+            <a:avLst/>
+          </a:prstGeom>
+        </p:spPr>
+      </p:pic>
+    </p:spTree>
+    <p:extLst>
+      <p:ext uri="{BB962C8B-B14F-4D97-AF65-F5344CB8AC3E}">
+        <p14:creationId xmlns:p14="http://schemas.microsoft.com/office/powerpoint/2010/main" val="4226048860"/>
+      </p:ext>
+    </p:extLst>
+  </p:cSld>
+  <p:clrMapOvr>
+    <a:masterClrMapping/>
+  </p:clrMapOvr>
+</p:sld>
+</file>
+
+<file path=ppt/slides/slide8.xml><?xml version="1.0" encoding="utf-8"?>
+<p:sld xmlns:a="http://schemas.openxmlformats.org/drawingml/2006/main" xmlns:r="http://schemas.openxmlformats.org/officeDocument/2006/relationships" xmlns:p="http://schemas.openxmlformats.org/presentationml/2006/main">
+  <p:cSld>
+    <p:bg>
+      <p:bgPr>
+        <a:blipFill>
+          <a:blip r:embed="rId2">
+            <a:extLst/>
+          </a:blip>
+          <a:stretch/>
+        </a:blipFill>
+        <a:effectLst/>
+      </p:bgPr>
+    </p:bg>
+    <p:spTree>
+      <p:nvGrpSpPr>
+        <p:cNvPr id="1" name=""/>
+        <p:cNvGrpSpPr/>
+        <p:nvPr/>
+      </p:nvGrpSpPr>
+      <p:grpSpPr>
+        <a:xfrm>
+          <a:off x="0" y="0"/>
+          <a:ext cx="0" cy="0"/>
+          <a:chOff x="0" y="0"/>
+          <a:chExt cx="0" cy="0"/>
+        </a:xfrm>
+      </p:grpSpPr>
+      <p:pic>
+        <p:nvPicPr>
+          <p:cNvPr id="102" name="Picture 99">
+            <a:extLst>
+              <a:ext uri="{FF2B5EF4-FFF2-40B4-BE49-F238E27FC236}">
+                <a16:creationId xmlns:a16="http://schemas.microsoft.com/office/drawing/2014/main" id="{4432DA31-8308-4F44-87C4-068169AA4DCA}"/>
+              </a:ext>
+              <a:ext uri="{C183D7F6-B498-43B3-948B-1728B52AA6E4}">
+                <adec:decorative xmlns:adec="http://schemas.microsoft.com/office/drawing/2017/decorative" val="1"/>
+              </a:ext>
+            </a:extLst>
+          </p:cNvPr>
+          <p:cNvPicPr>
+            <a:picLocks noGrp="1" noRot="1" noChangeAspect="1" noMove="1" noResize="1" noEditPoints="1" noAdjustHandles="1" noChangeArrowheads="1" noChangeShapeType="1" noCrop="1"/>
+          </p:cNvPicPr>
+          <p:nvPr>
+            <p:extLst>
+              <p:ext uri="{386F3935-93C4-4BCD-93E2-E3B085C9AB24}">
+                <p16:designElem xmlns:p16="http://schemas.microsoft.com/office/powerpoint/2015/main" val="1"/>
+              </p:ext>
+            </p:extLst>
+          </p:nvPr>
+        </p:nvPicPr>
+        <p:blipFill>
+          <a:blip r:embed="rId3">
+            <a:extLst>
+              <a:ext uri="{28A0092B-C50C-407E-A947-70E740481C1C}">
+                <a14:useLocalDpi xmlns:a14="http://schemas.microsoft.com/office/drawing/2010/main" val="0"/>
+              </a:ext>
+            </a:extLst>
+          </a:blip>
+          <a:stretch>
+            <a:fillRect/>
+          </a:stretch>
+        </p:blipFill>
+        <p:spPr>
+          <a:xfrm>
+            <a:off x="0" y="0"/>
+            <a:ext cx="12188825" cy="6856214"/>
+          </a:xfrm>
+          <a:prstGeom prst="rect">
+            <a:avLst/>
+          </a:prstGeom>
+        </p:spPr>
+      </p:pic>
+      <p:pic>
+        <p:nvPicPr>
+          <p:cNvPr id="6" name="Picture 5">
+            <a:extLst>
+              <a:ext uri="{FF2B5EF4-FFF2-40B4-BE49-F238E27FC236}">
+                <a16:creationId xmlns:a16="http://schemas.microsoft.com/office/drawing/2014/main" id="{40A4DE4C-8612-4E0E-931C-06D495F41C7D}"/>
+              </a:ext>
+            </a:extLst>
+          </p:cNvPr>
+          <p:cNvPicPr>
+            <a:picLocks noChangeAspect="1"/>
+          </p:cNvPicPr>
+          <p:nvPr/>
+        </p:nvPicPr>
+        <p:blipFill>
+          <a:blip r:embed="rId4"/>
+          <a:stretch>
+            <a:fillRect/>
+          </a:stretch>
+        </p:blipFill>
+        <p:spPr>
+          <a:xfrm>
+            <a:off x="643464" y="956124"/>
+            <a:ext cx="10909440" cy="2978751"/>
+          </a:xfrm>
+          <a:prstGeom prst="roundRect">
+            <a:avLst>
+              <a:gd name="adj" fmla="val 4380"/>
+            </a:avLst>
+          </a:prstGeom>
+          <a:ln w="50800" cap="sq" cmpd="dbl">
+            <a:gradFill flip="none" rotWithShape="1">
+              <a:gsLst>
+                <a:gs pos="0">
+                  <a:srgbClr val="FFFFFF"/>
+                </a:gs>
+                <a:gs pos="100000">
+                  <a:schemeClr val="tx1">
+                    <a:alpha val="0"/>
+                  </a:schemeClr>
+                </a:gs>
+              </a:gsLst>
+              <a:path path="circle">
+                <a:fillToRect l="50000" t="50000" r="50000" b="50000"/>
+              </a:path>
+              <a:tileRect/>
+            </a:gradFill>
+            <a:miter lim="800000"/>
+          </a:ln>
+          <a:effectLst>
+            <a:outerShdw blurRad="254000" algn="tl" rotWithShape="0">
+              <a:srgbClr val="000000">
+                <a:alpha val="43000"/>
+              </a:srgbClr>
+            </a:outerShdw>
+          </a:effectLst>
+        </p:spPr>
+      </p:pic>
+      <p:sp>
+        <p:nvSpPr>
+          <p:cNvPr id="2" name="Title 1">
+            <a:extLst>
+              <a:ext uri="{FF2B5EF4-FFF2-40B4-BE49-F238E27FC236}">
+                <a16:creationId xmlns:a16="http://schemas.microsoft.com/office/drawing/2014/main" id="{DAAC4BBB-17CA-4F7B-8663-0B7A62762AB9}"/>
+              </a:ext>
+            </a:extLst>
+          </p:cNvPr>
+          <p:cNvSpPr>
+            <a:spLocks noGrp="1"/>
+          </p:cNvSpPr>
+          <p:nvPr>
+            <p:ph type="title"/>
+          </p:nvPr>
+        </p:nvSpPr>
+        <p:spPr>
+          <a:xfrm>
+            <a:off x="643464" y="4562167"/>
+            <a:ext cx="10905069" cy="1150373"/>
+          </a:xfrm>
+        </p:spPr>
+        <p:txBody>
+          <a:bodyPr vert="horz" lIns="91440" tIns="45720" rIns="91440" bIns="45720" rtlCol="0" anchor="b">
+            <a:normAutofit/>
+          </a:bodyPr>
+          <a:lstStyle/>
+          <a:p>
+            <a:pPr algn="r"/>
+            <a:r>
+              <a:rPr lang="en-US" sz="4800" cap="all"/>
+              <a:t>DISPATCH ACTIONS TO MODIFY STATE</a:t>
+            </a:r>
+          </a:p>
+        </p:txBody>
+      </p:sp>
+    </p:spTree>
+    <p:extLst>
+      <p:ext uri="{BB962C8B-B14F-4D97-AF65-F5344CB8AC3E}">
+        <p14:creationId xmlns:p14="http://schemas.microsoft.com/office/powerpoint/2010/main" val="1374297268"/>
+      </p:ext>
+    </p:extLst>
+  </p:cSld>
+  <p:clrMapOvr>
+    <a:masterClrMapping/>
+  </p:clrMapOvr>
+</p:sld>
+</file>
+
+<file path=ppt/slides/slide9.xml><?xml version="1.0" encoding="utf-8"?>
+<p:sld xmlns:a="http://schemas.openxmlformats.org/drawingml/2006/main" xmlns:r="http://schemas.openxmlformats.org/officeDocument/2006/relationships" xmlns:p="http://schemas.openxmlformats.org/presentationml/2006/main">
+  <p:cSld>
+    <p:bg>
+      <p:bgPr>
+        <a:blipFill>
+          <a:blip r:embed="rId2">
+            <a:extLst/>
+          </a:blip>
+          <a:stretch/>
+        </a:blipFill>
+        <a:effectLst/>
+      </p:bgPr>
+    </p:bg>
+    <p:spTree>
+      <p:nvGrpSpPr>
+        <p:cNvPr id="1" name=""/>
+        <p:cNvGrpSpPr/>
+        <p:nvPr/>
+      </p:nvGrpSpPr>
+      <p:grpSpPr>
+        <a:xfrm>
+          <a:off x="0" y="0"/>
+          <a:ext cx="0" cy="0"/>
+          <a:chOff x="0" y="0"/>
+          <a:chExt cx="0" cy="0"/>
+        </a:xfrm>
+      </p:grpSpPr>
+      <p:pic>
+        <p:nvPicPr>
+          <p:cNvPr id="95" name="Picture 8">
+            <a:extLst>
+              <a:ext uri="{FF2B5EF4-FFF2-40B4-BE49-F238E27FC236}">
+                <a16:creationId xmlns:a16="http://schemas.microsoft.com/office/drawing/2014/main" id="{4432DA31-8308-4F44-87C4-068169AA4DCA}"/>
+              </a:ext>
+              <a:ext uri="{C183D7F6-B498-43B3-948B-1728B52AA6E4}">
+                <adec:decorative xmlns:adec="http://schemas.microsoft.com/office/drawing/2017/decorative" val="1"/>
+              </a:ext>
+            </a:extLst>
+          </p:cNvPr>
+          <p:cNvPicPr>
+            <a:picLocks noGrp="1" noRot="1" noChangeAspect="1" noMove="1" noResize="1" noEditPoints="1" noAdjustHandles="1" noChangeArrowheads="1" noChangeShapeType="1" noCrop="1"/>
+          </p:cNvPicPr>
+          <p:nvPr>
+            <p:extLst>
+              <p:ext uri="{386F3935-93C4-4BCD-93E2-E3B085C9AB24}">
+                <p16:designElem xmlns:p16="http://schemas.microsoft.com/office/powerpoint/2015/main" val="1"/>
+              </p:ext>
+            </p:extLst>
+          </p:nvPr>
+        </p:nvPicPr>
+        <p:blipFill>
+          <a:blip r:embed="rId3">
+            <a:extLst>
+              <a:ext uri="{28A0092B-C50C-407E-A947-70E740481C1C}">
+                <a14:useLocalDpi xmlns:a14="http://schemas.microsoft.com/office/drawing/2010/main" val="0"/>
+              </a:ext>
+            </a:extLst>
+          </a:blip>
+          <a:stretch>
+            <a:fillRect/>
+          </a:stretch>
+        </p:blipFill>
+        <p:spPr>
+          <a:xfrm>
+            <a:off x="0" y="0"/>
+            <a:ext cx="12188825" cy="6856214"/>
+          </a:xfrm>
+          <a:prstGeom prst="rect">
+            <a:avLst/>
+          </a:prstGeom>
+        </p:spPr>
+      </p:pic>
+      <p:pic>
+        <p:nvPicPr>
+          <p:cNvPr id="4" name="Picture 3">
+            <a:extLst>
+              <a:ext uri="{FF2B5EF4-FFF2-40B4-BE49-F238E27FC236}">
+                <a16:creationId xmlns:a16="http://schemas.microsoft.com/office/drawing/2014/main" id="{36BD1B37-B0D3-4B11-9E8F-58052300D09F}"/>
+              </a:ext>
+            </a:extLst>
+          </p:cNvPr>
+          <p:cNvPicPr>
+            <a:picLocks noChangeAspect="1"/>
+          </p:cNvPicPr>
+          <p:nvPr/>
+        </p:nvPicPr>
+        <p:blipFill>
+          <a:blip r:embed="rId4"/>
+          <a:stretch>
+            <a:fillRect/>
+          </a:stretch>
+        </p:blipFill>
+        <p:spPr>
+          <a:xfrm>
+            <a:off x="1100301" y="1125121"/>
+            <a:ext cx="10287886" cy="2109016"/>
+          </a:xfrm>
+          <a:prstGeom prst="roundRect">
+            <a:avLst>
+              <a:gd name="adj" fmla="val 4380"/>
+            </a:avLst>
+          </a:prstGeom>
+          <a:ln w="50800" cap="sq" cmpd="dbl">
+            <a:gradFill flip="none" rotWithShape="1">
+              <a:gsLst>
+                <a:gs pos="0">
+                  <a:srgbClr val="FFFFFF"/>
+                </a:gs>
+                <a:gs pos="100000">
+                  <a:schemeClr val="tx1">
+                    <a:alpha val="0"/>
+                  </a:schemeClr>
+                </a:gs>
+              </a:gsLst>
+              <a:path path="circle">
+                <a:fillToRect l="50000" t="50000" r="50000" b="50000"/>
+              </a:path>
+              <a:tileRect/>
+            </a:gradFill>
+            <a:miter lim="800000"/>
+          </a:ln>
+          <a:effectLst>
+            <a:outerShdw blurRad="254000" algn="tl" rotWithShape="0">
+              <a:srgbClr val="000000">
+                <a:alpha val="43000"/>
+              </a:srgbClr>
+            </a:outerShdw>
+          </a:effectLst>
+        </p:spPr>
+      </p:pic>
+      <p:sp>
+        <p:nvSpPr>
+          <p:cNvPr id="2" name="Title 1">
+            <a:extLst>
+              <a:ext uri="{FF2B5EF4-FFF2-40B4-BE49-F238E27FC236}">
+                <a16:creationId xmlns:a16="http://schemas.microsoft.com/office/drawing/2014/main" id="{DAAC4BBB-17CA-4F7B-8663-0B7A62762AB9}"/>
+              </a:ext>
+            </a:extLst>
+          </p:cNvPr>
+          <p:cNvSpPr>
+            <a:spLocks noGrp="1"/>
+          </p:cNvSpPr>
+          <p:nvPr>
+            <p:ph type="title"/>
+          </p:nvPr>
+        </p:nvSpPr>
+        <p:spPr>
+          <a:xfrm>
+            <a:off x="649338" y="3765754"/>
+            <a:ext cx="10903565" cy="1504335"/>
+          </a:xfrm>
+        </p:spPr>
+        <p:txBody>
+          <a:bodyPr vert="horz" lIns="91440" tIns="45720" rIns="91440" bIns="45720" rtlCol="0" anchor="b">
+            <a:normAutofit/>
+          </a:bodyPr>
+          <a:lstStyle/>
+          <a:p>
+            <a:pPr algn="ctr"/>
+            <a:r>
+              <a:rPr lang="en-US" sz="4800" cap="all"/>
+              <a:t>Tell reducer how to handle action</a:t>
+            </a:r>
+          </a:p>
+        </p:txBody>
+      </p:sp>
+    </p:spTree>
+    <p:extLst>
+      <p:ext uri="{BB962C8B-B14F-4D97-AF65-F5344CB8AC3E}">
+        <p14:creationId xmlns:p14="http://schemas.microsoft.com/office/powerpoint/2010/main" val="3137620261"/>
+      </p:ext>
+    </p:extLst>
+  </p:cSld>
+  <p:clrMapOvr>
+    <a:masterClrMapping/>
+  </p:clrMapOvr>
 </p:sld>
 </file>
 

--- a/Redux/Another Redux Talk.pptx
+++ b/Redux/Another Redux Talk.pptx
@@ -11,10 +11,13 @@
     <p:sldId id="259" r:id="rId5"/>
     <p:sldId id="260" r:id="rId6"/>
     <p:sldId id="261" r:id="rId7"/>
-    <p:sldId id="266" r:id="rId8"/>
-    <p:sldId id="265" r:id="rId9"/>
-    <p:sldId id="264" r:id="rId10"/>
-    <p:sldId id="262" r:id="rId11"/>
+    <p:sldId id="268" r:id="rId8"/>
+    <p:sldId id="269" r:id="rId9"/>
+    <p:sldId id="270" r:id="rId10"/>
+    <p:sldId id="266" r:id="rId11"/>
+    <p:sldId id="265" r:id="rId12"/>
+    <p:sldId id="264" r:id="rId13"/>
+    <p:sldId id="262" r:id="rId14"/>
   </p:sldIdLst>
   <p:sldSz cx="12192000" cy="6858000"/>
   <p:notesSz cx="6858000" cy="9144000"/>
@@ -5870,6 +5873,563 @@
 <file path=ppt/slides/slide10.xml><?xml version="1.0" encoding="utf-8"?>
 <p:sld xmlns:a="http://schemas.openxmlformats.org/drawingml/2006/main" xmlns:r="http://schemas.openxmlformats.org/officeDocument/2006/relationships" xmlns:p="http://schemas.openxmlformats.org/presentationml/2006/main">
   <p:cSld>
+    <p:bg>
+      <p:bgPr>
+        <a:blipFill>
+          <a:blip r:embed="rId2">
+            <a:extLst/>
+          </a:blip>
+          <a:stretch/>
+        </a:blipFill>
+        <a:effectLst/>
+      </p:bgPr>
+    </p:bg>
+    <p:spTree>
+      <p:nvGrpSpPr>
+        <p:cNvPr id="1" name=""/>
+        <p:cNvGrpSpPr/>
+        <p:nvPr/>
+      </p:nvGrpSpPr>
+      <p:grpSpPr>
+        <a:xfrm>
+          <a:off x="0" y="0"/>
+          <a:ext cx="0" cy="0"/>
+          <a:chOff x="0" y="0"/>
+          <a:chExt cx="0" cy="0"/>
+        </a:xfrm>
+      </p:grpSpPr>
+      <p:pic>
+        <p:nvPicPr>
+          <p:cNvPr id="16" name="Picture 9">
+            <a:extLst>
+              <a:ext uri="{FF2B5EF4-FFF2-40B4-BE49-F238E27FC236}">
+                <a16:creationId xmlns:a16="http://schemas.microsoft.com/office/drawing/2014/main" id="{9F6D95BA-5DEA-4969-83AE-052DB82DC8AB}"/>
+              </a:ext>
+              <a:ext uri="{C183D7F6-B498-43B3-948B-1728B52AA6E4}">
+                <adec:decorative xmlns:adec="http://schemas.microsoft.com/office/drawing/2017/decorative" val="1"/>
+              </a:ext>
+            </a:extLst>
+          </p:cNvPr>
+          <p:cNvPicPr>
+            <a:picLocks noGrp="1" noRot="1" noChangeAspect="1" noMove="1" noResize="1" noEditPoints="1" noAdjustHandles="1" noChangeArrowheads="1" noChangeShapeType="1" noCrop="1"/>
+          </p:cNvPicPr>
+          <p:nvPr>
+            <p:extLst>
+              <p:ext uri="{386F3935-93C4-4BCD-93E2-E3B085C9AB24}">
+                <p16:designElem xmlns:p16="http://schemas.microsoft.com/office/powerpoint/2015/main" val="1"/>
+              </p:ext>
+            </p:extLst>
+          </p:nvPr>
+        </p:nvPicPr>
+        <p:blipFill>
+          <a:blip r:embed="rId3">
+            <a:extLst>
+              <a:ext uri="{28A0092B-C50C-407E-A947-70E740481C1C}">
+                <a14:useLocalDpi xmlns:a14="http://schemas.microsoft.com/office/drawing/2010/main" val="0"/>
+              </a:ext>
+            </a:extLst>
+          </a:blip>
+          <a:stretch>
+            <a:fillRect/>
+          </a:stretch>
+        </p:blipFill>
+        <p:spPr>
+          <a:xfrm>
+            <a:off x="0" y="0"/>
+            <a:ext cx="12188825" cy="6856214"/>
+          </a:xfrm>
+          <a:prstGeom prst="rect">
+            <a:avLst/>
+          </a:prstGeom>
+        </p:spPr>
+      </p:pic>
+      <p:pic>
+        <p:nvPicPr>
+          <p:cNvPr id="17" name="Picture 11">
+            <a:extLst>
+              <a:ext uri="{FF2B5EF4-FFF2-40B4-BE49-F238E27FC236}">
+                <a16:creationId xmlns:a16="http://schemas.microsoft.com/office/drawing/2014/main" id="{D1CEED38-66FC-4D91-86AF-A99BDCEF96AB}"/>
+              </a:ext>
+              <a:ext uri="{C183D7F6-B498-43B3-948B-1728B52AA6E4}">
+                <adec:decorative xmlns:adec="http://schemas.microsoft.com/office/drawing/2017/decorative" val="1"/>
+              </a:ext>
+            </a:extLst>
+          </p:cNvPr>
+          <p:cNvPicPr>
+            <a:picLocks noGrp="1" noRot="1" noChangeAspect="1" noMove="1" noResize="1" noEditPoints="1" noAdjustHandles="1" noChangeArrowheads="1" noChangeShapeType="1" noCrop="1"/>
+          </p:cNvPicPr>
+          <p:nvPr>
+            <p:extLst>
+              <p:ext uri="{386F3935-93C4-4BCD-93E2-E3B085C9AB24}">
+                <p16:designElem xmlns:p16="http://schemas.microsoft.com/office/powerpoint/2015/main" val="1"/>
+              </p:ext>
+            </p:extLst>
+          </p:nvPr>
+        </p:nvPicPr>
+        <p:blipFill>
+          <a:blip r:embed="rId4">
+            <a:extLst>
+              <a:ext uri="{28A0092B-C50C-407E-A947-70E740481C1C}">
+                <a14:useLocalDpi xmlns:a14="http://schemas.microsoft.com/office/drawing/2010/main" val="0"/>
+              </a:ext>
+            </a:extLst>
+          </a:blip>
+          <a:stretch>
+            <a:fillRect/>
+          </a:stretch>
+        </p:blipFill>
+        <p:spPr>
+          <a:xfrm>
+            <a:off x="0" y="0"/>
+            <a:ext cx="12188825" cy="6856214"/>
+          </a:xfrm>
+          <a:prstGeom prst="rect">
+            <a:avLst/>
+          </a:prstGeom>
+        </p:spPr>
+      </p:pic>
+      <p:sp>
+        <p:nvSpPr>
+          <p:cNvPr id="2" name="Title 1">
+            <a:extLst>
+              <a:ext uri="{FF2B5EF4-FFF2-40B4-BE49-F238E27FC236}">
+                <a16:creationId xmlns:a16="http://schemas.microsoft.com/office/drawing/2014/main" id="{08C2D0EB-02F3-41E9-9565-3D0B0DC44748}"/>
+              </a:ext>
+            </a:extLst>
+          </p:cNvPr>
+          <p:cNvSpPr>
+            <a:spLocks noGrp="1"/>
+          </p:cNvSpPr>
+          <p:nvPr>
+            <p:ph type="title"/>
+          </p:nvPr>
+        </p:nvSpPr>
+        <p:spPr>
+          <a:xfrm>
+            <a:off x="7905135" y="1964267"/>
+            <a:ext cx="3254990" cy="2421464"/>
+          </a:xfrm>
+        </p:spPr>
+        <p:txBody>
+          <a:bodyPr vert="horz" lIns="91440" tIns="45720" rIns="91440" bIns="45720" rtlCol="0" anchor="b">
+            <a:normAutofit/>
+          </a:bodyPr>
+          <a:lstStyle/>
+          <a:p>
+            <a:pPr algn="r"/>
+            <a:r>
+              <a:rPr lang="en-US" sz="4800" cap="all"/>
+              <a:t>WRAP YOUR APP!</a:t>
+            </a:r>
+          </a:p>
+        </p:txBody>
+      </p:sp>
+      <p:pic>
+        <p:nvPicPr>
+          <p:cNvPr id="6" name="Picture 5">
+            <a:extLst>
+              <a:ext uri="{FF2B5EF4-FFF2-40B4-BE49-F238E27FC236}">
+                <a16:creationId xmlns:a16="http://schemas.microsoft.com/office/drawing/2014/main" id="{ACDB8242-A67D-4E55-9CB5-8BF71262FF4B}"/>
+              </a:ext>
+            </a:extLst>
+          </p:cNvPr>
+          <p:cNvPicPr>
+            <a:picLocks noChangeAspect="1"/>
+          </p:cNvPicPr>
+          <p:nvPr/>
+        </p:nvPicPr>
+        <p:blipFill>
+          <a:blip r:embed="rId5"/>
+          <a:stretch>
+            <a:fillRect/>
+          </a:stretch>
+        </p:blipFill>
+        <p:spPr>
+          <a:xfrm>
+            <a:off x="1424962" y="2156706"/>
+            <a:ext cx="6191250" cy="2962275"/>
+          </a:xfrm>
+          <a:prstGeom prst="rect">
+            <a:avLst/>
+          </a:prstGeom>
+        </p:spPr>
+      </p:pic>
+    </p:spTree>
+    <p:extLst>
+      <p:ext uri="{BB962C8B-B14F-4D97-AF65-F5344CB8AC3E}">
+        <p14:creationId xmlns:p14="http://schemas.microsoft.com/office/powerpoint/2010/main" val="4226048860"/>
+      </p:ext>
+    </p:extLst>
+  </p:cSld>
+  <p:clrMapOvr>
+    <a:masterClrMapping/>
+  </p:clrMapOvr>
+</p:sld>
+</file>
+
+<file path=ppt/slides/slide11.xml><?xml version="1.0" encoding="utf-8"?>
+<p:sld xmlns:a="http://schemas.openxmlformats.org/drawingml/2006/main" xmlns:r="http://schemas.openxmlformats.org/officeDocument/2006/relationships" xmlns:p="http://schemas.openxmlformats.org/presentationml/2006/main">
+  <p:cSld>
+    <p:bg>
+      <p:bgPr>
+        <a:blipFill>
+          <a:blip r:embed="rId2">
+            <a:extLst/>
+          </a:blip>
+          <a:stretch/>
+        </a:blipFill>
+        <a:effectLst/>
+      </p:bgPr>
+    </p:bg>
+    <p:spTree>
+      <p:nvGrpSpPr>
+        <p:cNvPr id="1" name=""/>
+        <p:cNvGrpSpPr/>
+        <p:nvPr/>
+      </p:nvGrpSpPr>
+      <p:grpSpPr>
+        <a:xfrm>
+          <a:off x="0" y="0"/>
+          <a:ext cx="0" cy="0"/>
+          <a:chOff x="0" y="0"/>
+          <a:chExt cx="0" cy="0"/>
+        </a:xfrm>
+      </p:grpSpPr>
+      <p:pic>
+        <p:nvPicPr>
+          <p:cNvPr id="102" name="Picture 99">
+            <a:extLst>
+              <a:ext uri="{FF2B5EF4-FFF2-40B4-BE49-F238E27FC236}">
+                <a16:creationId xmlns:a16="http://schemas.microsoft.com/office/drawing/2014/main" id="{4432DA31-8308-4F44-87C4-068169AA4DCA}"/>
+              </a:ext>
+              <a:ext uri="{C183D7F6-B498-43B3-948B-1728B52AA6E4}">
+                <adec:decorative xmlns:adec="http://schemas.microsoft.com/office/drawing/2017/decorative" val="1"/>
+              </a:ext>
+            </a:extLst>
+          </p:cNvPr>
+          <p:cNvPicPr>
+            <a:picLocks noGrp="1" noRot="1" noChangeAspect="1" noMove="1" noResize="1" noEditPoints="1" noAdjustHandles="1" noChangeArrowheads="1" noChangeShapeType="1" noCrop="1"/>
+          </p:cNvPicPr>
+          <p:nvPr>
+            <p:extLst>
+              <p:ext uri="{386F3935-93C4-4BCD-93E2-E3B085C9AB24}">
+                <p16:designElem xmlns:p16="http://schemas.microsoft.com/office/powerpoint/2015/main" val="1"/>
+              </p:ext>
+            </p:extLst>
+          </p:nvPr>
+        </p:nvPicPr>
+        <p:blipFill>
+          <a:blip r:embed="rId3">
+            <a:extLst>
+              <a:ext uri="{28A0092B-C50C-407E-A947-70E740481C1C}">
+                <a14:useLocalDpi xmlns:a14="http://schemas.microsoft.com/office/drawing/2010/main" val="0"/>
+              </a:ext>
+            </a:extLst>
+          </a:blip>
+          <a:stretch>
+            <a:fillRect/>
+          </a:stretch>
+        </p:blipFill>
+        <p:spPr>
+          <a:xfrm>
+            <a:off x="0" y="0"/>
+            <a:ext cx="12188825" cy="6856214"/>
+          </a:xfrm>
+          <a:prstGeom prst="rect">
+            <a:avLst/>
+          </a:prstGeom>
+        </p:spPr>
+      </p:pic>
+      <p:pic>
+        <p:nvPicPr>
+          <p:cNvPr id="6" name="Picture 5">
+            <a:extLst>
+              <a:ext uri="{FF2B5EF4-FFF2-40B4-BE49-F238E27FC236}">
+                <a16:creationId xmlns:a16="http://schemas.microsoft.com/office/drawing/2014/main" id="{40A4DE4C-8612-4E0E-931C-06D495F41C7D}"/>
+              </a:ext>
+            </a:extLst>
+          </p:cNvPr>
+          <p:cNvPicPr>
+            <a:picLocks noChangeAspect="1"/>
+          </p:cNvPicPr>
+          <p:nvPr/>
+        </p:nvPicPr>
+        <p:blipFill>
+          <a:blip r:embed="rId4"/>
+          <a:stretch>
+            <a:fillRect/>
+          </a:stretch>
+        </p:blipFill>
+        <p:spPr>
+          <a:xfrm>
+            <a:off x="643464" y="956124"/>
+            <a:ext cx="10909440" cy="2978751"/>
+          </a:xfrm>
+          <a:prstGeom prst="roundRect">
+            <a:avLst>
+              <a:gd name="adj" fmla="val 4380"/>
+            </a:avLst>
+          </a:prstGeom>
+          <a:ln w="50800" cap="sq" cmpd="dbl">
+            <a:gradFill flip="none" rotWithShape="1">
+              <a:gsLst>
+                <a:gs pos="0">
+                  <a:srgbClr val="FFFFFF"/>
+                </a:gs>
+                <a:gs pos="100000">
+                  <a:schemeClr val="tx1">
+                    <a:alpha val="0"/>
+                  </a:schemeClr>
+                </a:gs>
+              </a:gsLst>
+              <a:path path="circle">
+                <a:fillToRect l="50000" t="50000" r="50000" b="50000"/>
+              </a:path>
+              <a:tileRect/>
+            </a:gradFill>
+            <a:miter lim="800000"/>
+          </a:ln>
+          <a:effectLst>
+            <a:outerShdw blurRad="254000" algn="tl" rotWithShape="0">
+              <a:srgbClr val="000000">
+                <a:alpha val="43000"/>
+              </a:srgbClr>
+            </a:outerShdw>
+          </a:effectLst>
+        </p:spPr>
+      </p:pic>
+      <p:sp>
+        <p:nvSpPr>
+          <p:cNvPr id="2" name="Title 1">
+            <a:extLst>
+              <a:ext uri="{FF2B5EF4-FFF2-40B4-BE49-F238E27FC236}">
+                <a16:creationId xmlns:a16="http://schemas.microsoft.com/office/drawing/2014/main" id="{DAAC4BBB-17CA-4F7B-8663-0B7A62762AB9}"/>
+              </a:ext>
+            </a:extLst>
+          </p:cNvPr>
+          <p:cNvSpPr>
+            <a:spLocks noGrp="1"/>
+          </p:cNvSpPr>
+          <p:nvPr>
+            <p:ph type="title"/>
+          </p:nvPr>
+        </p:nvSpPr>
+        <p:spPr>
+          <a:xfrm>
+            <a:off x="643464" y="4562167"/>
+            <a:ext cx="10905069" cy="1150373"/>
+          </a:xfrm>
+        </p:spPr>
+        <p:txBody>
+          <a:bodyPr vert="horz" lIns="91440" tIns="45720" rIns="91440" bIns="45720" rtlCol="0" anchor="b">
+            <a:normAutofit/>
+          </a:bodyPr>
+          <a:lstStyle/>
+          <a:p>
+            <a:pPr algn="r"/>
+            <a:r>
+              <a:rPr lang="en-US" sz="4800" cap="all"/>
+              <a:t>DISPATCH ACTIONS TO MODIFY STATE</a:t>
+            </a:r>
+          </a:p>
+        </p:txBody>
+      </p:sp>
+    </p:spTree>
+    <p:extLst>
+      <p:ext uri="{BB962C8B-B14F-4D97-AF65-F5344CB8AC3E}">
+        <p14:creationId xmlns:p14="http://schemas.microsoft.com/office/powerpoint/2010/main" val="1374297268"/>
+      </p:ext>
+    </p:extLst>
+  </p:cSld>
+  <p:clrMapOvr>
+    <a:masterClrMapping/>
+  </p:clrMapOvr>
+</p:sld>
+</file>
+
+<file path=ppt/slides/slide12.xml><?xml version="1.0" encoding="utf-8"?>
+<p:sld xmlns:a="http://schemas.openxmlformats.org/drawingml/2006/main" xmlns:r="http://schemas.openxmlformats.org/officeDocument/2006/relationships" xmlns:p="http://schemas.openxmlformats.org/presentationml/2006/main">
+  <p:cSld>
+    <p:bg>
+      <p:bgPr>
+        <a:blipFill>
+          <a:blip r:embed="rId2">
+            <a:extLst/>
+          </a:blip>
+          <a:stretch/>
+        </a:blipFill>
+        <a:effectLst/>
+      </p:bgPr>
+    </p:bg>
+    <p:spTree>
+      <p:nvGrpSpPr>
+        <p:cNvPr id="1" name=""/>
+        <p:cNvGrpSpPr/>
+        <p:nvPr/>
+      </p:nvGrpSpPr>
+      <p:grpSpPr>
+        <a:xfrm>
+          <a:off x="0" y="0"/>
+          <a:ext cx="0" cy="0"/>
+          <a:chOff x="0" y="0"/>
+          <a:chExt cx="0" cy="0"/>
+        </a:xfrm>
+      </p:grpSpPr>
+      <p:pic>
+        <p:nvPicPr>
+          <p:cNvPr id="95" name="Picture 8">
+            <a:extLst>
+              <a:ext uri="{FF2B5EF4-FFF2-40B4-BE49-F238E27FC236}">
+                <a16:creationId xmlns:a16="http://schemas.microsoft.com/office/drawing/2014/main" id="{4432DA31-8308-4F44-87C4-068169AA4DCA}"/>
+              </a:ext>
+              <a:ext uri="{C183D7F6-B498-43B3-948B-1728B52AA6E4}">
+                <adec:decorative xmlns:adec="http://schemas.microsoft.com/office/drawing/2017/decorative" val="1"/>
+              </a:ext>
+            </a:extLst>
+          </p:cNvPr>
+          <p:cNvPicPr>
+            <a:picLocks noGrp="1" noRot="1" noChangeAspect="1" noMove="1" noResize="1" noEditPoints="1" noAdjustHandles="1" noChangeArrowheads="1" noChangeShapeType="1" noCrop="1"/>
+          </p:cNvPicPr>
+          <p:nvPr>
+            <p:extLst>
+              <p:ext uri="{386F3935-93C4-4BCD-93E2-E3B085C9AB24}">
+                <p16:designElem xmlns:p16="http://schemas.microsoft.com/office/powerpoint/2015/main" val="1"/>
+              </p:ext>
+            </p:extLst>
+          </p:nvPr>
+        </p:nvPicPr>
+        <p:blipFill>
+          <a:blip r:embed="rId3">
+            <a:extLst>
+              <a:ext uri="{28A0092B-C50C-407E-A947-70E740481C1C}">
+                <a14:useLocalDpi xmlns:a14="http://schemas.microsoft.com/office/drawing/2010/main" val="0"/>
+              </a:ext>
+            </a:extLst>
+          </a:blip>
+          <a:stretch>
+            <a:fillRect/>
+          </a:stretch>
+        </p:blipFill>
+        <p:spPr>
+          <a:xfrm>
+            <a:off x="0" y="0"/>
+            <a:ext cx="12188825" cy="6856214"/>
+          </a:xfrm>
+          <a:prstGeom prst="rect">
+            <a:avLst/>
+          </a:prstGeom>
+        </p:spPr>
+      </p:pic>
+      <p:pic>
+        <p:nvPicPr>
+          <p:cNvPr id="4" name="Picture 3">
+            <a:extLst>
+              <a:ext uri="{FF2B5EF4-FFF2-40B4-BE49-F238E27FC236}">
+                <a16:creationId xmlns:a16="http://schemas.microsoft.com/office/drawing/2014/main" id="{36BD1B37-B0D3-4B11-9E8F-58052300D09F}"/>
+              </a:ext>
+            </a:extLst>
+          </p:cNvPr>
+          <p:cNvPicPr>
+            <a:picLocks noChangeAspect="1"/>
+          </p:cNvPicPr>
+          <p:nvPr/>
+        </p:nvPicPr>
+        <p:blipFill>
+          <a:blip r:embed="rId4"/>
+          <a:stretch>
+            <a:fillRect/>
+          </a:stretch>
+        </p:blipFill>
+        <p:spPr>
+          <a:xfrm>
+            <a:off x="1100301" y="1125121"/>
+            <a:ext cx="10287886" cy="2109016"/>
+          </a:xfrm>
+          <a:prstGeom prst="roundRect">
+            <a:avLst>
+              <a:gd name="adj" fmla="val 4380"/>
+            </a:avLst>
+          </a:prstGeom>
+          <a:ln w="50800" cap="sq" cmpd="dbl">
+            <a:gradFill flip="none" rotWithShape="1">
+              <a:gsLst>
+                <a:gs pos="0">
+                  <a:srgbClr val="FFFFFF"/>
+                </a:gs>
+                <a:gs pos="100000">
+                  <a:schemeClr val="tx1">
+                    <a:alpha val="0"/>
+                  </a:schemeClr>
+                </a:gs>
+              </a:gsLst>
+              <a:path path="circle">
+                <a:fillToRect l="50000" t="50000" r="50000" b="50000"/>
+              </a:path>
+              <a:tileRect/>
+            </a:gradFill>
+            <a:miter lim="800000"/>
+          </a:ln>
+          <a:effectLst>
+            <a:outerShdw blurRad="254000" algn="tl" rotWithShape="0">
+              <a:srgbClr val="000000">
+                <a:alpha val="43000"/>
+              </a:srgbClr>
+            </a:outerShdw>
+          </a:effectLst>
+        </p:spPr>
+      </p:pic>
+      <p:sp>
+        <p:nvSpPr>
+          <p:cNvPr id="2" name="Title 1">
+            <a:extLst>
+              <a:ext uri="{FF2B5EF4-FFF2-40B4-BE49-F238E27FC236}">
+                <a16:creationId xmlns:a16="http://schemas.microsoft.com/office/drawing/2014/main" id="{DAAC4BBB-17CA-4F7B-8663-0B7A62762AB9}"/>
+              </a:ext>
+            </a:extLst>
+          </p:cNvPr>
+          <p:cNvSpPr>
+            <a:spLocks noGrp="1"/>
+          </p:cNvSpPr>
+          <p:nvPr>
+            <p:ph type="title"/>
+          </p:nvPr>
+        </p:nvSpPr>
+        <p:spPr>
+          <a:xfrm>
+            <a:off x="649338" y="3765754"/>
+            <a:ext cx="10903565" cy="1504335"/>
+          </a:xfrm>
+        </p:spPr>
+        <p:txBody>
+          <a:bodyPr vert="horz" lIns="91440" tIns="45720" rIns="91440" bIns="45720" rtlCol="0" anchor="b">
+            <a:normAutofit/>
+          </a:bodyPr>
+          <a:lstStyle/>
+          <a:p>
+            <a:pPr algn="ctr"/>
+            <a:r>
+              <a:rPr lang="en-US" sz="4800" cap="all"/>
+              <a:t>Tell reducer how to handle action</a:t>
+            </a:r>
+          </a:p>
+        </p:txBody>
+      </p:sp>
+    </p:spTree>
+    <p:extLst>
+      <p:ext uri="{BB962C8B-B14F-4D97-AF65-F5344CB8AC3E}">
+        <p14:creationId xmlns:p14="http://schemas.microsoft.com/office/powerpoint/2010/main" val="3137620261"/>
+      </p:ext>
+    </p:extLst>
+  </p:cSld>
+  <p:clrMapOvr>
+    <a:masterClrMapping/>
+  </p:clrMapOvr>
+</p:sld>
+</file>
+
+<file path=ppt/slides/slide13.xml><?xml version="1.0" encoding="utf-8"?>
+<p:sld xmlns:a="http://schemas.openxmlformats.org/drawingml/2006/main" xmlns:r="http://schemas.openxmlformats.org/officeDocument/2006/relationships" xmlns:p="http://schemas.openxmlformats.org/presentationml/2006/main">
+  <p:cSld>
     <p:spTree>
       <p:nvGrpSpPr>
         <p:cNvPr id="1" name=""/>
@@ -7458,17 +8018,920 @@
 <file path=ppt/slides/slide7.xml><?xml version="1.0" encoding="utf-8"?>
 <p:sld xmlns:a="http://schemas.openxmlformats.org/drawingml/2006/main" xmlns:r="http://schemas.openxmlformats.org/officeDocument/2006/relationships" xmlns:p="http://schemas.openxmlformats.org/presentationml/2006/main">
   <p:cSld>
-    <p:bg>
-      <p:bgPr>
-        <a:blipFill>
-          <a:blip r:embed="rId2">
-            <a:extLst/>
-          </a:blip>
-          <a:stretch/>
-        </a:blipFill>
-        <a:effectLst/>
-      </p:bgPr>
-    </p:bg>
+    <p:spTree>
+      <p:nvGrpSpPr>
+        <p:cNvPr id="1" name=""/>
+        <p:cNvGrpSpPr/>
+        <p:nvPr/>
+      </p:nvGrpSpPr>
+      <p:grpSpPr>
+        <a:xfrm>
+          <a:off x="0" y="0"/>
+          <a:ext cx="0" cy="0"/>
+          <a:chOff x="0" y="0"/>
+          <a:chExt cx="0" cy="0"/>
+        </a:xfrm>
+      </p:grpSpPr>
+      <p:sp>
+        <p:nvSpPr>
+          <p:cNvPr id="2" name="Title 1">
+            <a:extLst>
+              <a:ext uri="{FF2B5EF4-FFF2-40B4-BE49-F238E27FC236}">
+                <a16:creationId xmlns:a16="http://schemas.microsoft.com/office/drawing/2014/main" id="{9529753A-C0DA-48A4-99F5-A2240095AFEB}"/>
+              </a:ext>
+            </a:extLst>
+          </p:cNvPr>
+          <p:cNvSpPr>
+            <a:spLocks noGrp="1"/>
+          </p:cNvSpPr>
+          <p:nvPr>
+            <p:ph type="title"/>
+          </p:nvPr>
+        </p:nvSpPr>
+        <p:spPr/>
+        <p:txBody>
+          <a:bodyPr/>
+          <a:lstStyle/>
+          <a:p>
+            <a:r>
+              <a:rPr lang="en-US" dirty="0"/>
+              <a:t>Redux</a:t>
+            </a:r>
+            <a:endParaRPr lang="en-ZA" dirty="0"/>
+          </a:p>
+        </p:txBody>
+      </p:sp>
+      <p:sp>
+        <p:nvSpPr>
+          <p:cNvPr id="4" name="Rectangle 3">
+            <a:extLst>
+              <a:ext uri="{FF2B5EF4-FFF2-40B4-BE49-F238E27FC236}">
+                <a16:creationId xmlns:a16="http://schemas.microsoft.com/office/drawing/2014/main" id="{DCE9E7E0-23F5-41DC-AC4F-AC9AFEEE61B7}"/>
+              </a:ext>
+            </a:extLst>
+          </p:cNvPr>
+          <p:cNvSpPr/>
+          <p:nvPr/>
+        </p:nvSpPr>
+        <p:spPr>
+          <a:xfrm>
+            <a:off x="4884821" y="4045742"/>
+            <a:ext cx="1733384" cy="955629"/>
+          </a:xfrm>
+          <a:prstGeom prst="rect">
+            <a:avLst/>
+          </a:prstGeom>
+          <a:solidFill>
+            <a:schemeClr val="tx1"/>
+          </a:solidFill>
+        </p:spPr>
+        <p:style>
+          <a:lnRef idx="2">
+            <a:schemeClr val="accent1">
+              <a:shade val="50000"/>
+            </a:schemeClr>
+          </a:lnRef>
+          <a:fillRef idx="1">
+            <a:schemeClr val="accent1"/>
+          </a:fillRef>
+          <a:effectRef idx="0">
+            <a:schemeClr val="accent1"/>
+          </a:effectRef>
+          <a:fontRef idx="minor">
+            <a:schemeClr val="lt1"/>
+          </a:fontRef>
+        </p:style>
+        <p:txBody>
+          <a:bodyPr rtlCol="0" anchor="ctr"/>
+          <a:lstStyle/>
+          <a:p>
+            <a:pPr algn="ctr"/>
+            <a:r>
+              <a:rPr lang="en-US" dirty="0">
+                <a:solidFill>
+                  <a:schemeClr val="bg1"/>
+                </a:solidFill>
+              </a:rPr>
+              <a:t>Component</a:t>
+            </a:r>
+            <a:endParaRPr lang="en-ZA" dirty="0">
+              <a:solidFill>
+                <a:schemeClr val="bg1"/>
+              </a:solidFill>
+            </a:endParaRPr>
+          </a:p>
+        </p:txBody>
+      </p:sp>
+      <p:cxnSp>
+        <p:nvCxnSpPr>
+          <p:cNvPr id="7" name="Connector: Elbow 6">
+            <a:extLst>
+              <a:ext uri="{FF2B5EF4-FFF2-40B4-BE49-F238E27FC236}">
+                <a16:creationId xmlns:a16="http://schemas.microsoft.com/office/drawing/2014/main" id="{9DABC602-5546-4A8B-A1CF-59EE2E43FBC0}"/>
+              </a:ext>
+            </a:extLst>
+          </p:cNvPr>
+          <p:cNvCxnSpPr>
+            <a:cxnSpLocks/>
+            <a:stCxn id="4" idx="3"/>
+          </p:cNvCxnSpPr>
+          <p:nvPr/>
+        </p:nvCxnSpPr>
+        <p:spPr>
+          <a:xfrm flipV="1">
+            <a:off x="6618205" y="3429000"/>
+            <a:ext cx="4034873" cy="1094557"/>
+          </a:xfrm>
+          <a:prstGeom prst="bentConnector3">
+            <a:avLst>
+              <a:gd name="adj1" fmla="val 99903"/>
+            </a:avLst>
+          </a:prstGeom>
+          <a:ln>
+            <a:tailEnd type="triangle"/>
+          </a:ln>
+        </p:spPr>
+        <p:style>
+          <a:lnRef idx="1">
+            <a:schemeClr val="accent1"/>
+          </a:lnRef>
+          <a:fillRef idx="0">
+            <a:schemeClr val="accent1"/>
+          </a:fillRef>
+          <a:effectRef idx="0">
+            <a:schemeClr val="accent1"/>
+          </a:effectRef>
+          <a:fontRef idx="minor">
+            <a:schemeClr val="tx1"/>
+          </a:fontRef>
+        </p:style>
+      </p:cxnSp>
+      <p:sp>
+        <p:nvSpPr>
+          <p:cNvPr id="10" name="TextBox 9">
+            <a:extLst>
+              <a:ext uri="{FF2B5EF4-FFF2-40B4-BE49-F238E27FC236}">
+                <a16:creationId xmlns:a16="http://schemas.microsoft.com/office/drawing/2014/main" id="{475E3697-B50E-4B2D-943D-42F3CE36F3A4}"/>
+              </a:ext>
+            </a:extLst>
+          </p:cNvPr>
+          <p:cNvSpPr txBox="1"/>
+          <p:nvPr/>
+        </p:nvSpPr>
+        <p:spPr>
+          <a:xfrm>
+            <a:off x="10258578" y="2951186"/>
+            <a:ext cx="788999" cy="369332"/>
+          </a:xfrm>
+          <a:prstGeom prst="rect">
+            <a:avLst/>
+          </a:prstGeom>
+          <a:noFill/>
+        </p:spPr>
+        <p:txBody>
+          <a:bodyPr wrap="none" rtlCol="0">
+            <a:spAutoFit/>
+          </a:bodyPr>
+          <a:lstStyle/>
+          <a:p>
+            <a:r>
+              <a:rPr lang="en-US" dirty="0"/>
+              <a:t>Action</a:t>
+            </a:r>
+            <a:endParaRPr lang="en-ZA" dirty="0"/>
+          </a:p>
+        </p:txBody>
+      </p:sp>
+      <p:sp>
+        <p:nvSpPr>
+          <p:cNvPr id="11" name="Rectangle 10">
+            <a:extLst>
+              <a:ext uri="{FF2B5EF4-FFF2-40B4-BE49-F238E27FC236}">
+                <a16:creationId xmlns:a16="http://schemas.microsoft.com/office/drawing/2014/main" id="{917AC331-10A2-4C23-A603-1CA220EA30C8}"/>
+              </a:ext>
+            </a:extLst>
+          </p:cNvPr>
+          <p:cNvSpPr/>
+          <p:nvPr/>
+        </p:nvSpPr>
+        <p:spPr>
+          <a:xfrm>
+            <a:off x="9742651" y="873212"/>
+            <a:ext cx="1820849" cy="899970"/>
+          </a:xfrm>
+          <a:prstGeom prst="rect">
+            <a:avLst/>
+          </a:prstGeom>
+          <a:solidFill>
+            <a:schemeClr val="tx1"/>
+          </a:solidFill>
+        </p:spPr>
+        <p:style>
+          <a:lnRef idx="2">
+            <a:schemeClr val="accent1">
+              <a:shade val="50000"/>
+            </a:schemeClr>
+          </a:lnRef>
+          <a:fillRef idx="1">
+            <a:schemeClr val="accent1"/>
+          </a:fillRef>
+          <a:effectRef idx="0">
+            <a:schemeClr val="accent1"/>
+          </a:effectRef>
+          <a:fontRef idx="minor">
+            <a:schemeClr val="lt1"/>
+          </a:fontRef>
+        </p:style>
+        <p:txBody>
+          <a:bodyPr rtlCol="0" anchor="ctr"/>
+          <a:lstStyle/>
+          <a:p>
+            <a:pPr algn="ctr"/>
+            <a:r>
+              <a:rPr lang="en-US" dirty="0">
+                <a:solidFill>
+                  <a:schemeClr val="bg1"/>
+                </a:solidFill>
+              </a:rPr>
+              <a:t>Dispatch</a:t>
+            </a:r>
+            <a:endParaRPr lang="en-ZA" dirty="0">
+              <a:solidFill>
+                <a:schemeClr val="bg1"/>
+              </a:solidFill>
+            </a:endParaRPr>
+          </a:p>
+        </p:txBody>
+      </p:sp>
+      <p:cxnSp>
+        <p:nvCxnSpPr>
+          <p:cNvPr id="13" name="Straight Arrow Connector 12">
+            <a:extLst>
+              <a:ext uri="{FF2B5EF4-FFF2-40B4-BE49-F238E27FC236}">
+                <a16:creationId xmlns:a16="http://schemas.microsoft.com/office/drawing/2014/main" id="{195C302D-94F8-4207-9B0F-799FADACB172}"/>
+              </a:ext>
+            </a:extLst>
+          </p:cNvPr>
+          <p:cNvCxnSpPr>
+            <a:stCxn id="10" idx="0"/>
+          </p:cNvCxnSpPr>
+          <p:nvPr/>
+        </p:nvCxnSpPr>
+        <p:spPr>
+          <a:xfrm flipH="1" flipV="1">
+            <a:off x="10653076" y="1855785"/>
+            <a:ext cx="2" cy="1095401"/>
+          </a:xfrm>
+          <a:prstGeom prst="straightConnector1">
+            <a:avLst/>
+          </a:prstGeom>
+          <a:ln>
+            <a:tailEnd type="triangle"/>
+          </a:ln>
+        </p:spPr>
+        <p:style>
+          <a:lnRef idx="1">
+            <a:schemeClr val="accent1"/>
+          </a:lnRef>
+          <a:fillRef idx="0">
+            <a:schemeClr val="accent1"/>
+          </a:fillRef>
+          <a:effectRef idx="0">
+            <a:schemeClr val="accent1"/>
+          </a:effectRef>
+          <a:fontRef idx="minor">
+            <a:schemeClr val="tx1"/>
+          </a:fontRef>
+        </p:style>
+      </p:cxnSp>
+      <p:sp>
+        <p:nvSpPr>
+          <p:cNvPr id="14" name="Rectangle 13">
+            <a:extLst>
+              <a:ext uri="{FF2B5EF4-FFF2-40B4-BE49-F238E27FC236}">
+                <a16:creationId xmlns:a16="http://schemas.microsoft.com/office/drawing/2014/main" id="{4C76A357-3F53-44CC-877B-56A9D586753C}"/>
+              </a:ext>
+            </a:extLst>
+          </p:cNvPr>
+          <p:cNvSpPr/>
+          <p:nvPr/>
+        </p:nvSpPr>
+        <p:spPr>
+          <a:xfrm>
+            <a:off x="4892772" y="873212"/>
+            <a:ext cx="1725433" cy="899970"/>
+          </a:xfrm>
+          <a:prstGeom prst="rect">
+            <a:avLst/>
+          </a:prstGeom>
+          <a:solidFill>
+            <a:schemeClr val="tx1"/>
+          </a:solidFill>
+        </p:spPr>
+        <p:style>
+          <a:lnRef idx="2">
+            <a:schemeClr val="accent1">
+              <a:shade val="50000"/>
+            </a:schemeClr>
+          </a:lnRef>
+          <a:fillRef idx="1">
+            <a:schemeClr val="accent1"/>
+          </a:fillRef>
+          <a:effectRef idx="0">
+            <a:schemeClr val="accent1"/>
+          </a:effectRef>
+          <a:fontRef idx="minor">
+            <a:schemeClr val="lt1"/>
+          </a:fontRef>
+        </p:style>
+        <p:txBody>
+          <a:bodyPr rtlCol="0" anchor="ctr"/>
+          <a:lstStyle/>
+          <a:p>
+            <a:pPr algn="ctr"/>
+            <a:r>
+              <a:rPr lang="en-US" dirty="0">
+                <a:solidFill>
+                  <a:schemeClr val="bg1"/>
+                </a:solidFill>
+              </a:rPr>
+              <a:t>Reducer</a:t>
+            </a:r>
+            <a:endParaRPr lang="en-ZA" dirty="0">
+              <a:solidFill>
+                <a:schemeClr val="bg1"/>
+              </a:solidFill>
+            </a:endParaRPr>
+          </a:p>
+        </p:txBody>
+      </p:sp>
+      <p:cxnSp>
+        <p:nvCxnSpPr>
+          <p:cNvPr id="16" name="Straight Arrow Connector 15">
+            <a:extLst>
+              <a:ext uri="{FF2B5EF4-FFF2-40B4-BE49-F238E27FC236}">
+                <a16:creationId xmlns:a16="http://schemas.microsoft.com/office/drawing/2014/main" id="{BC2FA455-1EC2-4485-A038-7C8B66A93C79}"/>
+              </a:ext>
+            </a:extLst>
+          </p:cNvPr>
+          <p:cNvCxnSpPr>
+            <a:cxnSpLocks/>
+            <a:stCxn id="11" idx="1"/>
+            <a:endCxn id="17" idx="3"/>
+          </p:cNvCxnSpPr>
+          <p:nvPr/>
+        </p:nvCxnSpPr>
+        <p:spPr>
+          <a:xfrm flipH="1">
+            <a:off x="8996377" y="1323197"/>
+            <a:ext cx="746274" cy="0"/>
+          </a:xfrm>
+          <a:prstGeom prst="straightConnector1">
+            <a:avLst/>
+          </a:prstGeom>
+          <a:ln>
+            <a:tailEnd type="triangle"/>
+          </a:ln>
+        </p:spPr>
+        <p:style>
+          <a:lnRef idx="1">
+            <a:schemeClr val="accent1"/>
+          </a:lnRef>
+          <a:fillRef idx="0">
+            <a:schemeClr val="accent1"/>
+          </a:fillRef>
+          <a:effectRef idx="0">
+            <a:schemeClr val="accent1"/>
+          </a:effectRef>
+          <a:fontRef idx="minor">
+            <a:schemeClr val="tx1"/>
+          </a:fontRef>
+        </p:style>
+      </p:cxnSp>
+      <p:sp>
+        <p:nvSpPr>
+          <p:cNvPr id="17" name="TextBox 16">
+            <a:extLst>
+              <a:ext uri="{FF2B5EF4-FFF2-40B4-BE49-F238E27FC236}">
+                <a16:creationId xmlns:a16="http://schemas.microsoft.com/office/drawing/2014/main" id="{AB907B99-5481-4F0A-9E26-6F2E0934A191}"/>
+              </a:ext>
+            </a:extLst>
+          </p:cNvPr>
+          <p:cNvSpPr txBox="1"/>
+          <p:nvPr/>
+        </p:nvSpPr>
+        <p:spPr>
+          <a:xfrm>
+            <a:off x="7601893" y="1138531"/>
+            <a:ext cx="1394484" cy="369332"/>
+          </a:xfrm>
+          <a:prstGeom prst="rect">
+            <a:avLst/>
+          </a:prstGeom>
+          <a:noFill/>
+        </p:spPr>
+        <p:txBody>
+          <a:bodyPr wrap="none" rtlCol="0">
+            <a:spAutoFit/>
+          </a:bodyPr>
+          <a:lstStyle/>
+          <a:p>
+            <a:r>
+              <a:rPr lang="en-US" dirty="0"/>
+              <a:t>Store, Action</a:t>
+            </a:r>
+            <a:endParaRPr lang="en-ZA" dirty="0"/>
+          </a:p>
+        </p:txBody>
+      </p:sp>
+      <p:cxnSp>
+        <p:nvCxnSpPr>
+          <p:cNvPr id="26" name="Straight Arrow Connector 25">
+            <a:extLst>
+              <a:ext uri="{FF2B5EF4-FFF2-40B4-BE49-F238E27FC236}">
+                <a16:creationId xmlns:a16="http://schemas.microsoft.com/office/drawing/2014/main" id="{AE7F30C5-4746-4568-94B0-CBBCCB9FEDD6}"/>
+              </a:ext>
+            </a:extLst>
+          </p:cNvPr>
+          <p:cNvCxnSpPr>
+            <a:stCxn id="17" idx="1"/>
+            <a:endCxn id="14" idx="3"/>
+          </p:cNvCxnSpPr>
+          <p:nvPr/>
+        </p:nvCxnSpPr>
+        <p:spPr>
+          <a:xfrm flipH="1">
+            <a:off x="6618205" y="1323197"/>
+            <a:ext cx="983688" cy="0"/>
+          </a:xfrm>
+          <a:prstGeom prst="straightConnector1">
+            <a:avLst/>
+          </a:prstGeom>
+          <a:ln>
+            <a:tailEnd type="triangle"/>
+          </a:ln>
+        </p:spPr>
+        <p:style>
+          <a:lnRef idx="1">
+            <a:schemeClr val="accent1"/>
+          </a:lnRef>
+          <a:fillRef idx="0">
+            <a:schemeClr val="accent1"/>
+          </a:fillRef>
+          <a:effectRef idx="0">
+            <a:schemeClr val="accent1"/>
+          </a:effectRef>
+          <a:fontRef idx="minor">
+            <a:schemeClr val="tx1"/>
+          </a:fontRef>
+        </p:style>
+      </p:cxnSp>
+      <p:cxnSp>
+        <p:nvCxnSpPr>
+          <p:cNvPr id="39" name="Straight Arrow Connector 38">
+            <a:extLst>
+              <a:ext uri="{FF2B5EF4-FFF2-40B4-BE49-F238E27FC236}">
+                <a16:creationId xmlns:a16="http://schemas.microsoft.com/office/drawing/2014/main" id="{6C93039A-BD5F-4C3E-84DC-BEF0C298720F}"/>
+              </a:ext>
+            </a:extLst>
+          </p:cNvPr>
+          <p:cNvCxnSpPr>
+            <a:cxnSpLocks/>
+            <a:stCxn id="14" idx="2"/>
+            <a:endCxn id="40" idx="0"/>
+          </p:cNvCxnSpPr>
+          <p:nvPr/>
+        </p:nvCxnSpPr>
+        <p:spPr>
+          <a:xfrm>
+            <a:off x="5755489" y="1773182"/>
+            <a:ext cx="739" cy="822694"/>
+          </a:xfrm>
+          <a:prstGeom prst="straightConnector1">
+            <a:avLst/>
+          </a:prstGeom>
+          <a:ln>
+            <a:tailEnd type="triangle"/>
+          </a:ln>
+        </p:spPr>
+        <p:style>
+          <a:lnRef idx="1">
+            <a:schemeClr val="accent1"/>
+          </a:lnRef>
+          <a:fillRef idx="0">
+            <a:schemeClr val="accent1"/>
+          </a:fillRef>
+          <a:effectRef idx="0">
+            <a:schemeClr val="accent1"/>
+          </a:effectRef>
+          <a:fontRef idx="minor">
+            <a:schemeClr val="tx1"/>
+          </a:fontRef>
+        </p:style>
+      </p:cxnSp>
+      <p:sp>
+        <p:nvSpPr>
+          <p:cNvPr id="40" name="TextBox 39">
+            <a:extLst>
+              <a:ext uri="{FF2B5EF4-FFF2-40B4-BE49-F238E27FC236}">
+                <a16:creationId xmlns:a16="http://schemas.microsoft.com/office/drawing/2014/main" id="{01BE3865-0389-4261-8B2A-700218968479}"/>
+              </a:ext>
+            </a:extLst>
+          </p:cNvPr>
+          <p:cNvSpPr txBox="1"/>
+          <p:nvPr/>
+        </p:nvSpPr>
+        <p:spPr>
+          <a:xfrm>
+            <a:off x="5416455" y="2595876"/>
+            <a:ext cx="679545" cy="369332"/>
+          </a:xfrm>
+          <a:prstGeom prst="rect">
+            <a:avLst/>
+          </a:prstGeom>
+          <a:noFill/>
+        </p:spPr>
+        <p:txBody>
+          <a:bodyPr wrap="none" rtlCol="0">
+            <a:spAutoFit/>
+          </a:bodyPr>
+          <a:lstStyle/>
+          <a:p>
+            <a:r>
+              <a:rPr lang="en-US" dirty="0"/>
+              <a:t>Store</a:t>
+            </a:r>
+            <a:endParaRPr lang="en-ZA" dirty="0"/>
+          </a:p>
+        </p:txBody>
+      </p:sp>
+      <p:cxnSp>
+        <p:nvCxnSpPr>
+          <p:cNvPr id="43" name="Straight Arrow Connector 42">
+            <a:extLst>
+              <a:ext uri="{FF2B5EF4-FFF2-40B4-BE49-F238E27FC236}">
+                <a16:creationId xmlns:a16="http://schemas.microsoft.com/office/drawing/2014/main" id="{C8AD43B0-F9EE-4746-A250-B4AD2E5D7A8C}"/>
+              </a:ext>
+            </a:extLst>
+          </p:cNvPr>
+          <p:cNvCxnSpPr>
+            <a:stCxn id="40" idx="2"/>
+            <a:endCxn id="4" idx="0"/>
+          </p:cNvCxnSpPr>
+          <p:nvPr/>
+        </p:nvCxnSpPr>
+        <p:spPr>
+          <a:xfrm flipH="1">
+            <a:off x="5751513" y="2965208"/>
+            <a:ext cx="4715" cy="1080534"/>
+          </a:xfrm>
+          <a:prstGeom prst="straightConnector1">
+            <a:avLst/>
+          </a:prstGeom>
+          <a:ln>
+            <a:tailEnd type="triangle"/>
+          </a:ln>
+        </p:spPr>
+        <p:style>
+          <a:lnRef idx="1">
+            <a:schemeClr val="accent1"/>
+          </a:lnRef>
+          <a:fillRef idx="0">
+            <a:schemeClr val="accent1"/>
+          </a:fillRef>
+          <a:effectRef idx="0">
+            <a:schemeClr val="accent1"/>
+          </a:effectRef>
+          <a:fontRef idx="minor">
+            <a:schemeClr val="tx1"/>
+          </a:fontRef>
+        </p:style>
+      </p:cxnSp>
+      <p:sp>
+        <p:nvSpPr>
+          <p:cNvPr id="44" name="Rectangle 43">
+            <a:extLst>
+              <a:ext uri="{FF2B5EF4-FFF2-40B4-BE49-F238E27FC236}">
+                <a16:creationId xmlns:a16="http://schemas.microsoft.com/office/drawing/2014/main" id="{C03D5C99-70F8-421A-BC3A-8A0B6D7C2205}"/>
+              </a:ext>
+            </a:extLst>
+          </p:cNvPr>
+          <p:cNvSpPr/>
+          <p:nvPr/>
+        </p:nvSpPr>
+        <p:spPr>
+          <a:xfrm>
+            <a:off x="2983908" y="4045742"/>
+            <a:ext cx="1733384" cy="955629"/>
+          </a:xfrm>
+          <a:prstGeom prst="rect">
+            <a:avLst/>
+          </a:prstGeom>
+          <a:solidFill>
+            <a:schemeClr val="tx1"/>
+          </a:solidFill>
+        </p:spPr>
+        <p:style>
+          <a:lnRef idx="2">
+            <a:schemeClr val="accent1">
+              <a:shade val="50000"/>
+            </a:schemeClr>
+          </a:lnRef>
+          <a:fillRef idx="1">
+            <a:schemeClr val="accent1"/>
+          </a:fillRef>
+          <a:effectRef idx="0">
+            <a:schemeClr val="accent1"/>
+          </a:effectRef>
+          <a:fontRef idx="minor">
+            <a:schemeClr val="lt1"/>
+          </a:fontRef>
+        </p:style>
+        <p:txBody>
+          <a:bodyPr rtlCol="0" anchor="ctr"/>
+          <a:lstStyle/>
+          <a:p>
+            <a:pPr algn="ctr"/>
+            <a:r>
+              <a:rPr lang="en-US" dirty="0">
+                <a:solidFill>
+                  <a:schemeClr val="bg1"/>
+                </a:solidFill>
+              </a:rPr>
+              <a:t>Component</a:t>
+            </a:r>
+            <a:endParaRPr lang="en-ZA" dirty="0">
+              <a:solidFill>
+                <a:schemeClr val="bg1"/>
+              </a:solidFill>
+            </a:endParaRPr>
+          </a:p>
+        </p:txBody>
+      </p:sp>
+      <p:sp>
+        <p:nvSpPr>
+          <p:cNvPr id="45" name="Rectangle 44">
+            <a:extLst>
+              <a:ext uri="{FF2B5EF4-FFF2-40B4-BE49-F238E27FC236}">
+                <a16:creationId xmlns:a16="http://schemas.microsoft.com/office/drawing/2014/main" id="{0F8A8658-F6E1-4547-AFA5-F5212D8F908B}"/>
+              </a:ext>
+            </a:extLst>
+          </p:cNvPr>
+          <p:cNvSpPr/>
+          <p:nvPr/>
+        </p:nvSpPr>
+        <p:spPr>
+          <a:xfrm>
+            <a:off x="1082995" y="4045741"/>
+            <a:ext cx="1733384" cy="955629"/>
+          </a:xfrm>
+          <a:prstGeom prst="rect">
+            <a:avLst/>
+          </a:prstGeom>
+          <a:solidFill>
+            <a:schemeClr val="tx1"/>
+          </a:solidFill>
+        </p:spPr>
+        <p:style>
+          <a:lnRef idx="2">
+            <a:schemeClr val="accent1">
+              <a:shade val="50000"/>
+            </a:schemeClr>
+          </a:lnRef>
+          <a:fillRef idx="1">
+            <a:schemeClr val="accent1"/>
+          </a:fillRef>
+          <a:effectRef idx="0">
+            <a:schemeClr val="accent1"/>
+          </a:effectRef>
+          <a:fontRef idx="minor">
+            <a:schemeClr val="lt1"/>
+          </a:fontRef>
+        </p:style>
+        <p:txBody>
+          <a:bodyPr rtlCol="0" anchor="ctr"/>
+          <a:lstStyle/>
+          <a:p>
+            <a:pPr algn="ctr"/>
+            <a:r>
+              <a:rPr lang="en-US" dirty="0">
+                <a:solidFill>
+                  <a:schemeClr val="bg1"/>
+                </a:solidFill>
+              </a:rPr>
+              <a:t>Component</a:t>
+            </a:r>
+            <a:endParaRPr lang="en-ZA" dirty="0">
+              <a:solidFill>
+                <a:schemeClr val="bg1"/>
+              </a:solidFill>
+            </a:endParaRPr>
+          </a:p>
+        </p:txBody>
+      </p:sp>
+      <p:cxnSp>
+        <p:nvCxnSpPr>
+          <p:cNvPr id="47" name="Connector: Elbow 46">
+            <a:extLst>
+              <a:ext uri="{FF2B5EF4-FFF2-40B4-BE49-F238E27FC236}">
+                <a16:creationId xmlns:a16="http://schemas.microsoft.com/office/drawing/2014/main" id="{2C527FF8-91C3-4A66-90CB-346EC8F3A1D5}"/>
+              </a:ext>
+            </a:extLst>
+          </p:cNvPr>
+          <p:cNvCxnSpPr>
+            <a:stCxn id="40" idx="1"/>
+            <a:endCxn id="44" idx="0"/>
+          </p:cNvCxnSpPr>
+          <p:nvPr/>
+        </p:nvCxnSpPr>
+        <p:spPr>
+          <a:xfrm rot="10800000" flipV="1">
+            <a:off x="3850601" y="2780542"/>
+            <a:ext cx="1565855" cy="1265200"/>
+          </a:xfrm>
+          <a:prstGeom prst="bentConnector2">
+            <a:avLst/>
+          </a:prstGeom>
+          <a:ln>
+            <a:tailEnd type="triangle"/>
+          </a:ln>
+        </p:spPr>
+        <p:style>
+          <a:lnRef idx="1">
+            <a:schemeClr val="accent1"/>
+          </a:lnRef>
+          <a:fillRef idx="0">
+            <a:schemeClr val="accent1"/>
+          </a:fillRef>
+          <a:effectRef idx="0">
+            <a:schemeClr val="accent1"/>
+          </a:effectRef>
+          <a:fontRef idx="minor">
+            <a:schemeClr val="tx1"/>
+          </a:fontRef>
+        </p:style>
+      </p:cxnSp>
+      <p:cxnSp>
+        <p:nvCxnSpPr>
+          <p:cNvPr id="49" name="Connector: Elbow 48">
+            <a:extLst>
+              <a:ext uri="{FF2B5EF4-FFF2-40B4-BE49-F238E27FC236}">
+                <a16:creationId xmlns:a16="http://schemas.microsoft.com/office/drawing/2014/main" id="{9A8DA4B4-5539-4E81-8E40-C77E15D0AAA6}"/>
+              </a:ext>
+            </a:extLst>
+          </p:cNvPr>
+          <p:cNvCxnSpPr>
+            <a:stCxn id="40" idx="1"/>
+            <a:endCxn id="45" idx="0"/>
+          </p:cNvCxnSpPr>
+          <p:nvPr/>
+        </p:nvCxnSpPr>
+        <p:spPr>
+          <a:xfrm rot="10800000" flipV="1">
+            <a:off x="1949687" y="2780541"/>
+            <a:ext cx="3466768" cy="1265199"/>
+          </a:xfrm>
+          <a:prstGeom prst="bentConnector2">
+            <a:avLst/>
+          </a:prstGeom>
+          <a:ln>
+            <a:tailEnd type="triangle"/>
+          </a:ln>
+        </p:spPr>
+        <p:style>
+          <a:lnRef idx="1">
+            <a:schemeClr val="accent1"/>
+          </a:lnRef>
+          <a:fillRef idx="0">
+            <a:schemeClr val="accent1"/>
+          </a:fillRef>
+          <a:effectRef idx="0">
+            <a:schemeClr val="accent1"/>
+          </a:effectRef>
+          <a:fontRef idx="minor">
+            <a:schemeClr val="tx1"/>
+          </a:fontRef>
+        </p:style>
+      </p:cxnSp>
+      <p:sp>
+        <p:nvSpPr>
+          <p:cNvPr id="19" name="Rectangle 18">
+            <a:extLst>
+              <a:ext uri="{FF2B5EF4-FFF2-40B4-BE49-F238E27FC236}">
+                <a16:creationId xmlns:a16="http://schemas.microsoft.com/office/drawing/2014/main" id="{D36EF330-E243-46DC-A1D4-335C42953F9C}"/>
+              </a:ext>
+            </a:extLst>
+          </p:cNvPr>
+          <p:cNvSpPr/>
+          <p:nvPr/>
+        </p:nvSpPr>
+        <p:spPr>
+          <a:xfrm>
+            <a:off x="4892772" y="5547803"/>
+            <a:ext cx="1733384" cy="955629"/>
+          </a:xfrm>
+          <a:prstGeom prst="rect">
+            <a:avLst/>
+          </a:prstGeom>
+          <a:solidFill>
+            <a:schemeClr val="tx1"/>
+          </a:solidFill>
+        </p:spPr>
+        <p:style>
+          <a:lnRef idx="2">
+            <a:schemeClr val="accent1">
+              <a:shade val="50000"/>
+            </a:schemeClr>
+          </a:lnRef>
+          <a:fillRef idx="1">
+            <a:schemeClr val="accent1"/>
+          </a:fillRef>
+          <a:effectRef idx="0">
+            <a:schemeClr val="accent1"/>
+          </a:effectRef>
+          <a:fontRef idx="minor">
+            <a:schemeClr val="lt1"/>
+          </a:fontRef>
+        </p:style>
+        <p:txBody>
+          <a:bodyPr rtlCol="0" anchor="ctr"/>
+          <a:lstStyle/>
+          <a:p>
+            <a:pPr algn="ctr"/>
+            <a:r>
+              <a:rPr lang="en-US" dirty="0">
+                <a:solidFill>
+                  <a:schemeClr val="bg1"/>
+                </a:solidFill>
+              </a:rPr>
+              <a:t>Component</a:t>
+            </a:r>
+            <a:endParaRPr lang="en-ZA" dirty="0">
+              <a:solidFill>
+                <a:schemeClr val="bg1"/>
+              </a:solidFill>
+            </a:endParaRPr>
+          </a:p>
+        </p:txBody>
+      </p:sp>
+      <p:cxnSp>
+        <p:nvCxnSpPr>
+          <p:cNvPr id="5" name="Straight Arrow Connector 4">
+            <a:extLst>
+              <a:ext uri="{FF2B5EF4-FFF2-40B4-BE49-F238E27FC236}">
+                <a16:creationId xmlns:a16="http://schemas.microsoft.com/office/drawing/2014/main" id="{B246B2D9-6106-44F3-A1A7-7EDE79119922}"/>
+              </a:ext>
+            </a:extLst>
+          </p:cNvPr>
+          <p:cNvCxnSpPr>
+            <a:stCxn id="4" idx="2"/>
+            <a:endCxn id="19" idx="0"/>
+          </p:cNvCxnSpPr>
+          <p:nvPr/>
+        </p:nvCxnSpPr>
+        <p:spPr>
+          <a:xfrm>
+            <a:off x="5751513" y="5001371"/>
+            <a:ext cx="7951" cy="546432"/>
+          </a:xfrm>
+          <a:prstGeom prst="straightConnector1">
+            <a:avLst/>
+          </a:prstGeom>
+          <a:ln>
+            <a:tailEnd type="triangle"/>
+          </a:ln>
+        </p:spPr>
+        <p:style>
+          <a:lnRef idx="1">
+            <a:schemeClr val="accent1"/>
+          </a:lnRef>
+          <a:fillRef idx="0">
+            <a:schemeClr val="accent1"/>
+          </a:fillRef>
+          <a:effectRef idx="0">
+            <a:schemeClr val="accent1"/>
+          </a:effectRef>
+          <a:fontRef idx="minor">
+            <a:schemeClr val="tx1"/>
+          </a:fontRef>
+        </p:style>
+      </p:cxnSp>
+    </p:spTree>
+    <p:extLst>
+      <p:ext uri="{BB962C8B-B14F-4D97-AF65-F5344CB8AC3E}">
+        <p14:creationId xmlns:p14="http://schemas.microsoft.com/office/powerpoint/2010/main" val="967819661"/>
+      </p:ext>
+    </p:extLst>
+  </p:cSld>
+  <p:clrMapOvr>
+    <a:masterClrMapping/>
+  </p:clrMapOvr>
+</p:sld>
+</file>
+
+<file path=ppt/slides/slide8.xml><?xml version="1.0" encoding="utf-8"?>
+<p:sld xmlns:a="http://schemas.openxmlformats.org/drawingml/2006/main" xmlns:r="http://schemas.openxmlformats.org/officeDocument/2006/relationships" xmlns:p="http://schemas.openxmlformats.org/presentationml/2006/main">
+  <p:cSld>
     <p:spTree>
       <p:nvGrpSpPr>
         <p:cNvPr id="1" name=""/>
@@ -7485,136 +8948,10 @@
       </p:grpSpPr>
       <p:pic>
         <p:nvPicPr>
-          <p:cNvPr id="16" name="Picture 9">
+          <p:cNvPr id="4" name="Picture 3">
             <a:extLst>
               <a:ext uri="{FF2B5EF4-FFF2-40B4-BE49-F238E27FC236}">
-                <a16:creationId xmlns:a16="http://schemas.microsoft.com/office/drawing/2014/main" id="{9F6D95BA-5DEA-4969-83AE-052DB82DC8AB}"/>
-              </a:ext>
-              <a:ext uri="{C183D7F6-B498-43B3-948B-1728B52AA6E4}">
-                <adec:decorative xmlns:adec="http://schemas.microsoft.com/office/drawing/2017/decorative" val="1"/>
-              </a:ext>
-            </a:extLst>
-          </p:cNvPr>
-          <p:cNvPicPr>
-            <a:picLocks noGrp="1" noRot="1" noChangeAspect="1" noMove="1" noResize="1" noEditPoints="1" noAdjustHandles="1" noChangeArrowheads="1" noChangeShapeType="1" noCrop="1"/>
-          </p:cNvPicPr>
-          <p:nvPr>
-            <p:extLst>
-              <p:ext uri="{386F3935-93C4-4BCD-93E2-E3B085C9AB24}">
-                <p16:designElem xmlns:p16="http://schemas.microsoft.com/office/powerpoint/2015/main" val="1"/>
-              </p:ext>
-            </p:extLst>
-          </p:nvPr>
-        </p:nvPicPr>
-        <p:blipFill>
-          <a:blip r:embed="rId3">
-            <a:extLst>
-              <a:ext uri="{28A0092B-C50C-407E-A947-70E740481C1C}">
-                <a14:useLocalDpi xmlns:a14="http://schemas.microsoft.com/office/drawing/2010/main" val="0"/>
-              </a:ext>
-            </a:extLst>
-          </a:blip>
-          <a:stretch>
-            <a:fillRect/>
-          </a:stretch>
-        </p:blipFill>
-        <p:spPr>
-          <a:xfrm>
-            <a:off x="0" y="0"/>
-            <a:ext cx="12188825" cy="6856214"/>
-          </a:xfrm>
-          <a:prstGeom prst="rect">
-            <a:avLst/>
-          </a:prstGeom>
-        </p:spPr>
-      </p:pic>
-      <p:pic>
-        <p:nvPicPr>
-          <p:cNvPr id="17" name="Picture 11">
-            <a:extLst>
-              <a:ext uri="{FF2B5EF4-FFF2-40B4-BE49-F238E27FC236}">
-                <a16:creationId xmlns:a16="http://schemas.microsoft.com/office/drawing/2014/main" id="{D1CEED38-66FC-4D91-86AF-A99BDCEF96AB}"/>
-              </a:ext>
-              <a:ext uri="{C183D7F6-B498-43B3-948B-1728B52AA6E4}">
-                <adec:decorative xmlns:adec="http://schemas.microsoft.com/office/drawing/2017/decorative" val="1"/>
-              </a:ext>
-            </a:extLst>
-          </p:cNvPr>
-          <p:cNvPicPr>
-            <a:picLocks noGrp="1" noRot="1" noChangeAspect="1" noMove="1" noResize="1" noEditPoints="1" noAdjustHandles="1" noChangeArrowheads="1" noChangeShapeType="1" noCrop="1"/>
-          </p:cNvPicPr>
-          <p:nvPr>
-            <p:extLst>
-              <p:ext uri="{386F3935-93C4-4BCD-93E2-E3B085C9AB24}">
-                <p16:designElem xmlns:p16="http://schemas.microsoft.com/office/powerpoint/2015/main" val="1"/>
-              </p:ext>
-            </p:extLst>
-          </p:nvPr>
-        </p:nvPicPr>
-        <p:blipFill>
-          <a:blip r:embed="rId4">
-            <a:extLst>
-              <a:ext uri="{28A0092B-C50C-407E-A947-70E740481C1C}">
-                <a14:useLocalDpi xmlns:a14="http://schemas.microsoft.com/office/drawing/2010/main" val="0"/>
-              </a:ext>
-            </a:extLst>
-          </a:blip>
-          <a:stretch>
-            <a:fillRect/>
-          </a:stretch>
-        </p:blipFill>
-        <p:spPr>
-          <a:xfrm>
-            <a:off x="0" y="0"/>
-            <a:ext cx="12188825" cy="6856214"/>
-          </a:xfrm>
-          <a:prstGeom prst="rect">
-            <a:avLst/>
-          </a:prstGeom>
-        </p:spPr>
-      </p:pic>
-      <p:sp>
-        <p:nvSpPr>
-          <p:cNvPr id="2" name="Title 1">
-            <a:extLst>
-              <a:ext uri="{FF2B5EF4-FFF2-40B4-BE49-F238E27FC236}">
-                <a16:creationId xmlns:a16="http://schemas.microsoft.com/office/drawing/2014/main" id="{08C2D0EB-02F3-41E9-9565-3D0B0DC44748}"/>
-              </a:ext>
-            </a:extLst>
-          </p:cNvPr>
-          <p:cNvSpPr>
-            <a:spLocks noGrp="1"/>
-          </p:cNvSpPr>
-          <p:nvPr>
-            <p:ph type="title"/>
-          </p:nvPr>
-        </p:nvSpPr>
-        <p:spPr>
-          <a:xfrm>
-            <a:off x="7905135" y="1964267"/>
-            <a:ext cx="3254990" cy="2421464"/>
-          </a:xfrm>
-        </p:spPr>
-        <p:txBody>
-          <a:bodyPr vert="horz" lIns="91440" tIns="45720" rIns="91440" bIns="45720" rtlCol="0" anchor="b">
-            <a:normAutofit/>
-          </a:bodyPr>
-          <a:lstStyle/>
-          <a:p>
-            <a:pPr algn="r"/>
-            <a:r>
-              <a:rPr lang="en-US" sz="4800" cap="all"/>
-              <a:t>WRAP YOUR APP!</a:t>
-            </a:r>
-          </a:p>
-        </p:txBody>
-      </p:sp>
-      <p:pic>
-        <p:nvPicPr>
-          <p:cNvPr id="6" name="Picture 5">
-            <a:extLst>
-              <a:ext uri="{FF2B5EF4-FFF2-40B4-BE49-F238E27FC236}">
-                <a16:creationId xmlns:a16="http://schemas.microsoft.com/office/drawing/2014/main" id="{ACDB8242-A67D-4E55-9CB5-8BF71262FF4B}"/>
+                <a16:creationId xmlns:a16="http://schemas.microsoft.com/office/drawing/2014/main" id="{47155AC8-2BFE-48C8-87D6-B9C8F9D8526A}"/>
               </a:ext>
             </a:extLst>
           </p:cNvPr>
@@ -7624,48 +8961,926 @@
           <p:nvPr/>
         </p:nvPicPr>
         <p:blipFill>
-          <a:blip r:embed="rId5"/>
+          <a:blip r:embed="rId2"/>
           <a:stretch>
             <a:fillRect/>
           </a:stretch>
         </p:blipFill>
         <p:spPr>
           <a:xfrm>
-            <a:off x="1424962" y="2156706"/>
-            <a:ext cx="6191250" cy="2962275"/>
+            <a:off x="759804" y="2065867"/>
+            <a:ext cx="8143875" cy="857250"/>
           </a:xfrm>
           <a:prstGeom prst="rect">
             <a:avLst/>
           </a:prstGeom>
         </p:spPr>
       </p:pic>
+      <p:sp>
+        <p:nvSpPr>
+          <p:cNvPr id="6" name="Rectangle 5">
+            <a:extLst>
+              <a:ext uri="{FF2B5EF4-FFF2-40B4-BE49-F238E27FC236}">
+                <a16:creationId xmlns:a16="http://schemas.microsoft.com/office/drawing/2014/main" id="{0571B960-1CBD-48A1-857B-12F22CAF001F}"/>
+              </a:ext>
+            </a:extLst>
+          </p:cNvPr>
+          <p:cNvSpPr/>
+          <p:nvPr/>
+        </p:nvSpPr>
+        <p:spPr>
+          <a:xfrm>
+            <a:off x="2480808" y="2282024"/>
+            <a:ext cx="3148716" cy="212467"/>
+          </a:xfrm>
+          <a:prstGeom prst="rect">
+            <a:avLst/>
+          </a:prstGeom>
+          <a:noFill/>
+        </p:spPr>
+        <p:style>
+          <a:lnRef idx="2">
+            <a:schemeClr val="accent1">
+              <a:shade val="50000"/>
+            </a:schemeClr>
+          </a:lnRef>
+          <a:fillRef idx="1">
+            <a:schemeClr val="accent1"/>
+          </a:fillRef>
+          <a:effectRef idx="0">
+            <a:schemeClr val="accent1"/>
+          </a:effectRef>
+          <a:fontRef idx="minor">
+            <a:schemeClr val="lt1"/>
+          </a:fontRef>
+        </p:style>
+        <p:txBody>
+          <a:bodyPr rtlCol="0" anchor="ctr"/>
+          <a:lstStyle/>
+          <a:p>
+            <a:pPr algn="ctr"/>
+            <a:endParaRPr lang="en-ZA"/>
+          </a:p>
+        </p:txBody>
+      </p:sp>
+      <p:sp>
+        <p:nvSpPr>
+          <p:cNvPr id="7" name="Rectangle 6">
+            <a:extLst>
+              <a:ext uri="{FF2B5EF4-FFF2-40B4-BE49-F238E27FC236}">
+                <a16:creationId xmlns:a16="http://schemas.microsoft.com/office/drawing/2014/main" id="{6A82A7BC-3776-42F1-987D-DC1FB554DBDB}"/>
+              </a:ext>
+            </a:extLst>
+          </p:cNvPr>
+          <p:cNvSpPr/>
+          <p:nvPr/>
+        </p:nvSpPr>
+        <p:spPr>
+          <a:xfrm>
+            <a:off x="4129169" y="2488432"/>
+            <a:ext cx="2192118" cy="212467"/>
+          </a:xfrm>
+          <a:prstGeom prst="rect">
+            <a:avLst/>
+          </a:prstGeom>
+          <a:noFill/>
+        </p:spPr>
+        <p:style>
+          <a:lnRef idx="2">
+            <a:schemeClr val="accent1">
+              <a:shade val="50000"/>
+            </a:schemeClr>
+          </a:lnRef>
+          <a:fillRef idx="1">
+            <a:schemeClr val="accent1"/>
+          </a:fillRef>
+          <a:effectRef idx="0">
+            <a:schemeClr val="accent1"/>
+          </a:effectRef>
+          <a:fontRef idx="minor">
+            <a:schemeClr val="lt1"/>
+          </a:fontRef>
+        </p:style>
+        <p:txBody>
+          <a:bodyPr rtlCol="0" anchor="ctr"/>
+          <a:lstStyle/>
+          <a:p>
+            <a:pPr algn="ctr"/>
+            <a:endParaRPr lang="en-ZA"/>
+          </a:p>
+        </p:txBody>
+      </p:sp>
+      <p:sp>
+        <p:nvSpPr>
+          <p:cNvPr id="8" name="Rectangle 7">
+            <a:extLst>
+              <a:ext uri="{FF2B5EF4-FFF2-40B4-BE49-F238E27FC236}">
+                <a16:creationId xmlns:a16="http://schemas.microsoft.com/office/drawing/2014/main" id="{672774C2-B284-4E1D-A869-EDC310DB8D1D}"/>
+              </a:ext>
+            </a:extLst>
+          </p:cNvPr>
+          <p:cNvSpPr/>
+          <p:nvPr/>
+        </p:nvSpPr>
+        <p:spPr>
+          <a:xfrm>
+            <a:off x="5418605" y="2715525"/>
+            <a:ext cx="3420596" cy="212467"/>
+          </a:xfrm>
+          <a:prstGeom prst="rect">
+            <a:avLst/>
+          </a:prstGeom>
+          <a:noFill/>
+        </p:spPr>
+        <p:style>
+          <a:lnRef idx="2">
+            <a:schemeClr val="accent1">
+              <a:shade val="50000"/>
+            </a:schemeClr>
+          </a:lnRef>
+          <a:fillRef idx="1">
+            <a:schemeClr val="accent1"/>
+          </a:fillRef>
+          <a:effectRef idx="0">
+            <a:schemeClr val="accent1"/>
+          </a:effectRef>
+          <a:fontRef idx="minor">
+            <a:schemeClr val="lt1"/>
+          </a:fontRef>
+        </p:style>
+        <p:txBody>
+          <a:bodyPr rtlCol="0" anchor="ctr"/>
+          <a:lstStyle/>
+          <a:p>
+            <a:pPr algn="ctr"/>
+            <a:endParaRPr lang="en-ZA"/>
+          </a:p>
+        </p:txBody>
+      </p:sp>
+      <p:sp>
+        <p:nvSpPr>
+          <p:cNvPr id="2" name="Title 1">
+            <a:extLst>
+              <a:ext uri="{FF2B5EF4-FFF2-40B4-BE49-F238E27FC236}">
+                <a16:creationId xmlns:a16="http://schemas.microsoft.com/office/drawing/2014/main" id="{68D4A206-B60C-48A1-805C-AA3E1E0167BA}"/>
+              </a:ext>
+            </a:extLst>
+          </p:cNvPr>
+          <p:cNvSpPr>
+            <a:spLocks noGrp="1"/>
+          </p:cNvSpPr>
+          <p:nvPr>
+            <p:ph type="title"/>
+          </p:nvPr>
+        </p:nvSpPr>
+        <p:spPr/>
+        <p:txBody>
+          <a:bodyPr/>
+          <a:lstStyle/>
+          <a:p>
+            <a:r>
+              <a:rPr lang="en-US" dirty="0"/>
+              <a:t>Reducer?</a:t>
+            </a:r>
+            <a:endParaRPr lang="en-ZA" dirty="0"/>
+          </a:p>
+        </p:txBody>
+      </p:sp>
+      <p:pic>
+        <p:nvPicPr>
+          <p:cNvPr id="3" name="Picture 2">
+            <a:extLst>
+              <a:ext uri="{FF2B5EF4-FFF2-40B4-BE49-F238E27FC236}">
+                <a16:creationId xmlns:a16="http://schemas.microsoft.com/office/drawing/2014/main" id="{D9628026-F188-44D5-A083-E86E2BB1822B}"/>
+              </a:ext>
+            </a:extLst>
+          </p:cNvPr>
+          <p:cNvPicPr>
+            <a:picLocks noChangeAspect="1"/>
+          </p:cNvPicPr>
+          <p:nvPr/>
+        </p:nvPicPr>
+        <p:blipFill>
+          <a:blip r:embed="rId3"/>
+          <a:stretch>
+            <a:fillRect/>
+          </a:stretch>
+        </p:blipFill>
+        <p:spPr>
+          <a:xfrm>
+            <a:off x="759804" y="4118257"/>
+            <a:ext cx="3876675" cy="514350"/>
+          </a:xfrm>
+          <a:prstGeom prst="rect">
+            <a:avLst/>
+          </a:prstGeom>
+        </p:spPr>
+      </p:pic>
+      <p:pic>
+        <p:nvPicPr>
+          <p:cNvPr id="5" name="Picture 4">
+            <a:extLst>
+              <a:ext uri="{FF2B5EF4-FFF2-40B4-BE49-F238E27FC236}">
+                <a16:creationId xmlns:a16="http://schemas.microsoft.com/office/drawing/2014/main" id="{EC876243-42BB-4C68-9C0F-C8A97910A232}"/>
+              </a:ext>
+            </a:extLst>
+          </p:cNvPr>
+          <p:cNvPicPr>
+            <a:picLocks noChangeAspect="1"/>
+          </p:cNvPicPr>
+          <p:nvPr/>
+        </p:nvPicPr>
+        <p:blipFill>
+          <a:blip r:embed="rId4"/>
+          <a:stretch>
+            <a:fillRect/>
+          </a:stretch>
+        </p:blipFill>
+        <p:spPr>
+          <a:xfrm>
+            <a:off x="759804" y="2065867"/>
+            <a:ext cx="8153400" cy="1895475"/>
+          </a:xfrm>
+          <a:prstGeom prst="rect">
+            <a:avLst/>
+          </a:prstGeom>
+        </p:spPr>
+      </p:pic>
+      <p:sp>
+        <p:nvSpPr>
+          <p:cNvPr id="9" name="Rectangle 8">
+            <a:extLst>
+              <a:ext uri="{FF2B5EF4-FFF2-40B4-BE49-F238E27FC236}">
+                <a16:creationId xmlns:a16="http://schemas.microsoft.com/office/drawing/2014/main" id="{F5A33847-968D-4C42-98A8-981B8B308AF5}"/>
+              </a:ext>
+            </a:extLst>
+          </p:cNvPr>
+          <p:cNvSpPr/>
+          <p:nvPr/>
+        </p:nvSpPr>
+        <p:spPr>
+          <a:xfrm>
+            <a:off x="2794849" y="3335996"/>
+            <a:ext cx="759384" cy="212467"/>
+          </a:xfrm>
+          <a:prstGeom prst="rect">
+            <a:avLst/>
+          </a:prstGeom>
+          <a:noFill/>
+        </p:spPr>
+        <p:style>
+          <a:lnRef idx="2">
+            <a:schemeClr val="accent1">
+              <a:shade val="50000"/>
+            </a:schemeClr>
+          </a:lnRef>
+          <a:fillRef idx="1">
+            <a:schemeClr val="accent1"/>
+          </a:fillRef>
+          <a:effectRef idx="0">
+            <a:schemeClr val="accent1"/>
+          </a:effectRef>
+          <a:fontRef idx="minor">
+            <a:schemeClr val="lt1"/>
+          </a:fontRef>
+        </p:style>
+        <p:txBody>
+          <a:bodyPr rtlCol="0" anchor="ctr"/>
+          <a:lstStyle/>
+          <a:p>
+            <a:pPr algn="ctr"/>
+            <a:endParaRPr lang="en-ZA"/>
+          </a:p>
+        </p:txBody>
+      </p:sp>
+      <p:sp>
+        <p:nvSpPr>
+          <p:cNvPr id="10" name="Rectangle 9">
+            <a:extLst>
+              <a:ext uri="{FF2B5EF4-FFF2-40B4-BE49-F238E27FC236}">
+                <a16:creationId xmlns:a16="http://schemas.microsoft.com/office/drawing/2014/main" id="{CF57E0D3-04D3-494C-8BC9-8700B8250587}"/>
+              </a:ext>
+            </a:extLst>
+          </p:cNvPr>
+          <p:cNvSpPr/>
+          <p:nvPr/>
+        </p:nvSpPr>
+        <p:spPr>
+          <a:xfrm>
+            <a:off x="7877058" y="3554646"/>
+            <a:ext cx="249175" cy="212467"/>
+          </a:xfrm>
+          <a:prstGeom prst="rect">
+            <a:avLst/>
+          </a:prstGeom>
+          <a:noFill/>
+        </p:spPr>
+        <p:style>
+          <a:lnRef idx="2">
+            <a:schemeClr val="accent1">
+              <a:shade val="50000"/>
+            </a:schemeClr>
+          </a:lnRef>
+          <a:fillRef idx="1">
+            <a:schemeClr val="accent1"/>
+          </a:fillRef>
+          <a:effectRef idx="0">
+            <a:schemeClr val="accent1"/>
+          </a:effectRef>
+          <a:fontRef idx="minor">
+            <a:schemeClr val="lt1"/>
+          </a:fontRef>
+        </p:style>
+        <p:txBody>
+          <a:bodyPr rtlCol="0" anchor="ctr"/>
+          <a:lstStyle/>
+          <a:p>
+            <a:pPr algn="ctr"/>
+            <a:endParaRPr lang="en-ZA"/>
+          </a:p>
+        </p:txBody>
+      </p:sp>
+      <p:sp>
+        <p:nvSpPr>
+          <p:cNvPr id="11" name="Rectangle 10">
+            <a:extLst>
+              <a:ext uri="{FF2B5EF4-FFF2-40B4-BE49-F238E27FC236}">
+                <a16:creationId xmlns:a16="http://schemas.microsoft.com/office/drawing/2014/main" id="{904C9120-4E00-4AE8-A485-72D75CEE26D9}"/>
+              </a:ext>
+            </a:extLst>
+          </p:cNvPr>
+          <p:cNvSpPr/>
+          <p:nvPr/>
+        </p:nvSpPr>
+        <p:spPr>
+          <a:xfrm>
+            <a:off x="4992128" y="3525640"/>
+            <a:ext cx="2752441" cy="212467"/>
+          </a:xfrm>
+          <a:prstGeom prst="rect">
+            <a:avLst/>
+          </a:prstGeom>
+          <a:noFill/>
+        </p:spPr>
+        <p:style>
+          <a:lnRef idx="2">
+            <a:schemeClr val="accent1">
+              <a:shade val="50000"/>
+            </a:schemeClr>
+          </a:lnRef>
+          <a:fillRef idx="1">
+            <a:schemeClr val="accent1"/>
+          </a:fillRef>
+          <a:effectRef idx="0">
+            <a:schemeClr val="accent1"/>
+          </a:effectRef>
+          <a:fontRef idx="minor">
+            <a:schemeClr val="lt1"/>
+          </a:fontRef>
+        </p:style>
+        <p:txBody>
+          <a:bodyPr rtlCol="0" anchor="ctr"/>
+          <a:lstStyle/>
+          <a:p>
+            <a:pPr algn="ctr"/>
+            <a:endParaRPr lang="en-ZA"/>
+          </a:p>
+        </p:txBody>
+      </p:sp>
+      <p:sp>
+        <p:nvSpPr>
+          <p:cNvPr id="12" name="Rectangle 11">
+            <a:extLst>
+              <a:ext uri="{FF2B5EF4-FFF2-40B4-BE49-F238E27FC236}">
+                <a16:creationId xmlns:a16="http://schemas.microsoft.com/office/drawing/2014/main" id="{B817F225-7490-4D9C-8D69-C8797BC21A5A}"/>
+              </a:ext>
+            </a:extLst>
+          </p:cNvPr>
+          <p:cNvSpPr/>
+          <p:nvPr/>
+        </p:nvSpPr>
+        <p:spPr>
+          <a:xfrm>
+            <a:off x="5941595" y="3748875"/>
+            <a:ext cx="759384" cy="212467"/>
+          </a:xfrm>
+          <a:prstGeom prst="rect">
+            <a:avLst/>
+          </a:prstGeom>
+          <a:noFill/>
+        </p:spPr>
+        <p:style>
+          <a:lnRef idx="2">
+            <a:schemeClr val="accent1">
+              <a:shade val="50000"/>
+            </a:schemeClr>
+          </a:lnRef>
+          <a:fillRef idx="1">
+            <a:schemeClr val="accent1"/>
+          </a:fillRef>
+          <a:effectRef idx="0">
+            <a:schemeClr val="accent1"/>
+          </a:effectRef>
+          <a:fontRef idx="minor">
+            <a:schemeClr val="lt1"/>
+          </a:fontRef>
+        </p:style>
+        <p:txBody>
+          <a:bodyPr rtlCol="0" anchor="ctr"/>
+          <a:lstStyle/>
+          <a:p>
+            <a:pPr algn="ctr"/>
+            <a:endParaRPr lang="en-ZA"/>
+          </a:p>
+        </p:txBody>
+      </p:sp>
     </p:spTree>
     <p:extLst>
       <p:ext uri="{BB962C8B-B14F-4D97-AF65-F5344CB8AC3E}">
-        <p14:creationId xmlns:p14="http://schemas.microsoft.com/office/powerpoint/2010/main" val="4226048860"/>
+        <p14:creationId xmlns:p14="http://schemas.microsoft.com/office/powerpoint/2010/main" val="4272964515"/>
       </p:ext>
     </p:extLst>
   </p:cSld>
   <p:clrMapOvr>
     <a:masterClrMapping/>
   </p:clrMapOvr>
+  <p:timing>
+    <p:tnLst>
+      <p:par>
+        <p:cTn id="1" dur="indefinite" restart="never" nodeType="tmRoot">
+          <p:childTnLst>
+            <p:seq concurrent="1" nextAc="seek">
+              <p:cTn id="2" dur="indefinite" nodeType="mainSeq">
+                <p:childTnLst>
+                  <p:par>
+                    <p:cTn id="3" fill="hold">
+                      <p:stCondLst>
+                        <p:cond delay="indefinite"/>
+                      </p:stCondLst>
+                      <p:childTnLst>
+                        <p:par>
+                          <p:cTn id="4" fill="hold">
+                            <p:stCondLst>
+                              <p:cond delay="0"/>
+                            </p:stCondLst>
+                            <p:childTnLst>
+                              <p:par>
+                                <p:cTn id="5" presetID="1" presetClass="entr" presetSubtype="0" fill="hold" nodeType="clickEffect">
+                                  <p:stCondLst>
+                                    <p:cond delay="0"/>
+                                  </p:stCondLst>
+                                  <p:childTnLst>
+                                    <p:set>
+                                      <p:cBhvr>
+                                        <p:cTn id="6" dur="1" fill="hold">
+                                          <p:stCondLst>
+                                            <p:cond delay="0"/>
+                                          </p:stCondLst>
+                                        </p:cTn>
+                                        <p:tgtEl>
+                                          <p:spTgt spid="4"/>
+                                        </p:tgtEl>
+                                        <p:attrNameLst>
+                                          <p:attrName>style.visibility</p:attrName>
+                                        </p:attrNameLst>
+                                      </p:cBhvr>
+                                      <p:to>
+                                        <p:strVal val="visible"/>
+                                      </p:to>
+                                    </p:set>
+                                  </p:childTnLst>
+                                </p:cTn>
+                              </p:par>
+                            </p:childTnLst>
+                          </p:cTn>
+                        </p:par>
+                      </p:childTnLst>
+                    </p:cTn>
+                  </p:par>
+                  <p:par>
+                    <p:cTn id="7" fill="hold">
+                      <p:stCondLst>
+                        <p:cond delay="indefinite"/>
+                      </p:stCondLst>
+                      <p:childTnLst>
+                        <p:par>
+                          <p:cTn id="8" fill="hold">
+                            <p:stCondLst>
+                              <p:cond delay="0"/>
+                            </p:stCondLst>
+                            <p:childTnLst>
+                              <p:par>
+                                <p:cTn id="9" presetID="1" presetClass="entr" presetSubtype="0" fill="hold" grpId="0" nodeType="clickEffect">
+                                  <p:stCondLst>
+                                    <p:cond delay="0"/>
+                                  </p:stCondLst>
+                                  <p:childTnLst>
+                                    <p:set>
+                                      <p:cBhvr>
+                                        <p:cTn id="10" dur="1" fill="hold">
+                                          <p:stCondLst>
+                                            <p:cond delay="0"/>
+                                          </p:stCondLst>
+                                        </p:cTn>
+                                        <p:tgtEl>
+                                          <p:spTgt spid="6"/>
+                                        </p:tgtEl>
+                                        <p:attrNameLst>
+                                          <p:attrName>style.visibility</p:attrName>
+                                        </p:attrNameLst>
+                                      </p:cBhvr>
+                                      <p:to>
+                                        <p:strVal val="visible"/>
+                                      </p:to>
+                                    </p:set>
+                                  </p:childTnLst>
+                                </p:cTn>
+                              </p:par>
+                            </p:childTnLst>
+                          </p:cTn>
+                        </p:par>
+                      </p:childTnLst>
+                    </p:cTn>
+                  </p:par>
+                  <p:par>
+                    <p:cTn id="11" fill="hold">
+                      <p:stCondLst>
+                        <p:cond delay="indefinite"/>
+                      </p:stCondLst>
+                      <p:childTnLst>
+                        <p:par>
+                          <p:cTn id="12" fill="hold">
+                            <p:stCondLst>
+                              <p:cond delay="0"/>
+                            </p:stCondLst>
+                            <p:childTnLst>
+                              <p:par>
+                                <p:cTn id="13" presetID="1" presetClass="entr" presetSubtype="0" fill="hold" grpId="0" nodeType="clickEffect">
+                                  <p:stCondLst>
+                                    <p:cond delay="0"/>
+                                  </p:stCondLst>
+                                  <p:childTnLst>
+                                    <p:set>
+                                      <p:cBhvr>
+                                        <p:cTn id="14" dur="1" fill="hold">
+                                          <p:stCondLst>
+                                            <p:cond delay="0"/>
+                                          </p:stCondLst>
+                                        </p:cTn>
+                                        <p:tgtEl>
+                                          <p:spTgt spid="7"/>
+                                        </p:tgtEl>
+                                        <p:attrNameLst>
+                                          <p:attrName>style.visibility</p:attrName>
+                                        </p:attrNameLst>
+                                      </p:cBhvr>
+                                      <p:to>
+                                        <p:strVal val="visible"/>
+                                      </p:to>
+                                    </p:set>
+                                  </p:childTnLst>
+                                </p:cTn>
+                              </p:par>
+                            </p:childTnLst>
+                          </p:cTn>
+                        </p:par>
+                      </p:childTnLst>
+                    </p:cTn>
+                  </p:par>
+                  <p:par>
+                    <p:cTn id="15" fill="hold">
+                      <p:stCondLst>
+                        <p:cond delay="indefinite"/>
+                      </p:stCondLst>
+                      <p:childTnLst>
+                        <p:par>
+                          <p:cTn id="16" fill="hold">
+                            <p:stCondLst>
+                              <p:cond delay="0"/>
+                            </p:stCondLst>
+                            <p:childTnLst>
+                              <p:par>
+                                <p:cTn id="17" presetID="1" presetClass="entr" presetSubtype="0" fill="hold" grpId="0" nodeType="clickEffect">
+                                  <p:stCondLst>
+                                    <p:cond delay="0"/>
+                                  </p:stCondLst>
+                                  <p:childTnLst>
+                                    <p:set>
+                                      <p:cBhvr>
+                                        <p:cTn id="18" dur="1" fill="hold">
+                                          <p:stCondLst>
+                                            <p:cond delay="0"/>
+                                          </p:stCondLst>
+                                        </p:cTn>
+                                        <p:tgtEl>
+                                          <p:spTgt spid="8"/>
+                                        </p:tgtEl>
+                                        <p:attrNameLst>
+                                          <p:attrName>style.visibility</p:attrName>
+                                        </p:attrNameLst>
+                                      </p:cBhvr>
+                                      <p:to>
+                                        <p:strVal val="visible"/>
+                                      </p:to>
+                                    </p:set>
+                                  </p:childTnLst>
+                                </p:cTn>
+                              </p:par>
+                            </p:childTnLst>
+                          </p:cTn>
+                        </p:par>
+                      </p:childTnLst>
+                    </p:cTn>
+                  </p:par>
+                  <p:par>
+                    <p:cTn id="19" fill="hold">
+                      <p:stCondLst>
+                        <p:cond delay="indefinite"/>
+                      </p:stCondLst>
+                      <p:childTnLst>
+                        <p:par>
+                          <p:cTn id="20" fill="hold">
+                            <p:stCondLst>
+                              <p:cond delay="0"/>
+                            </p:stCondLst>
+                            <p:childTnLst>
+                              <p:par>
+                                <p:cTn id="21" presetID="1" presetClass="entr" presetSubtype="0" fill="hold" nodeType="clickEffect">
+                                  <p:stCondLst>
+                                    <p:cond delay="0"/>
+                                  </p:stCondLst>
+                                  <p:childTnLst>
+                                    <p:set>
+                                      <p:cBhvr>
+                                        <p:cTn id="22" dur="1" fill="hold">
+                                          <p:stCondLst>
+                                            <p:cond delay="0"/>
+                                          </p:stCondLst>
+                                        </p:cTn>
+                                        <p:tgtEl>
+                                          <p:spTgt spid="5"/>
+                                        </p:tgtEl>
+                                        <p:attrNameLst>
+                                          <p:attrName>style.visibility</p:attrName>
+                                        </p:attrNameLst>
+                                      </p:cBhvr>
+                                      <p:to>
+                                        <p:strVal val="visible"/>
+                                      </p:to>
+                                    </p:set>
+                                  </p:childTnLst>
+                                </p:cTn>
+                              </p:par>
+                              <p:par>
+                                <p:cTn id="23" presetID="1" presetClass="entr" presetSubtype="0" fill="hold" nodeType="withEffect">
+                                  <p:stCondLst>
+                                    <p:cond delay="0"/>
+                                  </p:stCondLst>
+                                  <p:childTnLst>
+                                    <p:set>
+                                      <p:cBhvr>
+                                        <p:cTn id="24" dur="1" fill="hold">
+                                          <p:stCondLst>
+                                            <p:cond delay="0"/>
+                                          </p:stCondLst>
+                                        </p:cTn>
+                                        <p:tgtEl>
+                                          <p:spTgt spid="3"/>
+                                        </p:tgtEl>
+                                        <p:attrNameLst>
+                                          <p:attrName>style.visibility</p:attrName>
+                                        </p:attrNameLst>
+                                      </p:cBhvr>
+                                      <p:to>
+                                        <p:strVal val="visible"/>
+                                      </p:to>
+                                    </p:set>
+                                  </p:childTnLst>
+                                </p:cTn>
+                              </p:par>
+                            </p:childTnLst>
+                          </p:cTn>
+                        </p:par>
+                      </p:childTnLst>
+                    </p:cTn>
+                  </p:par>
+                  <p:par>
+                    <p:cTn id="25" fill="hold">
+                      <p:stCondLst>
+                        <p:cond delay="indefinite"/>
+                      </p:stCondLst>
+                      <p:childTnLst>
+                        <p:par>
+                          <p:cTn id="26" fill="hold">
+                            <p:stCondLst>
+                              <p:cond delay="0"/>
+                            </p:stCondLst>
+                            <p:childTnLst>
+                              <p:par>
+                                <p:cTn id="27" presetID="1" presetClass="entr" presetSubtype="0" fill="hold" grpId="0" nodeType="clickEffect">
+                                  <p:stCondLst>
+                                    <p:cond delay="0"/>
+                                  </p:stCondLst>
+                                  <p:childTnLst>
+                                    <p:set>
+                                      <p:cBhvr>
+                                        <p:cTn id="28" dur="1" fill="hold">
+                                          <p:stCondLst>
+                                            <p:cond delay="0"/>
+                                          </p:stCondLst>
+                                        </p:cTn>
+                                        <p:tgtEl>
+                                          <p:spTgt spid="9"/>
+                                        </p:tgtEl>
+                                        <p:attrNameLst>
+                                          <p:attrName>style.visibility</p:attrName>
+                                        </p:attrNameLst>
+                                      </p:cBhvr>
+                                      <p:to>
+                                        <p:strVal val="visible"/>
+                                      </p:to>
+                                    </p:set>
+                                  </p:childTnLst>
+                                </p:cTn>
+                              </p:par>
+                            </p:childTnLst>
+                          </p:cTn>
+                        </p:par>
+                      </p:childTnLst>
+                    </p:cTn>
+                  </p:par>
+                  <p:par>
+                    <p:cTn id="29" fill="hold">
+                      <p:stCondLst>
+                        <p:cond delay="indefinite"/>
+                      </p:stCondLst>
+                      <p:childTnLst>
+                        <p:par>
+                          <p:cTn id="30" fill="hold">
+                            <p:stCondLst>
+                              <p:cond delay="0"/>
+                            </p:stCondLst>
+                            <p:childTnLst>
+                              <p:par>
+                                <p:cTn id="31" presetID="1" presetClass="entr" presetSubtype="0" fill="hold" grpId="0" nodeType="clickEffect">
+                                  <p:stCondLst>
+                                    <p:cond delay="0"/>
+                                  </p:stCondLst>
+                                  <p:childTnLst>
+                                    <p:set>
+                                      <p:cBhvr>
+                                        <p:cTn id="32" dur="1" fill="hold">
+                                          <p:stCondLst>
+                                            <p:cond delay="0"/>
+                                          </p:stCondLst>
+                                        </p:cTn>
+                                        <p:tgtEl>
+                                          <p:spTgt spid="10"/>
+                                        </p:tgtEl>
+                                        <p:attrNameLst>
+                                          <p:attrName>style.visibility</p:attrName>
+                                        </p:attrNameLst>
+                                      </p:cBhvr>
+                                      <p:to>
+                                        <p:strVal val="visible"/>
+                                      </p:to>
+                                    </p:set>
+                                  </p:childTnLst>
+                                </p:cTn>
+                              </p:par>
+                            </p:childTnLst>
+                          </p:cTn>
+                        </p:par>
+                      </p:childTnLst>
+                    </p:cTn>
+                  </p:par>
+                  <p:par>
+                    <p:cTn id="33" fill="hold">
+                      <p:stCondLst>
+                        <p:cond delay="indefinite"/>
+                      </p:stCondLst>
+                      <p:childTnLst>
+                        <p:par>
+                          <p:cTn id="34" fill="hold">
+                            <p:stCondLst>
+                              <p:cond delay="0"/>
+                            </p:stCondLst>
+                            <p:childTnLst>
+                              <p:par>
+                                <p:cTn id="35" presetID="1" presetClass="entr" presetSubtype="0" fill="hold" grpId="0" nodeType="clickEffect">
+                                  <p:stCondLst>
+                                    <p:cond delay="0"/>
+                                  </p:stCondLst>
+                                  <p:childTnLst>
+                                    <p:set>
+                                      <p:cBhvr>
+                                        <p:cTn id="36" dur="1" fill="hold">
+                                          <p:stCondLst>
+                                            <p:cond delay="0"/>
+                                          </p:stCondLst>
+                                        </p:cTn>
+                                        <p:tgtEl>
+                                          <p:spTgt spid="11"/>
+                                        </p:tgtEl>
+                                        <p:attrNameLst>
+                                          <p:attrName>style.visibility</p:attrName>
+                                        </p:attrNameLst>
+                                      </p:cBhvr>
+                                      <p:to>
+                                        <p:strVal val="visible"/>
+                                      </p:to>
+                                    </p:set>
+                                  </p:childTnLst>
+                                </p:cTn>
+                              </p:par>
+                            </p:childTnLst>
+                          </p:cTn>
+                        </p:par>
+                      </p:childTnLst>
+                    </p:cTn>
+                  </p:par>
+                  <p:par>
+                    <p:cTn id="37" fill="hold">
+                      <p:stCondLst>
+                        <p:cond delay="indefinite"/>
+                      </p:stCondLst>
+                      <p:childTnLst>
+                        <p:par>
+                          <p:cTn id="38" fill="hold">
+                            <p:stCondLst>
+                              <p:cond delay="0"/>
+                            </p:stCondLst>
+                            <p:childTnLst>
+                              <p:par>
+                                <p:cTn id="39" presetID="1" presetClass="entr" presetSubtype="0" fill="hold" grpId="0" nodeType="clickEffect">
+                                  <p:stCondLst>
+                                    <p:cond delay="0"/>
+                                  </p:stCondLst>
+                                  <p:childTnLst>
+                                    <p:set>
+                                      <p:cBhvr>
+                                        <p:cTn id="40" dur="1" fill="hold">
+                                          <p:stCondLst>
+                                            <p:cond delay="0"/>
+                                          </p:stCondLst>
+                                        </p:cTn>
+                                        <p:tgtEl>
+                                          <p:spTgt spid="12"/>
+                                        </p:tgtEl>
+                                        <p:attrNameLst>
+                                          <p:attrName>style.visibility</p:attrName>
+                                        </p:attrNameLst>
+                                      </p:cBhvr>
+                                      <p:to>
+                                        <p:strVal val="visible"/>
+                                      </p:to>
+                                    </p:set>
+                                  </p:childTnLst>
+                                </p:cTn>
+                              </p:par>
+                            </p:childTnLst>
+                          </p:cTn>
+                        </p:par>
+                      </p:childTnLst>
+                    </p:cTn>
+                  </p:par>
+                </p:childTnLst>
+              </p:cTn>
+              <p:prevCondLst>
+                <p:cond evt="onPrev" delay="0">
+                  <p:tgtEl>
+                    <p:sldTgt/>
+                  </p:tgtEl>
+                </p:cond>
+              </p:prevCondLst>
+              <p:nextCondLst>
+                <p:cond evt="onNext" delay="0">
+                  <p:tgtEl>
+                    <p:sldTgt/>
+                  </p:tgtEl>
+                </p:cond>
+              </p:nextCondLst>
+            </p:seq>
+          </p:childTnLst>
+        </p:cTn>
+      </p:par>
+    </p:tnLst>
+    <p:bldLst>
+      <p:bldP spid="6" grpId="0" animBg="1"/>
+      <p:bldP spid="7" grpId="0" animBg="1"/>
+      <p:bldP spid="8" grpId="0" animBg="1"/>
+      <p:bldP spid="9" grpId="0" animBg="1"/>
+      <p:bldP spid="10" grpId="0" animBg="1"/>
+      <p:bldP spid="11" grpId="0" animBg="1"/>
+      <p:bldP spid="12" grpId="0" animBg="1"/>
+    </p:bldLst>
+  </p:timing>
 </p:sld>
 </file>
 
-<file path=ppt/slides/slide8.xml><?xml version="1.0" encoding="utf-8"?>
+<file path=ppt/slides/slide9.xml><?xml version="1.0" encoding="utf-8"?>
 <p:sld xmlns:a="http://schemas.openxmlformats.org/drawingml/2006/main" xmlns:r="http://schemas.openxmlformats.org/officeDocument/2006/relationships" xmlns:p="http://schemas.openxmlformats.org/presentationml/2006/main">
   <p:cSld>
-    <p:bg>
-      <p:bgPr>
-        <a:blipFill>
-          <a:blip r:embed="rId2">
-            <a:extLst/>
-          </a:blip>
-          <a:stretch/>
-        </a:blipFill>
-        <a:effectLst/>
-      </p:bgPr>
-    </p:bg>
     <p:spTree>
       <p:nvGrpSpPr>
         <p:cNvPr id="1" name=""/>
@@ -7680,57 +9895,256 @@
           <a:chExt cx="0" cy="0"/>
         </a:xfrm>
       </p:grpSpPr>
-      <p:pic>
-        <p:nvPicPr>
-          <p:cNvPr id="102" name="Picture 99">
+      <p:sp>
+        <p:nvSpPr>
+          <p:cNvPr id="6" name="Rectangle 5">
             <a:extLst>
               <a:ext uri="{FF2B5EF4-FFF2-40B4-BE49-F238E27FC236}">
-                <a16:creationId xmlns:a16="http://schemas.microsoft.com/office/drawing/2014/main" id="{4432DA31-8308-4F44-87C4-068169AA4DCA}"/>
-              </a:ext>
-              <a:ext uri="{C183D7F6-B498-43B3-948B-1728B52AA6E4}">
-                <adec:decorative xmlns:adec="http://schemas.microsoft.com/office/drawing/2017/decorative" val="1"/>
+                <a16:creationId xmlns:a16="http://schemas.microsoft.com/office/drawing/2014/main" id="{689E7C39-7962-4FC8-9298-018B700AA2F1}"/>
               </a:ext>
             </a:extLst>
           </p:cNvPr>
-          <p:cNvPicPr>
-            <a:picLocks noGrp="1" noRot="1" noChangeAspect="1" noMove="1" noResize="1" noEditPoints="1" noAdjustHandles="1" noChangeArrowheads="1" noChangeShapeType="1" noCrop="1"/>
-          </p:cNvPicPr>
-          <p:nvPr>
-            <p:extLst>
-              <p:ext uri="{386F3935-93C4-4BCD-93E2-E3B085C9AB24}">
-                <p16:designElem xmlns:p16="http://schemas.microsoft.com/office/powerpoint/2015/main" val="1"/>
-              </p:ext>
-            </p:extLst>
-          </p:nvPr>
-        </p:nvPicPr>
-        <p:blipFill>
-          <a:blip r:embed="rId3">
-            <a:extLst>
-              <a:ext uri="{28A0092B-C50C-407E-A947-70E740481C1C}">
-                <a14:useLocalDpi xmlns:a14="http://schemas.microsoft.com/office/drawing/2010/main" val="0"/>
-              </a:ext>
-            </a:extLst>
-          </a:blip>
-          <a:stretch>
-            <a:fillRect/>
-          </a:stretch>
-        </p:blipFill>
-        <p:spPr>
-          <a:xfrm>
-            <a:off x="0" y="0"/>
-            <a:ext cx="12188825" cy="6856214"/>
+          <p:cNvSpPr/>
+          <p:nvPr/>
+        </p:nvSpPr>
+        <p:spPr>
+          <a:xfrm>
+            <a:off x="312404" y="125789"/>
+            <a:ext cx="1820849" cy="899970"/>
           </a:xfrm>
           <a:prstGeom prst="rect">
             <a:avLst/>
           </a:prstGeom>
-        </p:spPr>
-      </p:pic>
+          <a:solidFill>
+            <a:schemeClr val="tx1"/>
+          </a:solidFill>
+        </p:spPr>
+        <p:style>
+          <a:lnRef idx="2">
+            <a:schemeClr val="accent1">
+              <a:shade val="50000"/>
+            </a:schemeClr>
+          </a:lnRef>
+          <a:fillRef idx="1">
+            <a:schemeClr val="accent1"/>
+          </a:fillRef>
+          <a:effectRef idx="0">
+            <a:schemeClr val="accent1"/>
+          </a:effectRef>
+          <a:fontRef idx="minor">
+            <a:schemeClr val="lt1"/>
+          </a:fontRef>
+        </p:style>
+        <p:txBody>
+          <a:bodyPr rtlCol="0" anchor="ctr"/>
+          <a:lstStyle/>
+          <a:p>
+            <a:pPr algn="ctr"/>
+            <a:r>
+              <a:rPr lang="en-US" dirty="0">
+                <a:solidFill>
+                  <a:schemeClr val="bg1"/>
+                </a:solidFill>
+              </a:rPr>
+              <a:t>Dispatch</a:t>
+            </a:r>
+            <a:endParaRPr lang="en-ZA" dirty="0">
+              <a:solidFill>
+                <a:schemeClr val="bg1"/>
+              </a:solidFill>
+            </a:endParaRPr>
+          </a:p>
+        </p:txBody>
+      </p:sp>
+      <p:sp>
+        <p:nvSpPr>
+          <p:cNvPr id="7" name="Rectangle 6">
+            <a:extLst>
+              <a:ext uri="{FF2B5EF4-FFF2-40B4-BE49-F238E27FC236}">
+                <a16:creationId xmlns:a16="http://schemas.microsoft.com/office/drawing/2014/main" id="{6BC6757B-64A3-4E2A-AAF6-392828E98623}"/>
+              </a:ext>
+            </a:extLst>
+          </p:cNvPr>
+          <p:cNvSpPr/>
+          <p:nvPr/>
+        </p:nvSpPr>
+        <p:spPr>
+          <a:xfrm>
+            <a:off x="360111" y="5670464"/>
+            <a:ext cx="1725433" cy="899970"/>
+          </a:xfrm>
+          <a:prstGeom prst="rect">
+            <a:avLst/>
+          </a:prstGeom>
+          <a:solidFill>
+            <a:schemeClr val="tx1"/>
+          </a:solidFill>
+        </p:spPr>
+        <p:style>
+          <a:lnRef idx="2">
+            <a:schemeClr val="accent1">
+              <a:shade val="50000"/>
+            </a:schemeClr>
+          </a:lnRef>
+          <a:fillRef idx="1">
+            <a:schemeClr val="accent1"/>
+          </a:fillRef>
+          <a:effectRef idx="0">
+            <a:schemeClr val="accent1"/>
+          </a:effectRef>
+          <a:fontRef idx="minor">
+            <a:schemeClr val="lt1"/>
+          </a:fontRef>
+        </p:style>
+        <p:txBody>
+          <a:bodyPr rtlCol="0" anchor="ctr"/>
+          <a:lstStyle/>
+          <a:p>
+            <a:pPr algn="ctr"/>
+            <a:r>
+              <a:rPr lang="en-US" dirty="0">
+                <a:solidFill>
+                  <a:schemeClr val="bg1"/>
+                </a:solidFill>
+              </a:rPr>
+              <a:t>Reducer</a:t>
+            </a:r>
+            <a:endParaRPr lang="en-ZA" dirty="0">
+              <a:solidFill>
+                <a:schemeClr val="bg1"/>
+              </a:solidFill>
+            </a:endParaRPr>
+          </a:p>
+        </p:txBody>
+      </p:sp>
+      <p:cxnSp>
+        <p:nvCxnSpPr>
+          <p:cNvPr id="8" name="Straight Arrow Connector 7">
+            <a:extLst>
+              <a:ext uri="{FF2B5EF4-FFF2-40B4-BE49-F238E27FC236}">
+                <a16:creationId xmlns:a16="http://schemas.microsoft.com/office/drawing/2014/main" id="{192152A0-16B3-442A-8A5F-B47A4585E60F}"/>
+              </a:ext>
+            </a:extLst>
+          </p:cNvPr>
+          <p:cNvCxnSpPr>
+            <a:cxnSpLocks/>
+            <a:stCxn id="6" idx="2"/>
+            <a:endCxn id="9" idx="0"/>
+          </p:cNvCxnSpPr>
+          <p:nvPr/>
+        </p:nvCxnSpPr>
+        <p:spPr>
+          <a:xfrm flipH="1">
+            <a:off x="1222827" y="1025759"/>
+            <a:ext cx="2" cy="2395289"/>
+          </a:xfrm>
+          <a:prstGeom prst="straightConnector1">
+            <a:avLst/>
+          </a:prstGeom>
+          <a:ln>
+            <a:tailEnd type="triangle"/>
+          </a:ln>
+        </p:spPr>
+        <p:style>
+          <a:lnRef idx="1">
+            <a:schemeClr val="accent1"/>
+          </a:lnRef>
+          <a:fillRef idx="0">
+            <a:schemeClr val="accent1"/>
+          </a:fillRef>
+          <a:effectRef idx="0">
+            <a:schemeClr val="accent1"/>
+          </a:effectRef>
+          <a:fontRef idx="minor">
+            <a:schemeClr val="tx1"/>
+          </a:fontRef>
+        </p:style>
+      </p:cxnSp>
+      <p:sp>
+        <p:nvSpPr>
+          <p:cNvPr id="9" name="TextBox 8">
+            <a:extLst>
+              <a:ext uri="{FF2B5EF4-FFF2-40B4-BE49-F238E27FC236}">
+                <a16:creationId xmlns:a16="http://schemas.microsoft.com/office/drawing/2014/main" id="{7A174237-92BC-41A9-924D-5B5EC993807F}"/>
+              </a:ext>
+            </a:extLst>
+          </p:cNvPr>
+          <p:cNvSpPr txBox="1"/>
+          <p:nvPr/>
+        </p:nvSpPr>
+        <p:spPr>
+          <a:xfrm>
+            <a:off x="525585" y="3421048"/>
+            <a:ext cx="1394484" cy="369332"/>
+          </a:xfrm>
+          <a:prstGeom prst="rect">
+            <a:avLst/>
+          </a:prstGeom>
+          <a:noFill/>
+        </p:spPr>
+        <p:txBody>
+          <a:bodyPr wrap="none" rtlCol="0">
+            <a:spAutoFit/>
+          </a:bodyPr>
+          <a:lstStyle/>
+          <a:p>
+            <a:r>
+              <a:rPr lang="en-US" dirty="0"/>
+              <a:t>Store, Action</a:t>
+            </a:r>
+            <a:endParaRPr lang="en-ZA" dirty="0"/>
+          </a:p>
+        </p:txBody>
+      </p:sp>
+      <p:cxnSp>
+        <p:nvCxnSpPr>
+          <p:cNvPr id="10" name="Straight Arrow Connector 9">
+            <a:extLst>
+              <a:ext uri="{FF2B5EF4-FFF2-40B4-BE49-F238E27FC236}">
+                <a16:creationId xmlns:a16="http://schemas.microsoft.com/office/drawing/2014/main" id="{112C901D-046B-4945-B185-1BE26EC170E5}"/>
+              </a:ext>
+            </a:extLst>
+          </p:cNvPr>
+          <p:cNvCxnSpPr>
+            <a:cxnSpLocks/>
+            <a:stCxn id="9" idx="2"/>
+            <a:endCxn id="7" idx="0"/>
+          </p:cNvCxnSpPr>
+          <p:nvPr/>
+        </p:nvCxnSpPr>
+        <p:spPr>
+          <a:xfrm>
+            <a:off x="1222827" y="3790380"/>
+            <a:ext cx="1" cy="1880084"/>
+          </a:xfrm>
+          <a:prstGeom prst="straightConnector1">
+            <a:avLst/>
+          </a:prstGeom>
+          <a:ln>
+            <a:tailEnd type="triangle"/>
+          </a:ln>
+        </p:spPr>
+        <p:style>
+          <a:lnRef idx="1">
+            <a:schemeClr val="accent1"/>
+          </a:lnRef>
+          <a:fillRef idx="0">
+            <a:schemeClr val="accent1"/>
+          </a:fillRef>
+          <a:effectRef idx="0">
+            <a:schemeClr val="accent1"/>
+          </a:effectRef>
+          <a:fontRef idx="minor">
+            <a:schemeClr val="tx1"/>
+          </a:fontRef>
+        </p:style>
+      </p:cxnSp>
       <p:pic>
         <p:nvPicPr>
-          <p:cNvPr id="6" name="Picture 5">
+          <p:cNvPr id="11" name="Picture 10">
             <a:extLst>
               <a:ext uri="{FF2B5EF4-FFF2-40B4-BE49-F238E27FC236}">
-                <a16:creationId xmlns:a16="http://schemas.microsoft.com/office/drawing/2014/main" id="{40A4DE4C-8612-4E0E-931C-06D495F41C7D}"/>
+                <a16:creationId xmlns:a16="http://schemas.microsoft.com/office/drawing/2014/main" id="{7D25B529-6AA2-42E7-853A-1361F9B70B19}"/>
               </a:ext>
             </a:extLst>
           </p:cNvPr>
@@ -7740,165 +10154,15 @@
           <p:nvPr/>
         </p:nvPicPr>
         <p:blipFill>
-          <a:blip r:embed="rId4"/>
+          <a:blip r:embed="rId2"/>
           <a:stretch>
             <a:fillRect/>
           </a:stretch>
         </p:blipFill>
         <p:spPr>
           <a:xfrm>
-            <a:off x="643464" y="956124"/>
-            <a:ext cx="10909440" cy="2978751"/>
-          </a:xfrm>
-          <a:prstGeom prst="roundRect">
-            <a:avLst>
-              <a:gd name="adj" fmla="val 4380"/>
-            </a:avLst>
-          </a:prstGeom>
-          <a:ln w="50800" cap="sq" cmpd="dbl">
-            <a:gradFill flip="none" rotWithShape="1">
-              <a:gsLst>
-                <a:gs pos="0">
-                  <a:srgbClr val="FFFFFF"/>
-                </a:gs>
-                <a:gs pos="100000">
-                  <a:schemeClr val="tx1">
-                    <a:alpha val="0"/>
-                  </a:schemeClr>
-                </a:gs>
-              </a:gsLst>
-              <a:path path="circle">
-                <a:fillToRect l="50000" t="50000" r="50000" b="50000"/>
-              </a:path>
-              <a:tileRect/>
-            </a:gradFill>
-            <a:miter lim="800000"/>
-          </a:ln>
-          <a:effectLst>
-            <a:outerShdw blurRad="254000" algn="tl" rotWithShape="0">
-              <a:srgbClr val="000000">
-                <a:alpha val="43000"/>
-              </a:srgbClr>
-            </a:outerShdw>
-          </a:effectLst>
-        </p:spPr>
-      </p:pic>
-      <p:sp>
-        <p:nvSpPr>
-          <p:cNvPr id="2" name="Title 1">
-            <a:extLst>
-              <a:ext uri="{FF2B5EF4-FFF2-40B4-BE49-F238E27FC236}">
-                <a16:creationId xmlns:a16="http://schemas.microsoft.com/office/drawing/2014/main" id="{DAAC4BBB-17CA-4F7B-8663-0B7A62762AB9}"/>
-              </a:ext>
-            </a:extLst>
-          </p:cNvPr>
-          <p:cNvSpPr>
-            <a:spLocks noGrp="1"/>
-          </p:cNvSpPr>
-          <p:nvPr>
-            <p:ph type="title"/>
-          </p:nvPr>
-        </p:nvSpPr>
-        <p:spPr>
-          <a:xfrm>
-            <a:off x="643464" y="4562167"/>
-            <a:ext cx="10905069" cy="1150373"/>
-          </a:xfrm>
-        </p:spPr>
-        <p:txBody>
-          <a:bodyPr vert="horz" lIns="91440" tIns="45720" rIns="91440" bIns="45720" rtlCol="0" anchor="b">
-            <a:normAutofit/>
-          </a:bodyPr>
-          <a:lstStyle/>
-          <a:p>
-            <a:pPr algn="r"/>
-            <a:r>
-              <a:rPr lang="en-US" sz="4800" cap="all"/>
-              <a:t>DISPATCH ACTIONS TO MODIFY STATE</a:t>
-            </a:r>
-          </a:p>
-        </p:txBody>
-      </p:sp>
-    </p:spTree>
-    <p:extLst>
-      <p:ext uri="{BB962C8B-B14F-4D97-AF65-F5344CB8AC3E}">
-        <p14:creationId xmlns:p14="http://schemas.microsoft.com/office/powerpoint/2010/main" val="1374297268"/>
-      </p:ext>
-    </p:extLst>
-  </p:cSld>
-  <p:clrMapOvr>
-    <a:masterClrMapping/>
-  </p:clrMapOvr>
-</p:sld>
-</file>
-
-<file path=ppt/slides/slide9.xml><?xml version="1.0" encoding="utf-8"?>
-<p:sld xmlns:a="http://schemas.openxmlformats.org/drawingml/2006/main" xmlns:r="http://schemas.openxmlformats.org/officeDocument/2006/relationships" xmlns:p="http://schemas.openxmlformats.org/presentationml/2006/main">
-  <p:cSld>
-    <p:bg>
-      <p:bgPr>
-        <a:blipFill>
-          <a:blip r:embed="rId2">
-            <a:extLst/>
-          </a:blip>
-          <a:stretch/>
-        </a:blipFill>
-        <a:effectLst/>
-      </p:bgPr>
-    </p:bg>
-    <p:spTree>
-      <p:nvGrpSpPr>
-        <p:cNvPr id="1" name=""/>
-        <p:cNvGrpSpPr/>
-        <p:nvPr/>
-      </p:nvGrpSpPr>
-      <p:grpSpPr>
-        <a:xfrm>
-          <a:off x="0" y="0"/>
-          <a:ext cx="0" cy="0"/>
-          <a:chOff x="0" y="0"/>
-          <a:chExt cx="0" cy="0"/>
-        </a:xfrm>
-      </p:grpSpPr>
-      <p:pic>
-        <p:nvPicPr>
-          <p:cNvPr id="95" name="Picture 8">
-            <a:extLst>
-              <a:ext uri="{FF2B5EF4-FFF2-40B4-BE49-F238E27FC236}">
-                <a16:creationId xmlns:a16="http://schemas.microsoft.com/office/drawing/2014/main" id="{4432DA31-8308-4F44-87C4-068169AA4DCA}"/>
-              </a:ext>
-              <a:ext uri="{C183D7F6-B498-43B3-948B-1728B52AA6E4}">
-                <adec:decorative xmlns:adec="http://schemas.microsoft.com/office/drawing/2017/decorative" val="1"/>
-              </a:ext>
-            </a:extLst>
-          </p:cNvPr>
-          <p:cNvPicPr>
-            <a:picLocks noGrp="1" noRot="1" noChangeAspect="1" noMove="1" noResize="1" noEditPoints="1" noAdjustHandles="1" noChangeArrowheads="1" noChangeShapeType="1" noCrop="1"/>
-          </p:cNvPicPr>
-          <p:nvPr>
-            <p:extLst>
-              <p:ext uri="{386F3935-93C4-4BCD-93E2-E3B085C9AB24}">
-                <p16:designElem xmlns:p16="http://schemas.microsoft.com/office/powerpoint/2015/main" val="1"/>
-              </p:ext>
-            </p:extLst>
-          </p:nvPr>
-        </p:nvPicPr>
-        <p:blipFill>
-          <a:blip r:embed="rId3">
-            <a:extLst>
-              <a:ext uri="{28A0092B-C50C-407E-A947-70E740481C1C}">
-                <a14:useLocalDpi xmlns:a14="http://schemas.microsoft.com/office/drawing/2010/main" val="0"/>
-              </a:ext>
-            </a:extLst>
-          </a:blip>
-          <a:stretch>
-            <a:fillRect/>
-          </a:stretch>
-        </p:blipFill>
-        <p:spPr>
-          <a:xfrm>
-            <a:off x="0" y="0"/>
-            <a:ext cx="12188825" cy="6856214"/>
+            <a:off x="3107286" y="125789"/>
+            <a:ext cx="5429250" cy="1247775"/>
           </a:xfrm>
           <a:prstGeom prst="rect">
             <a:avLst/>
@@ -7907,10 +10171,10 @@
       </p:pic>
       <p:pic>
         <p:nvPicPr>
-          <p:cNvPr id="4" name="Picture 3">
+          <p:cNvPr id="25" name="Picture 24">
             <a:extLst>
               <a:ext uri="{FF2B5EF4-FFF2-40B4-BE49-F238E27FC236}">
-                <a16:creationId xmlns:a16="http://schemas.microsoft.com/office/drawing/2014/main" id="{36BD1B37-B0D3-4B11-9E8F-58052300D09F}"/>
+                <a16:creationId xmlns:a16="http://schemas.microsoft.com/office/drawing/2014/main" id="{0202444D-292E-4B9D-A1B2-E3DA96B40DF4}"/>
               </a:ext>
             </a:extLst>
           </p:cNvPr>
@@ -7920,89 +10184,25 @@
           <p:nvPr/>
         </p:nvPicPr>
         <p:blipFill>
-          <a:blip r:embed="rId4"/>
+          <a:blip r:embed="rId3"/>
           <a:stretch>
             <a:fillRect/>
           </a:stretch>
         </p:blipFill>
         <p:spPr>
           <a:xfrm>
-            <a:off x="1100301" y="1125121"/>
-            <a:ext cx="10287886" cy="2109016"/>
-          </a:xfrm>
-          <a:prstGeom prst="roundRect">
-            <a:avLst>
-              <a:gd name="adj" fmla="val 4380"/>
-            </a:avLst>
+            <a:off x="3107286" y="1531709"/>
+            <a:ext cx="7038975" cy="5038725"/>
+          </a:xfrm>
+          <a:prstGeom prst="rect">
+            <a:avLst/>
           </a:prstGeom>
-          <a:ln w="50800" cap="sq" cmpd="dbl">
-            <a:gradFill flip="none" rotWithShape="1">
-              <a:gsLst>
-                <a:gs pos="0">
-                  <a:srgbClr val="FFFFFF"/>
-                </a:gs>
-                <a:gs pos="100000">
-                  <a:schemeClr val="tx1">
-                    <a:alpha val="0"/>
-                  </a:schemeClr>
-                </a:gs>
-              </a:gsLst>
-              <a:path path="circle">
-                <a:fillToRect l="50000" t="50000" r="50000" b="50000"/>
-              </a:path>
-              <a:tileRect/>
-            </a:gradFill>
-            <a:miter lim="800000"/>
-          </a:ln>
-          <a:effectLst>
-            <a:outerShdw blurRad="254000" algn="tl" rotWithShape="0">
-              <a:srgbClr val="000000">
-                <a:alpha val="43000"/>
-              </a:srgbClr>
-            </a:outerShdw>
-          </a:effectLst>
         </p:spPr>
       </p:pic>
-      <p:sp>
-        <p:nvSpPr>
-          <p:cNvPr id="2" name="Title 1">
-            <a:extLst>
-              <a:ext uri="{FF2B5EF4-FFF2-40B4-BE49-F238E27FC236}">
-                <a16:creationId xmlns:a16="http://schemas.microsoft.com/office/drawing/2014/main" id="{DAAC4BBB-17CA-4F7B-8663-0B7A62762AB9}"/>
-              </a:ext>
-            </a:extLst>
-          </p:cNvPr>
-          <p:cNvSpPr>
-            <a:spLocks noGrp="1"/>
-          </p:cNvSpPr>
-          <p:nvPr>
-            <p:ph type="title"/>
-          </p:nvPr>
-        </p:nvSpPr>
-        <p:spPr>
-          <a:xfrm>
-            <a:off x="649338" y="3765754"/>
-            <a:ext cx="10903565" cy="1504335"/>
-          </a:xfrm>
-        </p:spPr>
-        <p:txBody>
-          <a:bodyPr vert="horz" lIns="91440" tIns="45720" rIns="91440" bIns="45720" rtlCol="0" anchor="b">
-            <a:normAutofit/>
-          </a:bodyPr>
-          <a:lstStyle/>
-          <a:p>
-            <a:pPr algn="ctr"/>
-            <a:r>
-              <a:rPr lang="en-US" sz="4800" cap="all"/>
-              <a:t>Tell reducer how to handle action</a:t>
-            </a:r>
-          </a:p>
-        </p:txBody>
-      </p:sp>
     </p:spTree>
     <p:extLst>
       <p:ext uri="{BB962C8B-B14F-4D97-AF65-F5344CB8AC3E}">
-        <p14:creationId xmlns:p14="http://schemas.microsoft.com/office/powerpoint/2010/main" val="3137620261"/>
+        <p14:creationId xmlns:p14="http://schemas.microsoft.com/office/powerpoint/2010/main" val="1003437734"/>
       </p:ext>
     </p:extLst>
   </p:cSld>

--- a/Redux/Another Redux Talk.pptx
+++ b/Redux/Another Redux Talk.pptx
@@ -14,10 +14,11 @@
     <p:sldId id="268" r:id="rId8"/>
     <p:sldId id="269" r:id="rId9"/>
     <p:sldId id="270" r:id="rId10"/>
-    <p:sldId id="266" r:id="rId11"/>
-    <p:sldId id="265" r:id="rId12"/>
-    <p:sldId id="264" r:id="rId13"/>
-    <p:sldId id="262" r:id="rId14"/>
+    <p:sldId id="271" r:id="rId11"/>
+    <p:sldId id="266" r:id="rId12"/>
+    <p:sldId id="265" r:id="rId13"/>
+    <p:sldId id="264" r:id="rId14"/>
+    <p:sldId id="262" r:id="rId15"/>
   </p:sldIdLst>
   <p:sldSz cx="12192000" cy="6858000"/>
   <p:notesSz cx="6858000" cy="9144000"/>
@@ -5873,6 +5874,288 @@
 <file path=ppt/slides/slide10.xml><?xml version="1.0" encoding="utf-8"?>
 <p:sld xmlns:a="http://schemas.openxmlformats.org/drawingml/2006/main" xmlns:r="http://schemas.openxmlformats.org/officeDocument/2006/relationships" xmlns:p="http://schemas.openxmlformats.org/presentationml/2006/main">
   <p:cSld>
+    <p:spTree>
+      <p:nvGrpSpPr>
+        <p:cNvPr id="1" name=""/>
+        <p:cNvGrpSpPr/>
+        <p:nvPr/>
+      </p:nvGrpSpPr>
+      <p:grpSpPr>
+        <a:xfrm>
+          <a:off x="0" y="0"/>
+          <a:ext cx="0" cy="0"/>
+          <a:chOff x="0" y="0"/>
+          <a:chExt cx="0" cy="0"/>
+        </a:xfrm>
+      </p:grpSpPr>
+      <p:sp>
+        <p:nvSpPr>
+          <p:cNvPr id="2" name="Title 1">
+            <a:extLst>
+              <a:ext uri="{FF2B5EF4-FFF2-40B4-BE49-F238E27FC236}">
+                <a16:creationId xmlns:a16="http://schemas.microsoft.com/office/drawing/2014/main" id="{B74DD701-4487-4A08-A3E8-AEF93F80B747}"/>
+              </a:ext>
+            </a:extLst>
+          </p:cNvPr>
+          <p:cNvSpPr>
+            <a:spLocks noGrp="1"/>
+          </p:cNvSpPr>
+          <p:nvPr>
+            <p:ph type="title"/>
+          </p:nvPr>
+        </p:nvSpPr>
+        <p:spPr/>
+        <p:txBody>
+          <a:bodyPr/>
+          <a:lstStyle/>
+          <a:p>
+            <a:r>
+              <a:rPr lang="en-US" dirty="0"/>
+              <a:t>Action Reducers in Redux</a:t>
+            </a:r>
+            <a:endParaRPr lang="en-ZA" dirty="0"/>
+          </a:p>
+        </p:txBody>
+      </p:sp>
+      <p:sp>
+        <p:nvSpPr>
+          <p:cNvPr id="3" name="Content Placeholder 2">
+            <a:extLst>
+              <a:ext uri="{FF2B5EF4-FFF2-40B4-BE49-F238E27FC236}">
+                <a16:creationId xmlns:a16="http://schemas.microsoft.com/office/drawing/2014/main" id="{079DD4A3-0120-4A4B-A890-1426EC9A583B}"/>
+              </a:ext>
+            </a:extLst>
+          </p:cNvPr>
+          <p:cNvSpPr>
+            <a:spLocks noGrp="1"/>
+          </p:cNvSpPr>
+          <p:nvPr>
+            <p:ph idx="1"/>
+          </p:nvPr>
+        </p:nvSpPr>
+        <p:spPr/>
+        <p:txBody>
+          <a:bodyPr/>
+          <a:lstStyle/>
+          <a:p>
+            <a:r>
+              <a:rPr lang="en-US" dirty="0"/>
+              <a:t>Take an action and a state, return a new state</a:t>
+            </a:r>
+          </a:p>
+          <a:p>
+            <a:r>
+              <a:rPr lang="en-US" dirty="0"/>
+              <a:t>Your application state is a reduction of the actions</a:t>
+            </a:r>
+          </a:p>
+          <a:p>
+            <a:r>
+              <a:rPr lang="en-US" dirty="0"/>
+              <a:t>Each reducer operates on a subset of the global state</a:t>
+            </a:r>
+          </a:p>
+          <a:p>
+            <a:pPr marL="0" indent="0">
+              <a:buNone/>
+            </a:pPr>
+            <a:endParaRPr lang="en-ZA" dirty="0"/>
+          </a:p>
+        </p:txBody>
+      </p:sp>
+    </p:spTree>
+    <p:extLst>
+      <p:ext uri="{BB962C8B-B14F-4D97-AF65-F5344CB8AC3E}">
+        <p14:creationId xmlns:p14="http://schemas.microsoft.com/office/powerpoint/2010/main" val="3209049757"/>
+      </p:ext>
+    </p:extLst>
+  </p:cSld>
+  <p:clrMapOvr>
+    <a:masterClrMapping/>
+  </p:clrMapOvr>
+  <p:timing>
+    <p:tnLst>
+      <p:par>
+        <p:cTn id="1" dur="indefinite" restart="never" nodeType="tmRoot">
+          <p:childTnLst>
+            <p:seq concurrent="1" nextAc="seek">
+              <p:cTn id="2" dur="indefinite" nodeType="mainSeq">
+                <p:childTnLst>
+                  <p:par>
+                    <p:cTn id="3" fill="hold">
+                      <p:stCondLst>
+                        <p:cond delay="indefinite"/>
+                      </p:stCondLst>
+                      <p:childTnLst>
+                        <p:par>
+                          <p:cTn id="4" fill="hold">
+                            <p:stCondLst>
+                              <p:cond delay="0"/>
+                            </p:stCondLst>
+                            <p:childTnLst>
+                              <p:par>
+                                <p:cTn id="5" presetID="1" presetClass="entr" presetSubtype="0" fill="hold" nodeType="clickEffect">
+                                  <p:stCondLst>
+                                    <p:cond delay="0"/>
+                                  </p:stCondLst>
+                                  <p:childTnLst>
+                                    <p:set>
+                                      <p:cBhvr>
+                                        <p:cTn id="6" dur="1" fill="hold">
+                                          <p:stCondLst>
+                                            <p:cond delay="0"/>
+                                          </p:stCondLst>
+                                        </p:cTn>
+                                        <p:tgtEl>
+                                          <p:spTgt spid="3">
+                                            <p:txEl>
+                                              <p:pRg st="0" end="0"/>
+                                            </p:txEl>
+                                          </p:spTgt>
+                                        </p:tgtEl>
+                                        <p:attrNameLst>
+                                          <p:attrName>style.visibility</p:attrName>
+                                        </p:attrNameLst>
+                                      </p:cBhvr>
+                                      <p:to>
+                                        <p:strVal val="visible"/>
+                                      </p:to>
+                                    </p:set>
+                                  </p:childTnLst>
+                                </p:cTn>
+                              </p:par>
+                            </p:childTnLst>
+                          </p:cTn>
+                        </p:par>
+                      </p:childTnLst>
+                    </p:cTn>
+                  </p:par>
+                  <p:par>
+                    <p:cTn id="7" fill="hold">
+                      <p:stCondLst>
+                        <p:cond delay="indefinite"/>
+                      </p:stCondLst>
+                      <p:childTnLst>
+                        <p:par>
+                          <p:cTn id="8" fill="hold">
+                            <p:stCondLst>
+                              <p:cond delay="0"/>
+                            </p:stCondLst>
+                            <p:childTnLst>
+                              <p:par>
+                                <p:cTn id="9" presetID="1" presetClass="entr" presetSubtype="0" fill="hold" nodeType="clickEffect">
+                                  <p:stCondLst>
+                                    <p:cond delay="0"/>
+                                  </p:stCondLst>
+                                  <p:childTnLst>
+                                    <p:set>
+                                      <p:cBhvr>
+                                        <p:cTn id="10" dur="1" fill="hold">
+                                          <p:stCondLst>
+                                            <p:cond delay="0"/>
+                                          </p:stCondLst>
+                                        </p:cTn>
+                                        <p:tgtEl>
+                                          <p:spTgt spid="3">
+                                            <p:txEl>
+                                              <p:pRg st="1" end="1"/>
+                                            </p:txEl>
+                                          </p:spTgt>
+                                        </p:tgtEl>
+                                        <p:attrNameLst>
+                                          <p:attrName>style.visibility</p:attrName>
+                                        </p:attrNameLst>
+                                      </p:cBhvr>
+                                      <p:to>
+                                        <p:strVal val="visible"/>
+                                      </p:to>
+                                    </p:set>
+                                  </p:childTnLst>
+                                </p:cTn>
+                              </p:par>
+                            </p:childTnLst>
+                          </p:cTn>
+                        </p:par>
+                      </p:childTnLst>
+                    </p:cTn>
+                  </p:par>
+                  <p:par>
+                    <p:cTn id="11" fill="hold">
+                      <p:stCondLst>
+                        <p:cond delay="indefinite"/>
+                      </p:stCondLst>
+                      <p:childTnLst>
+                        <p:par>
+                          <p:cTn id="12" fill="hold">
+                            <p:stCondLst>
+                              <p:cond delay="0"/>
+                            </p:stCondLst>
+                            <p:childTnLst>
+                              <p:par>
+                                <p:cTn id="13" presetID="1" presetClass="entr" presetSubtype="0" fill="hold" nodeType="clickEffect">
+                                  <p:stCondLst>
+                                    <p:cond delay="0"/>
+                                  </p:stCondLst>
+                                  <p:childTnLst>
+                                    <p:set>
+                                      <p:cBhvr>
+                                        <p:cTn id="14" dur="1" fill="hold">
+                                          <p:stCondLst>
+                                            <p:cond delay="0"/>
+                                          </p:stCondLst>
+                                        </p:cTn>
+                                        <p:tgtEl>
+                                          <p:spTgt spid="3">
+                                            <p:txEl>
+                                              <p:pRg st="2" end="2"/>
+                                            </p:txEl>
+                                          </p:spTgt>
+                                        </p:tgtEl>
+                                        <p:attrNameLst>
+                                          <p:attrName>style.visibility</p:attrName>
+                                        </p:attrNameLst>
+                                      </p:cBhvr>
+                                      <p:to>
+                                        <p:strVal val="visible"/>
+                                      </p:to>
+                                    </p:set>
+                                  </p:childTnLst>
+                                </p:cTn>
+                              </p:par>
+                            </p:childTnLst>
+                          </p:cTn>
+                        </p:par>
+                      </p:childTnLst>
+                    </p:cTn>
+                  </p:par>
+                </p:childTnLst>
+              </p:cTn>
+              <p:prevCondLst>
+                <p:cond evt="onPrev" delay="0">
+                  <p:tgtEl>
+                    <p:sldTgt/>
+                  </p:tgtEl>
+                </p:cond>
+              </p:prevCondLst>
+              <p:nextCondLst>
+                <p:cond evt="onNext" delay="0">
+                  <p:tgtEl>
+                    <p:sldTgt/>
+                  </p:tgtEl>
+                </p:cond>
+              </p:nextCondLst>
+            </p:seq>
+          </p:childTnLst>
+        </p:cTn>
+      </p:par>
+    </p:tnLst>
+  </p:timing>
+</p:sld>
+</file>
+
+<file path=ppt/slides/slide11.xml><?xml version="1.0" encoding="utf-8"?>
+<p:sld xmlns:a="http://schemas.openxmlformats.org/drawingml/2006/main" xmlns:r="http://schemas.openxmlformats.org/officeDocument/2006/relationships" xmlns:p="http://schemas.openxmlformats.org/presentationml/2006/main">
+  <p:cSld>
     <p:bg>
       <p:bgPr>
         <a:blipFill>
@@ -6067,7 +6350,7 @@
 </p:sld>
 </file>
 
-<file path=ppt/slides/slide11.xml><?xml version="1.0" encoding="utf-8"?>
+<file path=ppt/slides/slide12.xml><?xml version="1.0" encoding="utf-8"?>
 <p:sld xmlns:a="http://schemas.openxmlformats.org/drawingml/2006/main" xmlns:r="http://schemas.openxmlformats.org/officeDocument/2006/relationships" xmlns:p="http://schemas.openxmlformats.org/presentationml/2006/main">
   <p:cSld>
     <p:bg>
@@ -6247,7 +6530,7 @@
 </p:sld>
 </file>
 
-<file path=ppt/slides/slide12.xml><?xml version="1.0" encoding="utf-8"?>
+<file path=ppt/slides/slide13.xml><?xml version="1.0" encoding="utf-8"?>
 <p:sld xmlns:a="http://schemas.openxmlformats.org/drawingml/2006/main" xmlns:r="http://schemas.openxmlformats.org/officeDocument/2006/relationships" xmlns:p="http://schemas.openxmlformats.org/presentationml/2006/main">
   <p:cSld>
     <p:bg>
@@ -6427,7 +6710,7 @@
 </p:sld>
 </file>
 
-<file path=ppt/slides/slide13.xml><?xml version="1.0" encoding="utf-8"?>
+<file path=ppt/slides/slide14.xml><?xml version="1.0" encoding="utf-8"?>
 <p:sld xmlns:a="http://schemas.openxmlformats.org/drawingml/2006/main" xmlns:r="http://schemas.openxmlformats.org/officeDocument/2006/relationships" xmlns:p="http://schemas.openxmlformats.org/presentationml/2006/main">
   <p:cSld>
     <p:spTree>

--- a/Redux/Another Redux Talk.pptx
+++ b/Redux/Another Redux Talk.pptx
@@ -19,6 +19,8 @@
     <p:sldId id="265" r:id="rId13"/>
     <p:sldId id="264" r:id="rId14"/>
     <p:sldId id="262" r:id="rId15"/>
+    <p:sldId id="272" r:id="rId16"/>
+    <p:sldId id="273" r:id="rId17"/>
   </p:sldIdLst>
   <p:sldSz cx="12192000" cy="6858000"/>
   <p:notesSz cx="6858000" cy="9144000"/>
@@ -6793,6 +6795,12 @@
               <a:rPr lang="en-US" dirty="0"/>
               <a:t>Name each action constant as &lt;NOUN&gt;_&lt;VERB&gt;</a:t>
             </a:r>
+          </a:p>
+          <a:p>
+            <a:r>
+              <a:rPr lang="en-US" dirty="0"/>
+              <a:t>Use create reducer</a:t>
+            </a:r>
             <a:endParaRPr lang="en-ZA" dirty="0"/>
           </a:p>
         </p:txBody>
@@ -6801,6 +6809,267 @@
     <p:extLst>
       <p:ext uri="{BB962C8B-B14F-4D97-AF65-F5344CB8AC3E}">
         <p14:creationId xmlns:p14="http://schemas.microsoft.com/office/powerpoint/2010/main" val="3435539742"/>
+      </p:ext>
+    </p:extLst>
+  </p:cSld>
+  <p:clrMapOvr>
+    <a:masterClrMapping/>
+  </p:clrMapOvr>
+</p:sld>
+</file>
+
+<file path=ppt/slides/slide15.xml><?xml version="1.0" encoding="utf-8"?>
+<p:sld xmlns:a="http://schemas.openxmlformats.org/drawingml/2006/main" xmlns:r="http://schemas.openxmlformats.org/officeDocument/2006/relationships" xmlns:p="http://schemas.openxmlformats.org/presentationml/2006/main">
+  <p:cSld>
+    <p:spTree>
+      <p:nvGrpSpPr>
+        <p:cNvPr id="1" name=""/>
+        <p:cNvGrpSpPr/>
+        <p:nvPr/>
+      </p:nvGrpSpPr>
+      <p:grpSpPr>
+        <a:xfrm>
+          <a:off x="0" y="0"/>
+          <a:ext cx="0" cy="0"/>
+          <a:chOff x="0" y="0"/>
+          <a:chExt cx="0" cy="0"/>
+        </a:xfrm>
+      </p:grpSpPr>
+      <p:sp>
+        <p:nvSpPr>
+          <p:cNvPr id="2" name="Title 1">
+            <a:extLst>
+              <a:ext uri="{FF2B5EF4-FFF2-40B4-BE49-F238E27FC236}">
+                <a16:creationId xmlns:a16="http://schemas.microsoft.com/office/drawing/2014/main" id="{F9C6F1C5-961A-4E5A-946B-41024420F3B9}"/>
+              </a:ext>
+            </a:extLst>
+          </p:cNvPr>
+          <p:cNvSpPr>
+            <a:spLocks noGrp="1"/>
+          </p:cNvSpPr>
+          <p:nvPr>
+            <p:ph type="title"/>
+          </p:nvPr>
+        </p:nvSpPr>
+        <p:spPr/>
+        <p:txBody>
+          <a:bodyPr/>
+          <a:lstStyle/>
+          <a:p>
+            <a:r>
+              <a:rPr lang="en-US" dirty="0"/>
+              <a:t>Async actions</a:t>
+            </a:r>
+            <a:endParaRPr lang="en-ZA" dirty="0"/>
+          </a:p>
+        </p:txBody>
+      </p:sp>
+      <p:sp>
+        <p:nvSpPr>
+          <p:cNvPr id="3" name="Content Placeholder 2">
+            <a:extLst>
+              <a:ext uri="{FF2B5EF4-FFF2-40B4-BE49-F238E27FC236}">
+                <a16:creationId xmlns:a16="http://schemas.microsoft.com/office/drawing/2014/main" id="{68330A33-A9A5-48A3-AF0A-883A6C320B61}"/>
+              </a:ext>
+            </a:extLst>
+          </p:cNvPr>
+          <p:cNvSpPr>
+            <a:spLocks noGrp="1"/>
+          </p:cNvSpPr>
+          <p:nvPr>
+            <p:ph idx="1"/>
+          </p:nvPr>
+        </p:nvSpPr>
+        <p:spPr/>
+        <p:txBody>
+          <a:bodyPr/>
+          <a:lstStyle/>
+          <a:p>
+            <a:r>
+              <a:rPr lang="en-US" dirty="0"/>
+              <a:t>Use redux </a:t>
+            </a:r>
+            <a:r>
+              <a:rPr lang="en-US" dirty="0" err="1"/>
+              <a:t>thunk</a:t>
+            </a:r>
+            <a:r>
+              <a:rPr lang="en-US" dirty="0"/>
+              <a:t> - https://www.npmjs.com/package/redux-thunk</a:t>
+            </a:r>
+          </a:p>
+          <a:p>
+            <a:r>
+              <a:rPr lang="en-US" dirty="0"/>
+              <a:t>Or use redux sagas - https://github.com/redux-saga/redux-saga</a:t>
+            </a:r>
+            <a:endParaRPr lang="en-ZA" dirty="0"/>
+          </a:p>
+        </p:txBody>
+      </p:sp>
+    </p:spTree>
+    <p:extLst>
+      <p:ext uri="{BB962C8B-B14F-4D97-AF65-F5344CB8AC3E}">
+        <p14:creationId xmlns:p14="http://schemas.microsoft.com/office/powerpoint/2010/main" val="2400350957"/>
+      </p:ext>
+    </p:extLst>
+  </p:cSld>
+  <p:clrMapOvr>
+    <a:masterClrMapping/>
+  </p:clrMapOvr>
+</p:sld>
+</file>
+
+<file path=ppt/slides/slide16.xml><?xml version="1.0" encoding="utf-8"?>
+<p:sld xmlns:a="http://schemas.openxmlformats.org/drawingml/2006/main" xmlns:r="http://schemas.openxmlformats.org/officeDocument/2006/relationships" xmlns:p="http://schemas.openxmlformats.org/presentationml/2006/main">
+  <p:cSld>
+    <p:spTree>
+      <p:nvGrpSpPr>
+        <p:cNvPr id="1" name=""/>
+        <p:cNvGrpSpPr/>
+        <p:nvPr/>
+      </p:nvGrpSpPr>
+      <p:grpSpPr>
+        <a:xfrm>
+          <a:off x="0" y="0"/>
+          <a:ext cx="0" cy="0"/>
+          <a:chOff x="0" y="0"/>
+          <a:chExt cx="0" cy="0"/>
+        </a:xfrm>
+      </p:grpSpPr>
+      <p:sp>
+        <p:nvSpPr>
+          <p:cNvPr id="2" name="Title 1">
+            <a:extLst>
+              <a:ext uri="{FF2B5EF4-FFF2-40B4-BE49-F238E27FC236}">
+                <a16:creationId xmlns:a16="http://schemas.microsoft.com/office/drawing/2014/main" id="{407F91D0-24A9-4E69-BEE8-01998F5CDF70}"/>
+              </a:ext>
+            </a:extLst>
+          </p:cNvPr>
+          <p:cNvSpPr>
+            <a:spLocks noGrp="1"/>
+          </p:cNvSpPr>
+          <p:nvPr>
+            <p:ph type="title"/>
+          </p:nvPr>
+        </p:nvSpPr>
+        <p:spPr/>
+        <p:txBody>
+          <a:bodyPr/>
+          <a:lstStyle/>
+          <a:p>
+            <a:r>
+              <a:rPr lang="en-US" dirty="0"/>
+              <a:t>Q&amp;A</a:t>
+            </a:r>
+            <a:endParaRPr lang="en-ZA" dirty="0"/>
+          </a:p>
+        </p:txBody>
+      </p:sp>
+      <p:sp>
+        <p:nvSpPr>
+          <p:cNvPr id="3" name="Content Placeholder 2">
+            <a:extLst>
+              <a:ext uri="{FF2B5EF4-FFF2-40B4-BE49-F238E27FC236}">
+                <a16:creationId xmlns:a16="http://schemas.microsoft.com/office/drawing/2014/main" id="{80E33779-8A3F-4215-A09D-CD83960FFE53}"/>
+              </a:ext>
+            </a:extLst>
+          </p:cNvPr>
+          <p:cNvSpPr>
+            <a:spLocks noGrp="1"/>
+          </p:cNvSpPr>
+          <p:nvPr>
+            <p:ph idx="1"/>
+          </p:nvPr>
+        </p:nvSpPr>
+        <p:spPr/>
+        <p:txBody>
+          <a:bodyPr/>
+          <a:lstStyle/>
+          <a:p>
+            <a:r>
+              <a:rPr lang="en-ZA" dirty="0">
+                <a:hlinkClick r:id="rId2"/>
+              </a:rPr>
+              <a:t>https://twitter.com/Alexander_za</a:t>
+            </a:r>
+            <a:br>
+              <a:rPr lang="en-ZA" dirty="0"/>
+            </a:br>
+            <a:endParaRPr lang="en-ZA" dirty="0"/>
+          </a:p>
+          <a:p>
+            <a:r>
+              <a:rPr lang="en-US" dirty="0"/>
+              <a:t>On </a:t>
+            </a:r>
+            <a:r>
+              <a:rPr lang="en-ZA" dirty="0" err="1"/>
+              <a:t>ZATech</a:t>
+            </a:r>
+            <a:r>
+              <a:rPr lang="en-ZA" dirty="0"/>
+              <a:t> </a:t>
+            </a:r>
+            <a:r>
+              <a:rPr lang="en-US" dirty="0"/>
+              <a:t>S</a:t>
+            </a:r>
+            <a:r>
+              <a:rPr lang="en-ZA" dirty="0"/>
+              <a:t>lack: </a:t>
+            </a:r>
+            <a:r>
+              <a:rPr lang="en-ZA" dirty="0" err="1"/>
+              <a:t>alexp</a:t>
+            </a:r>
+            <a:br>
+              <a:rPr lang="en-ZA" dirty="0"/>
+            </a:br>
+            <a:endParaRPr lang="en-ZA" dirty="0"/>
+          </a:p>
+          <a:p>
+            <a:r>
+              <a:rPr lang="en-US" dirty="0">
+                <a:hlinkClick r:id="rId3"/>
+              </a:rPr>
+              <a:t>a</a:t>
+            </a:r>
+            <a:r>
+              <a:rPr lang="en-ZA" dirty="0">
+                <a:hlinkClick r:id="rId3"/>
+              </a:rPr>
+              <a:t>.pittendrigh@gmail.com</a:t>
+            </a:r>
+            <a:br>
+              <a:rPr lang="en-ZA" dirty="0"/>
+            </a:br>
+            <a:endParaRPr lang="en-ZA" dirty="0"/>
+          </a:p>
+          <a:p>
+            <a:r>
+              <a:rPr lang="en-ZA" dirty="0">
+                <a:hlinkClick r:id="rId4"/>
+              </a:rPr>
+              <a:t>https://github.com/a-pittendrigh/Talks/tree/master/Redux</a:t>
+            </a:r>
+            <a:endParaRPr lang="en-ZA" dirty="0"/>
+          </a:p>
+          <a:p>
+            <a:r>
+              <a:rPr lang="en-ZA" dirty="0"/>
+              <a:t>https://github.com/a-pittendrigh/</a:t>
+            </a:r>
+          </a:p>
+          <a:p>
+            <a:endParaRPr lang="en-ZA" dirty="0"/>
+          </a:p>
+        </p:txBody>
+      </p:sp>
+    </p:spTree>
+    <p:extLst>
+      <p:ext uri="{BB962C8B-B14F-4D97-AF65-F5344CB8AC3E}">
+        <p14:creationId xmlns:p14="http://schemas.microsoft.com/office/powerpoint/2010/main" val="3125071485"/>
       </p:ext>
     </p:extLst>
   </p:cSld>
